--- a/courses/apcsa/lecture19.pptx
+++ b/courses/apcsa/lecture19.pptx
@@ -5,7 +5,7 @@
     <p:sldMasterId id="2147483648" r:id="rId1"/>
   </p:sldMasterIdLst>
   <p:notesMasterIdLst>
-    <p:notesMasterId r:id="rId23"/>
+    <p:notesMasterId r:id="rId22"/>
   </p:notesMasterIdLst>
   <p:sldIdLst>
     <p:sldId id="256" r:id="rId2"/>
@@ -24,11 +24,10 @@
     <p:sldId id="288" r:id="rId15"/>
     <p:sldId id="289" r:id="rId16"/>
     <p:sldId id="290" r:id="rId17"/>
-    <p:sldId id="296" r:id="rId18"/>
-    <p:sldId id="292" r:id="rId19"/>
-    <p:sldId id="291" r:id="rId20"/>
-    <p:sldId id="295" r:id="rId21"/>
-    <p:sldId id="294" r:id="rId22"/>
+    <p:sldId id="292" r:id="rId18"/>
+    <p:sldId id="291" r:id="rId19"/>
+    <p:sldId id="295" r:id="rId20"/>
+    <p:sldId id="294" r:id="rId21"/>
   </p:sldIdLst>
   <p:sldSz cx="9144000" cy="6858000" type="screen4x3"/>
   <p:notesSz cx="6858000" cy="9144000"/>
@@ -157,7 +156,67 @@
       </a:defRPr>
     </a:lvl9pPr>
   </p:defaultTextStyle>
+  <p:extLst>
+    <p:ext uri="{EFAFB233-063F-42B5-8137-9DF3F51BA10A}">
+      <p15:sldGuideLst xmlns:p15="http://schemas.microsoft.com/office/powerpoint/2012/main">
+        <p15:guide id="1" orient="horz" pos="2160">
+          <p15:clr>
+            <a:srgbClr val="A4A3A4"/>
+          </p15:clr>
+        </p15:guide>
+        <p15:guide id="2" pos="2880">
+          <p15:clr>
+            <a:srgbClr val="A4A3A4"/>
+          </p15:clr>
+        </p15:guide>
+      </p15:sldGuideLst>
+    </p:ext>
+  </p:extLst>
 </p:presentation>
+</file>
+
+<file path=ppt/revisionInfo.xml><?xml version="1.0" encoding="utf-8"?>
+<p1510:revInfo xmlns:a="http://schemas.openxmlformats.org/drawingml/2006/main" xmlns:r="http://schemas.openxmlformats.org/officeDocument/2006/relationships" xmlns:p1510="http://schemas.microsoft.com/office/powerpoint/2015/10/main">
+  <p1510:revLst>
+    <p1510:client id="{CE63982B-545A-7945-90FE-824E03F5EE19}" v="5" dt="2019-02-11T00:00:13.385"/>
+  </p1510:revLst>
+</p1510:revInfo>
+</file>
+
+<file path=ppt/changesInfos/changesInfo1.xml><?xml version="1.0" encoding="utf-8"?>
+<pc:chgInfo xmlns:a="http://schemas.openxmlformats.org/drawingml/2006/main" xmlns:r="http://schemas.openxmlformats.org/officeDocument/2006/relationships" xmlns:ac="http://schemas.microsoft.com/office/drawing/2013/main/command" xmlns:pc="http://schemas.microsoft.com/office/powerpoint/2013/main/command">
+  <pc:docChgLst>
+    <pc:chgData name="Long B Nguyen" userId="f59fb8f3-a021-417a-8bc1-65c8d471c621" providerId="ADAL" clId="{CE63982B-545A-7945-90FE-824E03F5EE19}"/>
+    <pc:docChg chg="delSld modSld">
+      <pc:chgData name="Long B Nguyen" userId="f59fb8f3-a021-417a-8bc1-65c8d471c621" providerId="ADAL" clId="{CE63982B-545A-7945-90FE-824E03F5EE19}" dt="2019-02-11T00:00:13.385" v="4" actId="2696"/>
+      <pc:docMkLst>
+        <pc:docMk/>
+      </pc:docMkLst>
+      <pc:sldChg chg="modSp">
+        <pc:chgData name="Long B Nguyen" userId="f59fb8f3-a021-417a-8bc1-65c8d471c621" providerId="ADAL" clId="{CE63982B-545A-7945-90FE-824E03F5EE19}" dt="2019-02-10T23:58:17.614" v="3" actId="20577"/>
+        <pc:sldMkLst>
+          <pc:docMk/>
+          <pc:sldMk cId="0" sldId="256"/>
+        </pc:sldMkLst>
+        <pc:spChg chg="mod">
+          <ac:chgData name="Long B Nguyen" userId="f59fb8f3-a021-417a-8bc1-65c8d471c621" providerId="ADAL" clId="{CE63982B-545A-7945-90FE-824E03F5EE19}" dt="2019-02-10T23:58:17.614" v="3" actId="20577"/>
+          <ac:spMkLst>
+            <pc:docMk/>
+            <pc:sldMk cId="0" sldId="256"/>
+            <ac:spMk id="3074" creationId="{00000000-0000-0000-0000-000000000000}"/>
+          </ac:spMkLst>
+        </pc:spChg>
+      </pc:sldChg>
+      <pc:sldChg chg="del">
+        <pc:chgData name="Long B Nguyen" userId="f59fb8f3-a021-417a-8bc1-65c8d471c621" providerId="ADAL" clId="{CE63982B-545A-7945-90FE-824E03F5EE19}" dt="2019-02-11T00:00:13.385" v="4" actId="2696"/>
+        <pc:sldMkLst>
+          <pc:docMk/>
+          <pc:sldMk cId="1545031485" sldId="296"/>
+        </pc:sldMkLst>
+      </pc:sldChg>
+    </pc:docChg>
+  </pc:docChgLst>
+</pc:chgInfo>
 </file>
 
 <file path=ppt/notesMasters/notesMaster1.xml><?xml version="1.0" encoding="utf-8"?>
@@ -210,14 +269,14 @@
           <a:effectLst/>
           <a:extLst>
             <a:ext uri="{909E8E84-426E-40dd-AFC4-6F175D3DCCD1}">
-              <a14:hiddenFill xmlns:a14="http://schemas.microsoft.com/office/drawing/2010/main">
+              <a14:hiddenFill xmlns:a14="http://schemas.microsoft.com/office/drawing/2010/main" xmlns="">
                 <a:solidFill>
                   <a:schemeClr val="accent1"/>
                 </a:solidFill>
               </a14:hiddenFill>
             </a:ext>
             <a:ext uri="{91240B29-F687-4f45-9708-019B960494DF}">
-              <a14:hiddenLine xmlns:a14="http://schemas.microsoft.com/office/drawing/2010/main" w="9525">
+              <a14:hiddenLine xmlns:a14="http://schemas.microsoft.com/office/drawing/2010/main" xmlns="" w="9525">
                 <a:solidFill>
                   <a:schemeClr val="tx1"/>
                 </a:solidFill>
@@ -227,7 +286,7 @@
               </a14:hiddenLine>
             </a:ext>
             <a:ext uri="{AF507438-7753-43e0-B8FC-AC1667EBCBE1}">
-              <a14:hiddenEffects xmlns:a14="http://schemas.microsoft.com/office/drawing/2010/main">
+              <a14:hiddenEffects xmlns:a14="http://schemas.microsoft.com/office/drawing/2010/main" xmlns="">
                 <a:effectLst>
                   <a:outerShdw blurRad="63500" dist="38099" dir="2700000" algn="ctr" rotWithShape="0">
                     <a:schemeClr val="bg2">
@@ -238,7 +297,7 @@
               </a14:hiddenEffects>
             </a:ext>
             <a:ext uri="{FAA26D3D-D897-4be2-8F04-BA451C77F1D7}">
-              <ma14:placeholderFlag xmlns:ma14="http://schemas.microsoft.com/office/mac/drawingml/2011/main" val="1"/>
+              <ma14:placeholderFlag xmlns:ma14="http://schemas.microsoft.com/office/mac/drawingml/2011/main" xmlns="" val="1"/>
             </a:ext>
           </a:extLst>
         </p:spPr>
@@ -288,14 +347,14 @@
           <a:effectLst/>
           <a:extLst>
             <a:ext uri="{909E8E84-426E-40dd-AFC4-6F175D3DCCD1}">
-              <a14:hiddenFill xmlns:a14="http://schemas.microsoft.com/office/drawing/2010/main">
+              <a14:hiddenFill xmlns:a14="http://schemas.microsoft.com/office/drawing/2010/main" xmlns="">
                 <a:solidFill>
                   <a:schemeClr val="accent1"/>
                 </a:solidFill>
               </a14:hiddenFill>
             </a:ext>
             <a:ext uri="{91240B29-F687-4f45-9708-019B960494DF}">
-              <a14:hiddenLine xmlns:a14="http://schemas.microsoft.com/office/drawing/2010/main" w="9525">
+              <a14:hiddenLine xmlns:a14="http://schemas.microsoft.com/office/drawing/2010/main" xmlns="" w="9525">
                 <a:solidFill>
                   <a:schemeClr val="tx1"/>
                 </a:solidFill>
@@ -305,7 +364,7 @@
               </a14:hiddenLine>
             </a:ext>
             <a:ext uri="{AF507438-7753-43e0-B8FC-AC1667EBCBE1}">
-              <a14:hiddenEffects xmlns:a14="http://schemas.microsoft.com/office/drawing/2010/main">
+              <a14:hiddenEffects xmlns:a14="http://schemas.microsoft.com/office/drawing/2010/main" xmlns="">
                 <a:effectLst>
                   <a:outerShdw blurRad="63500" dist="38099" dir="2700000" algn="ctr" rotWithShape="0">
                     <a:schemeClr val="bg2">
@@ -316,7 +375,7 @@
               </a14:hiddenEffects>
             </a:ext>
             <a:ext uri="{FAA26D3D-D897-4be2-8F04-BA451C77F1D7}">
-              <ma14:placeholderFlag xmlns:ma14="http://schemas.microsoft.com/office/mac/drawingml/2011/main" val="1"/>
+              <ma14:placeholderFlag xmlns:ma14="http://schemas.microsoft.com/office/mac/drawingml/2011/main" xmlns="" val="1"/>
             </a:ext>
           </a:extLst>
         </p:spPr>
@@ -371,7 +430,7 @@
           <a:effectLst/>
           <a:extLst>
             <a:ext uri="{AF507438-7753-43e0-B8FC-AC1667EBCBE1}">
-              <a14:hiddenEffects xmlns:a14="http://schemas.microsoft.com/office/drawing/2010/main">
+              <a14:hiddenEffects xmlns:a14="http://schemas.microsoft.com/office/drawing/2010/main" xmlns="">
                 <a:effectLst>
                   <a:outerShdw blurRad="63500" dist="38099" dir="2700000" algn="ctr" rotWithShape="0">
                     <a:srgbClr val="000000">
@@ -382,7 +441,7 @@
               </a14:hiddenEffects>
             </a:ext>
             <a:ext uri="{53640926-AAD7-44d8-BBD7-CCE9431645EC}">
-              <a14:shadowObscured xmlns:a14="http://schemas.microsoft.com/office/drawing/2010/main" val="1"/>
+              <a14:shadowObscured xmlns:a14="http://schemas.microsoft.com/office/drawing/2010/main" xmlns="" val="1"/>
             </a:ext>
           </a:extLst>
         </p:spPr>
@@ -412,14 +471,14 @@
           <a:effectLst/>
           <a:extLst>
             <a:ext uri="{909E8E84-426E-40dd-AFC4-6F175D3DCCD1}">
-              <a14:hiddenFill xmlns:a14="http://schemas.microsoft.com/office/drawing/2010/main">
+              <a14:hiddenFill xmlns:a14="http://schemas.microsoft.com/office/drawing/2010/main" xmlns="">
                 <a:solidFill>
                   <a:schemeClr val="accent1"/>
                 </a:solidFill>
               </a14:hiddenFill>
             </a:ext>
             <a:ext uri="{91240B29-F687-4f45-9708-019B960494DF}">
-              <a14:hiddenLine xmlns:a14="http://schemas.microsoft.com/office/drawing/2010/main" w="9525">
+              <a14:hiddenLine xmlns:a14="http://schemas.microsoft.com/office/drawing/2010/main" xmlns="" w="9525">
                 <a:solidFill>
                   <a:schemeClr val="tx1"/>
                 </a:solidFill>
@@ -429,7 +488,7 @@
               </a14:hiddenLine>
             </a:ext>
             <a:ext uri="{AF507438-7753-43e0-B8FC-AC1667EBCBE1}">
-              <a14:hiddenEffects xmlns:a14="http://schemas.microsoft.com/office/drawing/2010/main">
+              <a14:hiddenEffects xmlns:a14="http://schemas.microsoft.com/office/drawing/2010/main" xmlns="">
                 <a:effectLst>
                   <a:outerShdw blurRad="63500" dist="38099" dir="2700000" algn="ctr" rotWithShape="0">
                     <a:schemeClr val="bg2">
@@ -440,7 +499,7 @@
               </a14:hiddenEffects>
             </a:ext>
             <a:ext uri="{FAA26D3D-D897-4be2-8F04-BA451C77F1D7}">
-              <ma14:placeholderFlag xmlns:ma14="http://schemas.microsoft.com/office/mac/drawingml/2011/main" val="1"/>
+              <ma14:placeholderFlag xmlns:ma14="http://schemas.microsoft.com/office/mac/drawingml/2011/main" xmlns="" val="1"/>
             </a:ext>
           </a:extLst>
         </p:spPr>
@@ -454,35 +513,35 @@
           <a:p>
             <a:pPr lvl="0"/>
             <a:r>
-              <a:rPr lang="en-US" noProof="0" smtClean="0"/>
+              <a:rPr lang="en-US" noProof="0"/>
               <a:t>Click to edit Master text styles</a:t>
             </a:r>
           </a:p>
           <a:p>
             <a:pPr lvl="1"/>
             <a:r>
-              <a:rPr lang="en-US" noProof="0" smtClean="0"/>
+              <a:rPr lang="en-US" noProof="0"/>
               <a:t>Second level</a:t>
             </a:r>
           </a:p>
           <a:p>
             <a:pPr lvl="2"/>
             <a:r>
-              <a:rPr lang="en-US" noProof="0" smtClean="0"/>
+              <a:rPr lang="en-US" noProof="0"/>
               <a:t>Third level</a:t>
             </a:r>
           </a:p>
           <a:p>
             <a:pPr lvl="3"/>
             <a:r>
-              <a:rPr lang="en-US" noProof="0" smtClean="0"/>
+              <a:rPr lang="en-US" noProof="0"/>
               <a:t>Fourth level</a:t>
             </a:r>
           </a:p>
           <a:p>
             <a:pPr lvl="4"/>
             <a:r>
-              <a:rPr lang="en-US" noProof="0" smtClean="0"/>
+              <a:rPr lang="en-US" noProof="0"/>
               <a:t>Fifth level</a:t>
             </a:r>
           </a:p>
@@ -513,14 +572,14 @@
           <a:effectLst/>
           <a:extLst>
             <a:ext uri="{909E8E84-426E-40dd-AFC4-6F175D3DCCD1}">
-              <a14:hiddenFill xmlns:a14="http://schemas.microsoft.com/office/drawing/2010/main">
+              <a14:hiddenFill xmlns:a14="http://schemas.microsoft.com/office/drawing/2010/main" xmlns="">
                 <a:solidFill>
                   <a:schemeClr val="accent1"/>
                 </a:solidFill>
               </a14:hiddenFill>
             </a:ext>
             <a:ext uri="{91240B29-F687-4f45-9708-019B960494DF}">
-              <a14:hiddenLine xmlns:a14="http://schemas.microsoft.com/office/drawing/2010/main" w="9525">
+              <a14:hiddenLine xmlns:a14="http://schemas.microsoft.com/office/drawing/2010/main" xmlns="" w="9525">
                 <a:solidFill>
                   <a:schemeClr val="tx1"/>
                 </a:solidFill>
@@ -530,7 +589,7 @@
               </a14:hiddenLine>
             </a:ext>
             <a:ext uri="{AF507438-7753-43e0-B8FC-AC1667EBCBE1}">
-              <a14:hiddenEffects xmlns:a14="http://schemas.microsoft.com/office/drawing/2010/main">
+              <a14:hiddenEffects xmlns:a14="http://schemas.microsoft.com/office/drawing/2010/main" xmlns="">
                 <a:effectLst>
                   <a:outerShdw blurRad="63500" dist="38099" dir="2700000" algn="ctr" rotWithShape="0">
                     <a:schemeClr val="bg2">
@@ -541,7 +600,7 @@
               </a14:hiddenEffects>
             </a:ext>
             <a:ext uri="{FAA26D3D-D897-4be2-8F04-BA451C77F1D7}">
-              <ma14:placeholderFlag xmlns:ma14="http://schemas.microsoft.com/office/mac/drawingml/2011/main" val="1"/>
+              <ma14:placeholderFlag xmlns:ma14="http://schemas.microsoft.com/office/mac/drawingml/2011/main" xmlns="" val="1"/>
             </a:ext>
           </a:extLst>
         </p:spPr>
@@ -591,14 +650,14 @@
           <a:effectLst/>
           <a:extLst>
             <a:ext uri="{909E8E84-426E-40dd-AFC4-6F175D3DCCD1}">
-              <a14:hiddenFill xmlns:a14="http://schemas.microsoft.com/office/drawing/2010/main">
+              <a14:hiddenFill xmlns:a14="http://schemas.microsoft.com/office/drawing/2010/main" xmlns="">
                 <a:solidFill>
                   <a:schemeClr val="accent1"/>
                 </a:solidFill>
               </a14:hiddenFill>
             </a:ext>
             <a:ext uri="{91240B29-F687-4f45-9708-019B960494DF}">
-              <a14:hiddenLine xmlns:a14="http://schemas.microsoft.com/office/drawing/2010/main" w="9525">
+              <a14:hiddenLine xmlns:a14="http://schemas.microsoft.com/office/drawing/2010/main" xmlns="" w="9525">
                 <a:solidFill>
                   <a:schemeClr val="tx1"/>
                 </a:solidFill>
@@ -608,7 +667,7 @@
               </a14:hiddenLine>
             </a:ext>
             <a:ext uri="{AF507438-7753-43e0-B8FC-AC1667EBCBE1}">
-              <a14:hiddenEffects xmlns:a14="http://schemas.microsoft.com/office/drawing/2010/main">
+              <a14:hiddenEffects xmlns:a14="http://schemas.microsoft.com/office/drawing/2010/main" xmlns="">
                 <a:effectLst>
                   <a:outerShdw blurRad="63500" dist="38099" dir="2700000" algn="ctr" rotWithShape="0">
                     <a:schemeClr val="bg2">
@@ -619,7 +678,7 @@
               </a14:hiddenEffects>
             </a:ext>
             <a:ext uri="{FAA26D3D-D897-4be2-8F04-BA451C77F1D7}">
-              <ma14:placeholderFlag xmlns:ma14="http://schemas.microsoft.com/office/mac/drawingml/2011/main" val="1"/>
+              <ma14:placeholderFlag xmlns:ma14="http://schemas.microsoft.com/office/mac/drawingml/2011/main" xmlns="" val="1"/>
             </a:ext>
           </a:extLst>
         </p:spPr>
@@ -891,7 +950,7 @@
           <a:p>
             <a:pPr lvl="0"/>
             <a:r>
-              <a:rPr lang="en-US" noProof="0" smtClean="0"/>
+              <a:rPr lang="en-US" noProof="0"/>
               <a:t>Click to edit title style</a:t>
             </a:r>
           </a:p>
@@ -925,7 +984,7 @@
           <a:p>
             <a:pPr lvl="0"/>
             <a:r>
-              <a:rPr lang="en-US" noProof="0" smtClean="0"/>
+              <a:rPr lang="en-US" noProof="0"/>
               <a:t>Click to edit Master subtitle style</a:t>
             </a:r>
           </a:p>
@@ -977,10 +1036,9 @@
           <a:lstStyle/>
           <a:p>
             <a:r>
-              <a:rPr lang="en-US" smtClean="0"/>
+              <a:rPr lang="en-US"/>
               <a:t>Click to edit Master title style</a:t>
             </a:r>
-            <a:endParaRPr lang="en-US"/>
           </a:p>
         </p:txBody>
       </p:sp>
@@ -1001,38 +1059,37 @@
           <a:p>
             <a:pPr lvl="0"/>
             <a:r>
-              <a:rPr lang="en-US" smtClean="0"/>
+              <a:rPr lang="en-US"/>
               <a:t>Click to edit Master text styles</a:t>
             </a:r>
           </a:p>
           <a:p>
             <a:pPr lvl="1"/>
             <a:r>
-              <a:rPr lang="en-US" smtClean="0"/>
+              <a:rPr lang="en-US"/>
               <a:t>Second level</a:t>
             </a:r>
           </a:p>
           <a:p>
             <a:pPr lvl="2"/>
             <a:r>
-              <a:rPr lang="en-US" smtClean="0"/>
+              <a:rPr lang="en-US"/>
               <a:t>Third level</a:t>
             </a:r>
           </a:p>
           <a:p>
             <a:pPr lvl="3"/>
             <a:r>
-              <a:rPr lang="en-US" smtClean="0"/>
+              <a:rPr lang="en-US"/>
               <a:t>Fourth level</a:t>
             </a:r>
           </a:p>
           <a:p>
             <a:pPr lvl="4"/>
             <a:r>
-              <a:rPr lang="en-US" smtClean="0"/>
+              <a:rPr lang="en-US"/>
               <a:t>Fifth level</a:t>
             </a:r>
-            <a:endParaRPr lang="en-US"/>
           </a:p>
         </p:txBody>
       </p:sp>
@@ -1087,10 +1144,9 @@
           <a:lstStyle/>
           <a:p>
             <a:r>
-              <a:rPr lang="en-US" smtClean="0"/>
+              <a:rPr lang="en-US"/>
               <a:t>Click to edit Master title style</a:t>
             </a:r>
-            <a:endParaRPr lang="en-US"/>
           </a:p>
         </p:txBody>
       </p:sp>
@@ -1116,38 +1172,37 @@
           <a:p>
             <a:pPr lvl="0"/>
             <a:r>
-              <a:rPr lang="en-US" smtClean="0"/>
+              <a:rPr lang="en-US"/>
               <a:t>Click to edit Master text styles</a:t>
             </a:r>
           </a:p>
           <a:p>
             <a:pPr lvl="1"/>
             <a:r>
-              <a:rPr lang="en-US" smtClean="0"/>
+              <a:rPr lang="en-US"/>
               <a:t>Second level</a:t>
             </a:r>
           </a:p>
           <a:p>
             <a:pPr lvl="2"/>
             <a:r>
-              <a:rPr lang="en-US" smtClean="0"/>
+              <a:rPr lang="en-US"/>
               <a:t>Third level</a:t>
             </a:r>
           </a:p>
           <a:p>
             <a:pPr lvl="3"/>
             <a:r>
-              <a:rPr lang="en-US" smtClean="0"/>
+              <a:rPr lang="en-US"/>
               <a:t>Fourth level</a:t>
             </a:r>
           </a:p>
           <a:p>
             <a:pPr lvl="4"/>
             <a:r>
-              <a:rPr lang="en-US" smtClean="0"/>
+              <a:rPr lang="en-US"/>
               <a:t>Fifth level</a:t>
             </a:r>
-            <a:endParaRPr lang="en-US"/>
           </a:p>
         </p:txBody>
       </p:sp>
@@ -1197,10 +1252,9 @@
           <a:lstStyle/>
           <a:p>
             <a:r>
-              <a:rPr lang="en-US" smtClean="0"/>
+              <a:rPr lang="en-US"/>
               <a:t>Click to edit Master title style</a:t>
             </a:r>
-            <a:endParaRPr lang="en-US"/>
           </a:p>
         </p:txBody>
       </p:sp>
@@ -1221,38 +1275,37 @@
           <a:p>
             <a:pPr lvl="0"/>
             <a:r>
-              <a:rPr lang="en-US" smtClean="0"/>
+              <a:rPr lang="en-US"/>
               <a:t>Click to edit Master text styles</a:t>
             </a:r>
           </a:p>
           <a:p>
             <a:pPr lvl="1"/>
             <a:r>
-              <a:rPr lang="en-US" smtClean="0"/>
+              <a:rPr lang="en-US"/>
               <a:t>Second level</a:t>
             </a:r>
           </a:p>
           <a:p>
             <a:pPr lvl="2"/>
             <a:r>
-              <a:rPr lang="en-US" smtClean="0"/>
+              <a:rPr lang="en-US"/>
               <a:t>Third level</a:t>
             </a:r>
           </a:p>
           <a:p>
             <a:pPr lvl="3"/>
             <a:r>
-              <a:rPr lang="en-US" smtClean="0"/>
+              <a:rPr lang="en-US"/>
               <a:t>Fourth level</a:t>
             </a:r>
           </a:p>
           <a:p>
             <a:pPr lvl="4"/>
             <a:r>
-              <a:rPr lang="en-US" smtClean="0"/>
+              <a:rPr lang="en-US"/>
               <a:t>Fifth level</a:t>
             </a:r>
-            <a:endParaRPr lang="en-US"/>
           </a:p>
         </p:txBody>
       </p:sp>
@@ -1311,10 +1364,9 @@
           </a:lstStyle>
           <a:p>
             <a:r>
-              <a:rPr lang="en-US" smtClean="0"/>
+              <a:rPr lang="en-US"/>
               <a:t>Click to edit Master title style</a:t>
             </a:r>
-            <a:endParaRPr lang="en-US"/>
           </a:p>
         </p:txBody>
       </p:sp>
@@ -1377,7 +1429,7 @@
           <a:p>
             <a:pPr lvl="0"/>
             <a:r>
-              <a:rPr lang="en-US" smtClean="0"/>
+              <a:rPr lang="en-US"/>
               <a:t>Click to edit Master text styles</a:t>
             </a:r>
           </a:p>
@@ -1429,10 +1481,9 @@
           <a:lstStyle/>
           <a:p>
             <a:r>
-              <a:rPr lang="en-US" smtClean="0"/>
+              <a:rPr lang="en-US"/>
               <a:t>Click to edit Master title style</a:t>
             </a:r>
-            <a:endParaRPr lang="en-US"/>
           </a:p>
         </p:txBody>
       </p:sp>
@@ -1486,38 +1537,37 @@
           <a:p>
             <a:pPr lvl="0"/>
             <a:r>
-              <a:rPr lang="en-US" smtClean="0"/>
+              <a:rPr lang="en-US"/>
               <a:t>Click to edit Master text styles</a:t>
             </a:r>
           </a:p>
           <a:p>
             <a:pPr lvl="1"/>
             <a:r>
-              <a:rPr lang="en-US" smtClean="0"/>
+              <a:rPr lang="en-US"/>
               <a:t>Second level</a:t>
             </a:r>
           </a:p>
           <a:p>
             <a:pPr lvl="2"/>
             <a:r>
-              <a:rPr lang="en-US" smtClean="0"/>
+              <a:rPr lang="en-US"/>
               <a:t>Third level</a:t>
             </a:r>
           </a:p>
           <a:p>
             <a:pPr lvl="3"/>
             <a:r>
-              <a:rPr lang="en-US" smtClean="0"/>
+              <a:rPr lang="en-US"/>
               <a:t>Fourth level</a:t>
             </a:r>
           </a:p>
           <a:p>
             <a:pPr lvl="4"/>
             <a:r>
-              <a:rPr lang="en-US" smtClean="0"/>
+              <a:rPr lang="en-US"/>
               <a:t>Fifth level</a:t>
             </a:r>
-            <a:endParaRPr lang="en-US"/>
           </a:p>
         </p:txBody>
       </p:sp>
@@ -1571,38 +1621,37 @@
           <a:p>
             <a:pPr lvl="0"/>
             <a:r>
-              <a:rPr lang="en-US" smtClean="0"/>
+              <a:rPr lang="en-US"/>
               <a:t>Click to edit Master text styles</a:t>
             </a:r>
           </a:p>
           <a:p>
             <a:pPr lvl="1"/>
             <a:r>
-              <a:rPr lang="en-US" smtClean="0"/>
+              <a:rPr lang="en-US"/>
               <a:t>Second level</a:t>
             </a:r>
           </a:p>
           <a:p>
             <a:pPr lvl="2"/>
             <a:r>
-              <a:rPr lang="en-US" smtClean="0"/>
+              <a:rPr lang="en-US"/>
               <a:t>Third level</a:t>
             </a:r>
           </a:p>
           <a:p>
             <a:pPr lvl="3"/>
             <a:r>
-              <a:rPr lang="en-US" smtClean="0"/>
+              <a:rPr lang="en-US"/>
               <a:t>Fourth level</a:t>
             </a:r>
           </a:p>
           <a:p>
             <a:pPr lvl="4"/>
             <a:r>
-              <a:rPr lang="en-US" smtClean="0"/>
+              <a:rPr lang="en-US"/>
               <a:t>Fifth level</a:t>
             </a:r>
-            <a:endParaRPr lang="en-US"/>
           </a:p>
         </p:txBody>
       </p:sp>
@@ -1661,10 +1710,9 @@
           </a:lstStyle>
           <a:p>
             <a:r>
-              <a:rPr lang="en-US" smtClean="0"/>
+              <a:rPr lang="en-US"/>
               <a:t>Click to edit Master title style</a:t>
             </a:r>
-            <a:endParaRPr lang="en-US"/>
           </a:p>
         </p:txBody>
       </p:sp>
@@ -1727,7 +1775,7 @@
           <a:p>
             <a:pPr lvl="0"/>
             <a:r>
-              <a:rPr lang="en-US" smtClean="0"/>
+              <a:rPr lang="en-US"/>
               <a:t>Click to edit Master text styles</a:t>
             </a:r>
           </a:p>
@@ -1783,38 +1831,37 @@
           <a:p>
             <a:pPr lvl="0"/>
             <a:r>
-              <a:rPr lang="en-US" smtClean="0"/>
+              <a:rPr lang="en-US"/>
               <a:t>Click to edit Master text styles</a:t>
             </a:r>
           </a:p>
           <a:p>
             <a:pPr lvl="1"/>
             <a:r>
-              <a:rPr lang="en-US" smtClean="0"/>
+              <a:rPr lang="en-US"/>
               <a:t>Second level</a:t>
             </a:r>
           </a:p>
           <a:p>
             <a:pPr lvl="2"/>
             <a:r>
-              <a:rPr lang="en-US" smtClean="0"/>
+              <a:rPr lang="en-US"/>
               <a:t>Third level</a:t>
             </a:r>
           </a:p>
           <a:p>
             <a:pPr lvl="3"/>
             <a:r>
-              <a:rPr lang="en-US" smtClean="0"/>
+              <a:rPr lang="en-US"/>
               <a:t>Fourth level</a:t>
             </a:r>
           </a:p>
           <a:p>
             <a:pPr lvl="4"/>
             <a:r>
-              <a:rPr lang="en-US" smtClean="0"/>
+              <a:rPr lang="en-US"/>
               <a:t>Fifth level</a:t>
             </a:r>
-            <a:endParaRPr lang="en-US"/>
           </a:p>
         </p:txBody>
       </p:sp>
@@ -1877,7 +1924,7 @@
           <a:p>
             <a:pPr lvl="0"/>
             <a:r>
-              <a:rPr lang="en-US" smtClean="0"/>
+              <a:rPr lang="en-US"/>
               <a:t>Click to edit Master text styles</a:t>
             </a:r>
           </a:p>
@@ -1933,38 +1980,37 @@
           <a:p>
             <a:pPr lvl="0"/>
             <a:r>
-              <a:rPr lang="en-US" smtClean="0"/>
+              <a:rPr lang="en-US"/>
               <a:t>Click to edit Master text styles</a:t>
             </a:r>
           </a:p>
           <a:p>
             <a:pPr lvl="1"/>
             <a:r>
-              <a:rPr lang="en-US" smtClean="0"/>
+              <a:rPr lang="en-US"/>
               <a:t>Second level</a:t>
             </a:r>
           </a:p>
           <a:p>
             <a:pPr lvl="2"/>
             <a:r>
-              <a:rPr lang="en-US" smtClean="0"/>
+              <a:rPr lang="en-US"/>
               <a:t>Third level</a:t>
             </a:r>
           </a:p>
           <a:p>
             <a:pPr lvl="3"/>
             <a:r>
-              <a:rPr lang="en-US" smtClean="0"/>
+              <a:rPr lang="en-US"/>
               <a:t>Fourth level</a:t>
             </a:r>
           </a:p>
           <a:p>
             <a:pPr lvl="4"/>
             <a:r>
-              <a:rPr lang="en-US" smtClean="0"/>
+              <a:rPr lang="en-US"/>
               <a:t>Fifth level</a:t>
             </a:r>
-            <a:endParaRPr lang="en-US"/>
           </a:p>
         </p:txBody>
       </p:sp>
@@ -2014,10 +2060,9 @@
           <a:lstStyle/>
           <a:p>
             <a:r>
-              <a:rPr lang="en-US" smtClean="0"/>
+              <a:rPr lang="en-US"/>
               <a:t>Click to edit Master title style</a:t>
             </a:r>
-            <a:endParaRPr lang="en-US"/>
           </a:p>
         </p:txBody>
       </p:sp>
@@ -2106,10 +2151,9 @@
           </a:lstStyle>
           <a:p>
             <a:r>
-              <a:rPr lang="en-US" smtClean="0"/>
+              <a:rPr lang="en-US"/>
               <a:t>Click to edit Master title style</a:t>
             </a:r>
-            <a:endParaRPr lang="en-US"/>
           </a:p>
         </p:txBody>
       </p:sp>
@@ -2163,38 +2207,37 @@
           <a:p>
             <a:pPr lvl="0"/>
             <a:r>
-              <a:rPr lang="en-US" smtClean="0"/>
+              <a:rPr lang="en-US"/>
               <a:t>Click to edit Master text styles</a:t>
             </a:r>
           </a:p>
           <a:p>
             <a:pPr lvl="1"/>
             <a:r>
-              <a:rPr lang="en-US" smtClean="0"/>
+              <a:rPr lang="en-US"/>
               <a:t>Second level</a:t>
             </a:r>
           </a:p>
           <a:p>
             <a:pPr lvl="2"/>
             <a:r>
-              <a:rPr lang="en-US" smtClean="0"/>
+              <a:rPr lang="en-US"/>
               <a:t>Third level</a:t>
             </a:r>
           </a:p>
           <a:p>
             <a:pPr lvl="3"/>
             <a:r>
-              <a:rPr lang="en-US" smtClean="0"/>
+              <a:rPr lang="en-US"/>
               <a:t>Fourth level</a:t>
             </a:r>
           </a:p>
           <a:p>
             <a:pPr lvl="4"/>
             <a:r>
-              <a:rPr lang="en-US" smtClean="0"/>
+              <a:rPr lang="en-US"/>
               <a:t>Fifth level</a:t>
             </a:r>
-            <a:endParaRPr lang="en-US"/>
           </a:p>
         </p:txBody>
       </p:sp>
@@ -2257,7 +2300,7 @@
           <a:p>
             <a:pPr lvl="0"/>
             <a:r>
-              <a:rPr lang="en-US" smtClean="0"/>
+              <a:rPr lang="en-US"/>
               <a:t>Click to edit Master text styles</a:t>
             </a:r>
           </a:p>
@@ -2318,10 +2361,9 @@
           </a:lstStyle>
           <a:p>
             <a:r>
-              <a:rPr lang="en-US" smtClean="0"/>
+              <a:rPr lang="en-US"/>
               <a:t>Click to edit Master title style</a:t>
             </a:r>
-            <a:endParaRPr lang="en-US"/>
           </a:p>
         </p:txBody>
       </p:sp>
@@ -2383,7 +2425,7 @@
           </a:lstStyle>
           <a:p>
             <a:pPr lvl="0"/>
-            <a:endParaRPr lang="en-US" noProof="0" smtClean="0"/>
+            <a:endParaRPr lang="en-US" noProof="0"/>
           </a:p>
         </p:txBody>
       </p:sp>
@@ -2446,7 +2488,7 @@
           <a:p>
             <a:pPr lvl="0"/>
             <a:r>
-              <a:rPr lang="en-US" smtClean="0"/>
+              <a:rPr lang="en-US"/>
               <a:t>Click to edit Master text styles</a:t>
             </a:r>
           </a:p>
@@ -2575,14 +2617,14 @@
           <a:effectLst/>
           <a:extLst>
             <a:ext uri="{909E8E84-426E-40dd-AFC4-6F175D3DCCD1}">
-              <a14:hiddenFill xmlns:a14="http://schemas.microsoft.com/office/drawing/2010/main">
+              <a14:hiddenFill xmlns:a14="http://schemas.microsoft.com/office/drawing/2010/main" xmlns="">
                 <a:solidFill>
                   <a:schemeClr val="accent1"/>
                 </a:solidFill>
               </a14:hiddenFill>
             </a:ext>
             <a:ext uri="{91240B29-F687-4f45-9708-019B960494DF}">
-              <a14:hiddenLine xmlns:a14="http://schemas.microsoft.com/office/drawing/2010/main" w="9525">
+              <a14:hiddenLine xmlns:a14="http://schemas.microsoft.com/office/drawing/2010/main" xmlns="" w="9525">
                 <a:solidFill>
                   <a:schemeClr val="tx1"/>
                 </a:solidFill>
@@ -2592,7 +2634,7 @@
               </a14:hiddenLine>
             </a:ext>
             <a:ext uri="{AF507438-7753-43e0-B8FC-AC1667EBCBE1}">
-              <a14:hiddenEffects xmlns:a14="http://schemas.microsoft.com/office/drawing/2010/main">
+              <a14:hiddenEffects xmlns:a14="http://schemas.microsoft.com/office/drawing/2010/main" xmlns="">
                 <a:effectLst>
                   <a:outerShdw blurRad="63500" dist="38099" dir="2700000" algn="ctr" rotWithShape="0">
                     <a:schemeClr val="bg2">
@@ -2603,7 +2645,7 @@
               </a14:hiddenEffects>
             </a:ext>
             <a:ext uri="{FAA26D3D-D897-4be2-8F04-BA451C77F1D7}">
-              <ma14:placeholderFlag xmlns:ma14="http://schemas.microsoft.com/office/mac/drawingml/2011/main" val="1"/>
+              <ma14:placeholderFlag xmlns:ma14="http://schemas.microsoft.com/office/mac/drawingml/2011/main" xmlns="" val="1"/>
             </a:ext>
           </a:extLst>
         </p:spPr>
@@ -2648,14 +2690,14 @@
           <a:effectLst/>
           <a:extLst>
             <a:ext uri="{909E8E84-426E-40dd-AFC4-6F175D3DCCD1}">
-              <a14:hiddenFill xmlns:a14="http://schemas.microsoft.com/office/drawing/2010/main">
+              <a14:hiddenFill xmlns:a14="http://schemas.microsoft.com/office/drawing/2010/main" xmlns="">
                 <a:solidFill>
                   <a:schemeClr val="accent1"/>
                 </a:solidFill>
               </a14:hiddenFill>
             </a:ext>
             <a:ext uri="{91240B29-F687-4f45-9708-019B960494DF}">
-              <a14:hiddenLine xmlns:a14="http://schemas.microsoft.com/office/drawing/2010/main" w="9525">
+              <a14:hiddenLine xmlns:a14="http://schemas.microsoft.com/office/drawing/2010/main" xmlns="" w="9525">
                 <a:solidFill>
                   <a:schemeClr val="tx1"/>
                 </a:solidFill>
@@ -2665,7 +2707,7 @@
               </a14:hiddenLine>
             </a:ext>
             <a:ext uri="{AF507438-7753-43e0-B8FC-AC1667EBCBE1}">
-              <a14:hiddenEffects xmlns:a14="http://schemas.microsoft.com/office/drawing/2010/main">
+              <a14:hiddenEffects xmlns:a14="http://schemas.microsoft.com/office/drawing/2010/main" xmlns="">
                 <a:effectLst>
                   <a:outerShdw blurRad="63500" dist="38099" dir="2700000" algn="ctr" rotWithShape="0">
                     <a:schemeClr val="bg2">
@@ -2676,7 +2718,7 @@
               </a14:hiddenEffects>
             </a:ext>
             <a:ext uri="{FAA26D3D-D897-4be2-8F04-BA451C77F1D7}">
-              <ma14:placeholderFlag xmlns:ma14="http://schemas.microsoft.com/office/mac/drawingml/2011/main" val="1"/>
+              <ma14:placeholderFlag xmlns:ma14="http://schemas.microsoft.com/office/mac/drawingml/2011/main" xmlns="" val="1"/>
             </a:ext>
           </a:extLst>
         </p:spPr>
@@ -2746,14 +2788,14 @@
           </a:ln>
           <a:extLst>
             <a:ext uri="{909E8E84-426E-40dd-AFC4-6F175D3DCCD1}">
-              <a14:hiddenFill xmlns:a14="http://schemas.microsoft.com/office/drawing/2010/main">
+              <a14:hiddenFill xmlns:a14="http://schemas.microsoft.com/office/drawing/2010/main" xmlns="">
                 <a:solidFill>
                   <a:srgbClr val="FFFFFF"/>
                 </a:solidFill>
               </a14:hiddenFill>
             </a:ext>
             <a:ext uri="{91240B29-F687-4f45-9708-019B960494DF}">
-              <a14:hiddenLine xmlns:a14="http://schemas.microsoft.com/office/drawing/2010/main" w="9525">
+              <a14:hiddenLine xmlns:a14="http://schemas.microsoft.com/office/drawing/2010/main" xmlns="" w="9525">
                 <a:solidFill>
                   <a:srgbClr val="000000"/>
                 </a:solidFill>
@@ -2896,7 +2938,7 @@
               </a:pPr>
               <a:t>‹#›</a:t>
             </a:fld>
-            <a:endParaRPr lang="en-US" sz="1800" smtClean="0"/>
+            <a:endParaRPr lang="en-US" sz="1800"/>
           </a:p>
         </p:txBody>
       </p:sp>
@@ -3341,10 +3383,10 @@
               <a:defRPr/>
             </a:pPr>
             <a:r>
-              <a:rPr lang="en-US" dirty="0" smtClean="0">
+              <a:rPr lang="en-US" dirty="0">
                 <a:cs typeface="+mj-cs"/>
               </a:rPr>
-              <a:t>Lecture 22: Recursion</a:t>
+              <a:t>Lecture 19: Recursion</a:t>
             </a:r>
           </a:p>
         </p:txBody>
@@ -3422,7 +3464,7 @@
             <a:pPr eaLnBrk="1" hangingPunct="1">
               <a:defRPr/>
             </a:pPr>
-            <a:endParaRPr lang="en-US" sz="2200" dirty="0" smtClean="0">
+            <a:endParaRPr lang="en-US" sz="2200" dirty="0">
               <a:cs typeface="+mn-cs"/>
             </a:endParaRPr>
           </a:p>
@@ -3433,13 +3475,6 @@
   <p:clrMapOvr>
     <a:masterClrMapping/>
   </p:clrMapOvr>
-  <p:timing>
-    <p:tnLst>
-      <p:par>
-        <p:cTn xmlns:p14="http://schemas.microsoft.com/office/powerpoint/2010/main" id="1" dur="indefinite" restart="never" nodeType="tmRoot"/>
-      </p:par>
-    </p:tnLst>
-  </p:timing>
 </p:sld>
 </file>
 
@@ -3479,7 +3514,7 @@
               <a:defRPr/>
             </a:pPr>
             <a:r>
-              <a:rPr lang="en-US" smtClean="0">
+              <a:rPr lang="en-US">
                 <a:cs typeface="+mj-cs"/>
               </a:rPr>
               <a:t>Recursive tracing</a:t>
@@ -3506,7 +3541,7 @@
               <a:defRPr/>
             </a:pPr>
             <a:r>
-              <a:rPr lang="en-US" dirty="0" smtClean="0">
+              <a:rPr lang="en-US" dirty="0">
                 <a:cs typeface="+mn-cs"/>
               </a:rPr>
               <a:t>Consider the following recursive method:</a:t>
@@ -3521,7 +3556,7 @@
               <a:buNone/>
               <a:defRPr/>
             </a:pPr>
-            <a:endParaRPr lang="en-US" sz="800" dirty="0" smtClean="0">
+            <a:endParaRPr lang="en-US" sz="800" dirty="0">
               <a:latin typeface="Courier New" charset="0"/>
             </a:endParaRPr>
           </a:p>
@@ -3535,31 +3570,31 @@
               <a:defRPr/>
             </a:pPr>
             <a:r>
-              <a:rPr lang="en-US" dirty="0" smtClean="0">
+              <a:rPr lang="en-US" dirty="0">
                 <a:latin typeface="Courier New" charset="0"/>
               </a:rPr>
               <a:t>public static </a:t>
             </a:r>
             <a:r>
-              <a:rPr lang="en-US" dirty="0" err="1" smtClean="0">
+              <a:rPr lang="en-US" dirty="0" err="1">
                 <a:latin typeface="Courier New" charset="0"/>
               </a:rPr>
               <a:t>int</a:t>
             </a:r>
             <a:r>
-              <a:rPr lang="en-US" dirty="0" smtClean="0">
+              <a:rPr lang="en-US" dirty="0">
                 <a:latin typeface="Courier New" charset="0"/>
               </a:rPr>
               <a:t> mystery(</a:t>
             </a:r>
             <a:r>
-              <a:rPr lang="en-US" dirty="0" err="1" smtClean="0">
+              <a:rPr lang="en-US" dirty="0" err="1">
                 <a:latin typeface="Courier New" charset="0"/>
               </a:rPr>
               <a:t>int</a:t>
             </a:r>
             <a:r>
-              <a:rPr lang="en-US" dirty="0" smtClean="0">
+              <a:rPr lang="en-US" dirty="0">
                 <a:latin typeface="Courier New" charset="0"/>
               </a:rPr>
               <a:t> n) {</a:t>
@@ -3575,7 +3610,7 @@
               <a:defRPr/>
             </a:pPr>
             <a:r>
-              <a:rPr lang="en-US" dirty="0" smtClean="0">
+              <a:rPr lang="en-US" dirty="0">
                 <a:latin typeface="Courier New" charset="0"/>
               </a:rPr>
               <a:t>    if (n &lt; 10) {</a:t>
@@ -3591,7 +3626,7 @@
               <a:defRPr/>
             </a:pPr>
             <a:r>
-              <a:rPr lang="en-US" dirty="0" smtClean="0">
+              <a:rPr lang="en-US" dirty="0">
                 <a:latin typeface="Courier New" charset="0"/>
               </a:rPr>
               <a:t>        return n;</a:t>
@@ -3607,7 +3642,7 @@
               <a:defRPr/>
             </a:pPr>
             <a:r>
-              <a:rPr lang="en-US" dirty="0" smtClean="0">
+              <a:rPr lang="en-US" dirty="0">
                 <a:latin typeface="Courier New" charset="0"/>
               </a:rPr>
               <a:t>    } else {</a:t>
@@ -3623,19 +3658,19 @@
               <a:defRPr/>
             </a:pPr>
             <a:r>
-              <a:rPr lang="en-US" dirty="0" smtClean="0">
+              <a:rPr lang="en-US" dirty="0">
                 <a:latin typeface="Courier New" charset="0"/>
               </a:rPr>
               <a:t>        </a:t>
             </a:r>
             <a:r>
-              <a:rPr lang="en-US" dirty="0" err="1" smtClean="0">
+              <a:rPr lang="en-US" dirty="0" err="1">
                 <a:latin typeface="Courier New" charset="0"/>
               </a:rPr>
               <a:t>int</a:t>
             </a:r>
             <a:r>
-              <a:rPr lang="en-US" dirty="0" smtClean="0">
+              <a:rPr lang="en-US" dirty="0">
                 <a:latin typeface="Courier New" charset="0"/>
               </a:rPr>
               <a:t> a = n / 10;</a:t>
@@ -3651,19 +3686,19 @@
               <a:defRPr/>
             </a:pPr>
             <a:r>
-              <a:rPr lang="en-US" dirty="0" smtClean="0">
+              <a:rPr lang="en-US" dirty="0">
                 <a:latin typeface="Courier New" charset="0"/>
               </a:rPr>
               <a:t>        </a:t>
             </a:r>
             <a:r>
-              <a:rPr lang="en-US" dirty="0" err="1" smtClean="0">
+              <a:rPr lang="en-US" dirty="0" err="1">
                 <a:latin typeface="Courier New" charset="0"/>
               </a:rPr>
               <a:t>int</a:t>
             </a:r>
             <a:r>
-              <a:rPr lang="en-US" dirty="0" smtClean="0">
+              <a:rPr lang="en-US" dirty="0">
                 <a:latin typeface="Courier New" charset="0"/>
               </a:rPr>
               <a:t> b = n % 10;</a:t>
@@ -3679,19 +3714,19 @@
               <a:defRPr/>
             </a:pPr>
             <a:r>
-              <a:rPr lang="en-US" dirty="0" smtClean="0">
+              <a:rPr lang="en-US" dirty="0">
                 <a:latin typeface="Courier New" charset="0"/>
               </a:rPr>
               <a:t>        return </a:t>
             </a:r>
             <a:r>
-              <a:rPr lang="en-US" b="1" dirty="0" smtClean="0">
+              <a:rPr lang="en-US" b="1" dirty="0">
                 <a:latin typeface="Courier New" charset="0"/>
               </a:rPr>
               <a:t>mystery(a + b)</a:t>
             </a:r>
             <a:r>
-              <a:rPr lang="en-US" dirty="0" smtClean="0">
+              <a:rPr lang="en-US" dirty="0">
                 <a:latin typeface="Courier New" charset="0"/>
               </a:rPr>
               <a:t>;</a:t>
@@ -3707,7 +3742,7 @@
               <a:defRPr/>
             </a:pPr>
             <a:r>
-              <a:rPr lang="en-US" dirty="0" smtClean="0">
+              <a:rPr lang="en-US" dirty="0">
                 <a:latin typeface="Courier New" charset="0"/>
               </a:rPr>
               <a:t>    }</a:t>
@@ -3723,7 +3758,7 @@
               <a:defRPr/>
             </a:pPr>
             <a:r>
-              <a:rPr lang="en-US" dirty="0" smtClean="0">
+              <a:rPr lang="en-US" dirty="0">
                 <a:latin typeface="Courier New" charset="0"/>
               </a:rPr>
               <a:t>}</a:t>
@@ -3738,7 +3773,7 @@
               <a:buNone/>
               <a:defRPr/>
             </a:pPr>
-            <a:endParaRPr lang="en-US" dirty="0" smtClean="0">
+            <a:endParaRPr lang="en-US" dirty="0">
               <a:latin typeface="Courier New" charset="0"/>
             </a:endParaRPr>
           </a:p>
@@ -3747,7 +3782,7 @@
               <a:defRPr/>
             </a:pPr>
             <a:r>
-              <a:rPr lang="en-US" dirty="0" smtClean="0"/>
+              <a:rPr lang="en-US" dirty="0"/>
               <a:t>What is the result of the following call?</a:t>
             </a:r>
           </a:p>
@@ -3758,7 +3793,7 @@
               <a:defRPr/>
             </a:pPr>
             <a:r>
-              <a:rPr lang="en-US" sz="2200" dirty="0" smtClean="0">
+              <a:rPr lang="en-US" sz="2200" dirty="0">
                 <a:latin typeface="Courier New" charset="0"/>
               </a:rPr>
               <a:t>mystery(648)</a:t>
@@ -3771,13 +3806,6 @@
   <p:clrMapOvr>
     <a:masterClrMapping/>
   </p:clrMapOvr>
-  <p:timing>
-    <p:tnLst>
-      <p:par>
-        <p:cTn xmlns:p14="http://schemas.microsoft.com/office/powerpoint/2010/main" id="1" dur="indefinite" restart="never" nodeType="tmRoot"/>
-      </p:par>
-    </p:tnLst>
-  </p:timing>
 </p:sld>
 </file>
 
@@ -3817,7 +3845,7 @@
               <a:defRPr/>
             </a:pPr>
             <a:r>
-              <a:rPr lang="en-US" smtClean="0">
+              <a:rPr lang="en-US">
                 <a:cs typeface="+mj-cs"/>
               </a:rPr>
               <a:t>A recursive trace</a:t>
@@ -3846,7 +3874,7 @@
               <a:defRPr/>
             </a:pPr>
             <a:r>
-              <a:rPr lang="en-US" u="sng" smtClean="0">
+              <a:rPr lang="en-US" u="sng">
                 <a:latin typeface="Courier New" charset="0"/>
                 <a:cs typeface="+mn-cs"/>
               </a:rPr>
@@ -3860,13 +3888,13 @@
               <a:defRPr/>
             </a:pPr>
             <a:r>
-              <a:rPr lang="en-US" smtClean="0">
+              <a:rPr lang="en-US">
                 <a:latin typeface="Courier New" charset="0"/>
               </a:rPr>
               <a:t>int a = 648 / 10;        </a:t>
             </a:r>
             <a:r>
-              <a:rPr lang="en-US" b="1" smtClean="0">
+              <a:rPr lang="en-US" b="1">
                 <a:solidFill>
                   <a:srgbClr val="008000"/>
                 </a:solidFill>
@@ -3882,13 +3910,13 @@
               <a:defRPr/>
             </a:pPr>
             <a:r>
-              <a:rPr lang="en-US" smtClean="0">
+              <a:rPr lang="en-US">
                 <a:latin typeface="Courier New" charset="0"/>
               </a:rPr>
               <a:t>int b = 648 % 10;        </a:t>
             </a:r>
             <a:r>
-              <a:rPr lang="en-US" b="1" smtClean="0">
+              <a:rPr lang="en-US" b="1">
                 <a:solidFill>
                   <a:srgbClr val="008000"/>
                 </a:solidFill>
@@ -3904,13 +3932,13 @@
               <a:defRPr/>
             </a:pPr>
             <a:r>
-              <a:rPr lang="en-US" smtClean="0">
+              <a:rPr lang="en-US">
                 <a:latin typeface="Courier New" charset="0"/>
               </a:rPr>
               <a:t>return mystery(a + b);   </a:t>
             </a:r>
             <a:r>
-              <a:rPr lang="en-US" b="1" smtClean="0">
+              <a:rPr lang="en-US" b="1">
                 <a:solidFill>
                   <a:srgbClr val="008000"/>
                 </a:solidFill>
@@ -3925,7 +3953,7 @@
               <a:buNone/>
               <a:defRPr/>
             </a:pPr>
-            <a:endParaRPr lang="en-US" sz="800" b="1" u="sng" smtClean="0">
+            <a:endParaRPr lang="en-US" sz="800" b="1" u="sng">
               <a:solidFill>
                 <a:srgbClr val="008000"/>
               </a:solidFill>
@@ -3939,7 +3967,7 @@
               <a:defRPr/>
             </a:pPr>
             <a:r>
-              <a:rPr lang="en-US" u="sng" smtClean="0">
+              <a:rPr lang="en-US" u="sng">
                 <a:latin typeface="Courier New" charset="0"/>
               </a:rPr>
               <a:t>mystery(72):</a:t>
@@ -3952,13 +3980,13 @@
               <a:defRPr/>
             </a:pPr>
             <a:r>
-              <a:rPr lang="en-US" smtClean="0">
+              <a:rPr lang="en-US">
                 <a:latin typeface="Courier New" charset="0"/>
               </a:rPr>
               <a:t>int a = 72 / 10;          </a:t>
             </a:r>
             <a:r>
-              <a:rPr lang="en-US" b="1" smtClean="0">
+              <a:rPr lang="en-US" b="1">
                 <a:solidFill>
                   <a:srgbClr val="008000"/>
                 </a:solidFill>
@@ -3974,13 +4002,13 @@
               <a:defRPr/>
             </a:pPr>
             <a:r>
-              <a:rPr lang="en-US" smtClean="0">
+              <a:rPr lang="en-US">
                 <a:latin typeface="Courier New" charset="0"/>
               </a:rPr>
               <a:t>int b = 72 % 10;          </a:t>
             </a:r>
             <a:r>
-              <a:rPr lang="en-US" b="1" smtClean="0">
+              <a:rPr lang="en-US" b="1">
                 <a:solidFill>
                   <a:srgbClr val="008000"/>
                 </a:solidFill>
@@ -3996,13 +4024,13 @@
               <a:defRPr/>
             </a:pPr>
             <a:r>
-              <a:rPr lang="en-US" smtClean="0">
+              <a:rPr lang="en-US">
                 <a:latin typeface="Courier New" charset="0"/>
               </a:rPr>
               <a:t>return mystery(a + b);    </a:t>
             </a:r>
             <a:r>
-              <a:rPr lang="en-US" b="1" smtClean="0">
+              <a:rPr lang="en-US" b="1">
                 <a:solidFill>
                   <a:srgbClr val="008000"/>
                 </a:solidFill>
@@ -4017,7 +4045,7 @@
               <a:buChar char="§"/>
               <a:defRPr/>
             </a:pPr>
-            <a:endParaRPr lang="en-US" b="1" smtClean="0">
+            <a:endParaRPr lang="en-US" b="1">
               <a:solidFill>
                 <a:srgbClr val="008000"/>
               </a:solidFill>
@@ -4031,7 +4059,7 @@
               <a:defRPr/>
             </a:pPr>
             <a:r>
-              <a:rPr lang="en-US" u="sng" smtClean="0">
+              <a:rPr lang="en-US" u="sng">
                 <a:latin typeface="Courier New" charset="0"/>
               </a:rPr>
               <a:t>mystery(9):</a:t>
@@ -4044,7 +4072,7 @@
               <a:defRPr/>
             </a:pPr>
             <a:r>
-              <a:rPr lang="en-US" smtClean="0">
+              <a:rPr lang="en-US">
                 <a:latin typeface="Courier New" charset="0"/>
               </a:rPr>
               <a:t>return 9;</a:t>
@@ -4080,14 +4108,14 @@
           <a:effectLst/>
           <a:extLst>
             <a:ext uri="{909E8E84-426E-40dd-AFC4-6F175D3DCCD1}">
-              <a14:hiddenFill xmlns:a14="http://schemas.microsoft.com/office/drawing/2010/main">
+              <a14:hiddenFill xmlns:a14="http://schemas.microsoft.com/office/drawing/2010/main" xmlns="">
                 <a:solidFill>
                   <a:schemeClr val="accent1"/>
                 </a:solidFill>
               </a14:hiddenFill>
             </a:ext>
             <a:ext uri="{AF507438-7753-43e0-B8FC-AC1667EBCBE1}">
-              <a14:hiddenEffects xmlns:a14="http://schemas.microsoft.com/office/drawing/2010/main">
+              <a14:hiddenEffects xmlns:a14="http://schemas.microsoft.com/office/drawing/2010/main" xmlns="">
                 <a:effectLst>
                   <a:outerShdw blurRad="63500" dist="38099" dir="2700000" algn="ctr" rotWithShape="0">
                     <a:schemeClr val="bg2">
@@ -4140,14 +4168,14 @@
           <a:effectLst/>
           <a:extLst>
             <a:ext uri="{909E8E84-426E-40dd-AFC4-6F175D3DCCD1}">
-              <a14:hiddenFill xmlns:a14="http://schemas.microsoft.com/office/drawing/2010/main">
+              <a14:hiddenFill xmlns:a14="http://schemas.microsoft.com/office/drawing/2010/main" xmlns="">
                 <a:solidFill>
                   <a:schemeClr val="accent1"/>
                 </a:solidFill>
               </a14:hiddenFill>
             </a:ext>
             <a:ext uri="{AF507438-7753-43e0-B8FC-AC1667EBCBE1}">
-              <a14:hiddenEffects xmlns:a14="http://schemas.microsoft.com/office/drawing/2010/main">
+              <a14:hiddenEffects xmlns:a14="http://schemas.microsoft.com/office/drawing/2010/main" xmlns="">
                 <a:effectLst>
                   <a:outerShdw blurRad="63500" dist="38099" dir="2700000" algn="ctr" rotWithShape="0">
                     <a:schemeClr val="bg2">
@@ -4200,14 +4228,14 @@
           <a:effectLst/>
           <a:extLst>
             <a:ext uri="{909E8E84-426E-40dd-AFC4-6F175D3DCCD1}">
-              <a14:hiddenFill xmlns:a14="http://schemas.microsoft.com/office/drawing/2010/main">
+              <a14:hiddenFill xmlns:a14="http://schemas.microsoft.com/office/drawing/2010/main" xmlns="">
                 <a:solidFill>
                   <a:schemeClr val="accent1"/>
                 </a:solidFill>
               </a14:hiddenFill>
             </a:ext>
             <a:ext uri="{AF507438-7753-43e0-B8FC-AC1667EBCBE1}">
-              <a14:hiddenEffects xmlns:a14="http://schemas.microsoft.com/office/drawing/2010/main">
+              <a14:hiddenEffects xmlns:a14="http://schemas.microsoft.com/office/drawing/2010/main" xmlns="">
                 <a:effectLst>
                   <a:outerShdw blurRad="63500" dist="38099" dir="2700000" algn="ctr" rotWithShape="0">
                     <a:schemeClr val="bg2">
@@ -4240,7 +4268,7 @@
   <p:timing>
     <p:tnLst>
       <p:par>
-        <p:cTn xmlns:p14="http://schemas.microsoft.com/office/powerpoint/2010/main" id="1" dur="indefinite" restart="never" nodeType="tmRoot">
+        <p:cTn id="1" dur="indefinite" restart="never" nodeType="tmRoot">
           <p:childTnLst>
             <p:seq concurrent="1" nextAc="seek">
               <p:cTn id="2" dur="indefinite" nodeType="mainSeq">
@@ -4956,7 +4984,7 @@
               <a:defRPr/>
             </a:pPr>
             <a:r>
-              <a:rPr lang="en-US" smtClean="0">
+              <a:rPr lang="en-US">
                 <a:cs typeface="+mj-cs"/>
               </a:rPr>
               <a:t>Recursive tracing 2</a:t>
@@ -4983,7 +5011,7 @@
               <a:defRPr/>
             </a:pPr>
             <a:r>
-              <a:rPr lang="en-US" smtClean="0">
+              <a:rPr lang="en-US">
                 <a:cs typeface="+mn-cs"/>
               </a:rPr>
               <a:t>Consider the following recursive method:</a:t>
@@ -4998,7 +5026,7 @@
               <a:buNone/>
               <a:defRPr/>
             </a:pPr>
-            <a:endParaRPr lang="en-US" sz="800" smtClean="0">
+            <a:endParaRPr lang="en-US" sz="800">
               <a:latin typeface="Courier New" charset="0"/>
             </a:endParaRPr>
           </a:p>
@@ -5012,7 +5040,7 @@
               <a:defRPr/>
             </a:pPr>
             <a:r>
-              <a:rPr lang="en-US" smtClean="0">
+              <a:rPr lang="en-US">
                 <a:latin typeface="Courier New" charset="0"/>
               </a:rPr>
               <a:t>public static int mystery(int n) {</a:t>
@@ -5028,7 +5056,7 @@
               <a:defRPr/>
             </a:pPr>
             <a:r>
-              <a:rPr lang="en-US" smtClean="0">
+              <a:rPr lang="en-US">
                 <a:latin typeface="Courier New" charset="0"/>
               </a:rPr>
               <a:t>    if (n &lt; 10) {</a:t>
@@ -5044,7 +5072,7 @@
               <a:defRPr/>
             </a:pPr>
             <a:r>
-              <a:rPr lang="en-US" smtClean="0">
+              <a:rPr lang="en-US">
                 <a:latin typeface="Courier New" charset="0"/>
               </a:rPr>
               <a:t>        return (10 * n) + n;</a:t>
@@ -5060,7 +5088,7 @@
               <a:defRPr/>
             </a:pPr>
             <a:r>
-              <a:rPr lang="en-US" smtClean="0">
+              <a:rPr lang="en-US">
                 <a:latin typeface="Courier New" charset="0"/>
               </a:rPr>
               <a:t>    } else {</a:t>
@@ -5076,19 +5104,19 @@
               <a:defRPr/>
             </a:pPr>
             <a:r>
-              <a:rPr lang="en-US" smtClean="0">
+              <a:rPr lang="en-US">
                 <a:latin typeface="Courier New" charset="0"/>
               </a:rPr>
               <a:t>        int a = </a:t>
             </a:r>
             <a:r>
-              <a:rPr lang="en-US" b="1" smtClean="0">
+              <a:rPr lang="en-US" b="1">
                 <a:latin typeface="Courier New" charset="0"/>
               </a:rPr>
               <a:t>mystery(n / 10)</a:t>
             </a:r>
             <a:r>
-              <a:rPr lang="en-US" smtClean="0">
+              <a:rPr lang="en-US">
                 <a:latin typeface="Courier New" charset="0"/>
               </a:rPr>
               <a:t>;</a:t>
@@ -5104,19 +5132,19 @@
               <a:defRPr/>
             </a:pPr>
             <a:r>
-              <a:rPr lang="en-US" smtClean="0">
+              <a:rPr lang="en-US">
                 <a:latin typeface="Courier New" charset="0"/>
               </a:rPr>
               <a:t>        int b = </a:t>
             </a:r>
             <a:r>
-              <a:rPr lang="en-US" b="1" smtClean="0">
+              <a:rPr lang="en-US" b="1">
                 <a:latin typeface="Courier New" charset="0"/>
               </a:rPr>
               <a:t>mystery(n % 10)</a:t>
             </a:r>
             <a:r>
-              <a:rPr lang="en-US" smtClean="0">
+              <a:rPr lang="en-US">
                 <a:latin typeface="Courier New" charset="0"/>
               </a:rPr>
               <a:t>;</a:t>
@@ -5132,7 +5160,7 @@
               <a:defRPr/>
             </a:pPr>
             <a:r>
-              <a:rPr lang="en-US" smtClean="0">
+              <a:rPr lang="en-US">
                 <a:latin typeface="Courier New" charset="0"/>
               </a:rPr>
               <a:t>        return (100 * a) + b;</a:t>
@@ -5148,7 +5176,7 @@
               <a:defRPr/>
             </a:pPr>
             <a:r>
-              <a:rPr lang="en-US" smtClean="0">
+              <a:rPr lang="en-US">
                 <a:latin typeface="Courier New" charset="0"/>
               </a:rPr>
               <a:t>    }</a:t>
@@ -5164,7 +5192,7 @@
               <a:defRPr/>
             </a:pPr>
             <a:r>
-              <a:rPr lang="en-US" smtClean="0">
+              <a:rPr lang="en-US">
                 <a:latin typeface="Courier New" charset="0"/>
               </a:rPr>
               <a:t>}</a:t>
@@ -5179,7 +5207,7 @@
               <a:buNone/>
               <a:defRPr/>
             </a:pPr>
-            <a:endParaRPr lang="en-US" smtClean="0">
+            <a:endParaRPr lang="en-US">
               <a:latin typeface="Courier New" charset="0"/>
             </a:endParaRPr>
           </a:p>
@@ -5188,7 +5216,7 @@
               <a:defRPr/>
             </a:pPr>
             <a:r>
-              <a:rPr lang="en-US" smtClean="0"/>
+              <a:rPr lang="en-US"/>
               <a:t>What is the result of the following call?</a:t>
             </a:r>
           </a:p>
@@ -5199,7 +5227,7 @@
               <a:defRPr/>
             </a:pPr>
             <a:r>
-              <a:rPr lang="en-US" sz="2200" smtClean="0">
+              <a:rPr lang="en-US" sz="2200">
                 <a:latin typeface="Courier New" charset="0"/>
               </a:rPr>
               <a:t>mystery(348)</a:t>
@@ -5212,13 +5240,6 @@
   <p:clrMapOvr>
     <a:masterClrMapping/>
   </p:clrMapOvr>
-  <p:timing>
-    <p:tnLst>
-      <p:par>
-        <p:cTn xmlns:p14="http://schemas.microsoft.com/office/powerpoint/2010/main" id="1" dur="indefinite" restart="never" nodeType="tmRoot"/>
-      </p:par>
-    </p:tnLst>
-  </p:timing>
 </p:sld>
 </file>
 
@@ -5258,7 +5279,7 @@
               <a:defRPr/>
             </a:pPr>
             <a:r>
-              <a:rPr lang="en-US" smtClean="0">
+              <a:rPr lang="en-US">
                 <a:cs typeface="+mj-cs"/>
               </a:rPr>
               <a:t>A recursive trace 2</a:t>
@@ -5287,7 +5308,7 @@
               <a:defRPr/>
             </a:pPr>
             <a:r>
-              <a:rPr lang="en-US" u="sng" smtClean="0">
+              <a:rPr lang="en-US" u="sng">
                 <a:latin typeface="Courier New" charset="0"/>
                 <a:cs typeface="+mn-cs"/>
               </a:rPr>
@@ -5301,7 +5322,7 @@
               <a:defRPr/>
             </a:pPr>
             <a:r>
-              <a:rPr lang="en-US" smtClean="0">
+              <a:rPr lang="en-US">
                 <a:latin typeface="Courier New" charset="0"/>
               </a:rPr>
               <a:t>int a = mystery(34);</a:t>
@@ -5312,7 +5333,7 @@
               <a:defRPr/>
             </a:pPr>
             <a:r>
-              <a:rPr lang="en-US" smtClean="0">
+              <a:rPr lang="en-US">
                 <a:latin typeface="Courier New" charset="0"/>
               </a:rPr>
               <a:t>int a = mystery(3);</a:t>
@@ -5325,13 +5346,13 @@
               <a:defRPr/>
             </a:pPr>
             <a:r>
-              <a:rPr lang="en-US" smtClean="0">
+              <a:rPr lang="en-US">
                 <a:latin typeface="Courier New" charset="0"/>
               </a:rPr>
               <a:t>return (10 * 3) + 3;   </a:t>
             </a:r>
             <a:r>
-              <a:rPr lang="en-US" b="1" smtClean="0">
+              <a:rPr lang="en-US" b="1">
                 <a:solidFill>
                   <a:srgbClr val="008000"/>
                 </a:solidFill>
@@ -5345,7 +5366,7 @@
               <a:defRPr/>
             </a:pPr>
             <a:r>
-              <a:rPr lang="en-US" smtClean="0">
+              <a:rPr lang="en-US">
                 <a:latin typeface="Courier New" charset="0"/>
               </a:rPr>
               <a:t>int b = mystery(4);</a:t>
@@ -5358,13 +5379,13 @@
               <a:defRPr/>
             </a:pPr>
             <a:r>
-              <a:rPr lang="en-US" smtClean="0">
+              <a:rPr lang="en-US">
                 <a:latin typeface="Courier New" charset="0"/>
               </a:rPr>
               <a:t>return (10 * 4) + 4;   </a:t>
             </a:r>
             <a:r>
-              <a:rPr lang="en-US" b="1" smtClean="0">
+              <a:rPr lang="en-US" b="1">
                 <a:solidFill>
                   <a:srgbClr val="008000"/>
                 </a:solidFill>
@@ -5378,13 +5399,13 @@
               <a:defRPr/>
             </a:pPr>
             <a:r>
-              <a:rPr lang="en-US" smtClean="0">
+              <a:rPr lang="en-US">
                 <a:latin typeface="Courier New" charset="0"/>
               </a:rPr>
               <a:t>return (100 * 33) + 44;   </a:t>
             </a:r>
             <a:r>
-              <a:rPr lang="en-US" b="1" smtClean="0">
+              <a:rPr lang="en-US" b="1">
                 <a:solidFill>
                   <a:srgbClr val="008000"/>
                 </a:solidFill>
@@ -5399,7 +5420,7 @@
               <a:buNone/>
               <a:defRPr/>
             </a:pPr>
-            <a:endParaRPr lang="en-US" smtClean="0">
+            <a:endParaRPr lang="en-US">
               <a:latin typeface="Courier New" charset="0"/>
             </a:endParaRPr>
           </a:p>
@@ -5410,7 +5431,7 @@
               <a:defRPr/>
             </a:pPr>
             <a:r>
-              <a:rPr lang="en-US" smtClean="0">
+              <a:rPr lang="en-US">
                 <a:latin typeface="Courier New" charset="0"/>
               </a:rPr>
               <a:t>int b = mystery(8);</a:t>
@@ -5423,13 +5444,13 @@
               <a:defRPr/>
             </a:pPr>
             <a:r>
-              <a:rPr lang="en-US" smtClean="0">
+              <a:rPr lang="en-US">
                 <a:latin typeface="Courier New" charset="0"/>
               </a:rPr>
               <a:t>return (10 * 8) + 8;       </a:t>
             </a:r>
             <a:r>
-              <a:rPr lang="en-US" b="1" smtClean="0">
+              <a:rPr lang="en-US" b="1">
                 <a:solidFill>
                   <a:srgbClr val="008000"/>
                 </a:solidFill>
@@ -5444,7 +5465,7 @@
               <a:buNone/>
               <a:defRPr/>
             </a:pPr>
-            <a:endParaRPr lang="en-US" smtClean="0">
+            <a:endParaRPr lang="en-US">
               <a:latin typeface="Courier New" charset="0"/>
             </a:endParaRPr>
           </a:p>
@@ -5453,13 +5474,13 @@
               <a:defRPr/>
             </a:pPr>
             <a:r>
-              <a:rPr lang="en-US" smtClean="0">
+              <a:rPr lang="en-US">
                 <a:latin typeface="Courier New" charset="0"/>
               </a:rPr>
               <a:t>return (100 * 3344) + 88;   </a:t>
             </a:r>
             <a:r>
-              <a:rPr lang="en-US" b="1" smtClean="0">
+              <a:rPr lang="en-US" b="1">
                 <a:solidFill>
                   <a:srgbClr val="008000"/>
                 </a:solidFill>
@@ -5468,7 +5489,7 @@
               <a:t>// </a:t>
             </a:r>
             <a:r>
-              <a:rPr lang="en-US" b="1" u="sng" smtClean="0">
+              <a:rPr lang="en-US" b="1" u="sng">
                 <a:solidFill>
                   <a:srgbClr val="008000"/>
                 </a:solidFill>
@@ -5481,7 +5502,7 @@
             <a:pPr lvl="1" eaLnBrk="1" hangingPunct="1">
               <a:defRPr/>
             </a:pPr>
-            <a:endParaRPr lang="en-US" b="1" u="sng" smtClean="0">
+            <a:endParaRPr lang="en-US" b="1" u="sng">
               <a:solidFill>
                 <a:srgbClr val="008000"/>
               </a:solidFill>
@@ -5493,7 +5514,7 @@
               <a:defRPr/>
             </a:pPr>
             <a:r>
-              <a:rPr lang="en-US" smtClean="0"/>
+              <a:rPr lang="en-US"/>
               <a:t>What is this method really doing?</a:t>
             </a:r>
           </a:p>
@@ -5527,14 +5548,14 @@
           <a:effectLst/>
           <a:extLst>
             <a:ext uri="{909E8E84-426E-40dd-AFC4-6F175D3DCCD1}">
-              <a14:hiddenFill xmlns:a14="http://schemas.microsoft.com/office/drawing/2010/main">
+              <a14:hiddenFill xmlns:a14="http://schemas.microsoft.com/office/drawing/2010/main" xmlns="">
                 <a:solidFill>
                   <a:schemeClr val="accent1"/>
                 </a:solidFill>
               </a14:hiddenFill>
             </a:ext>
             <a:ext uri="{AF507438-7753-43e0-B8FC-AC1667EBCBE1}">
-              <a14:hiddenEffects xmlns:a14="http://schemas.microsoft.com/office/drawing/2010/main">
+              <a14:hiddenEffects xmlns:a14="http://schemas.microsoft.com/office/drawing/2010/main" xmlns="">
                 <a:effectLst>
                   <a:outerShdw blurRad="63500" dist="38099" dir="2700000" algn="ctr" rotWithShape="0">
                     <a:schemeClr val="bg2">
@@ -5587,14 +5608,14 @@
           <a:effectLst/>
           <a:extLst>
             <a:ext uri="{909E8E84-426E-40dd-AFC4-6F175D3DCCD1}">
-              <a14:hiddenFill xmlns:a14="http://schemas.microsoft.com/office/drawing/2010/main">
+              <a14:hiddenFill xmlns:a14="http://schemas.microsoft.com/office/drawing/2010/main" xmlns="">
                 <a:solidFill>
                   <a:schemeClr val="accent1"/>
                 </a:solidFill>
               </a14:hiddenFill>
             </a:ext>
             <a:ext uri="{AF507438-7753-43e0-B8FC-AC1667EBCBE1}">
-              <a14:hiddenEffects xmlns:a14="http://schemas.microsoft.com/office/drawing/2010/main">
+              <a14:hiddenEffects xmlns:a14="http://schemas.microsoft.com/office/drawing/2010/main" xmlns="">
                 <a:effectLst>
                   <a:outerShdw blurRad="63500" dist="38099" dir="2700000" algn="ctr" rotWithShape="0">
                     <a:schemeClr val="bg2">
@@ -5647,14 +5668,14 @@
           <a:effectLst/>
           <a:extLst>
             <a:ext uri="{909E8E84-426E-40dd-AFC4-6F175D3DCCD1}">
-              <a14:hiddenFill xmlns:a14="http://schemas.microsoft.com/office/drawing/2010/main">
+              <a14:hiddenFill xmlns:a14="http://schemas.microsoft.com/office/drawing/2010/main" xmlns="">
                 <a:solidFill>
                   <a:schemeClr val="accent1"/>
                 </a:solidFill>
               </a14:hiddenFill>
             </a:ext>
             <a:ext uri="{AF507438-7753-43e0-B8FC-AC1667EBCBE1}">
-              <a14:hiddenEffects xmlns:a14="http://schemas.microsoft.com/office/drawing/2010/main">
+              <a14:hiddenEffects xmlns:a14="http://schemas.microsoft.com/office/drawing/2010/main" xmlns="">
                 <a:effectLst>
                   <a:outerShdw blurRad="63500" dist="38099" dir="2700000" algn="ctr" rotWithShape="0">
                     <a:schemeClr val="bg2">
@@ -5707,14 +5728,14 @@
           <a:effectLst/>
           <a:extLst>
             <a:ext uri="{909E8E84-426E-40dd-AFC4-6F175D3DCCD1}">
-              <a14:hiddenFill xmlns:a14="http://schemas.microsoft.com/office/drawing/2010/main">
+              <a14:hiddenFill xmlns:a14="http://schemas.microsoft.com/office/drawing/2010/main" xmlns="">
                 <a:solidFill>
                   <a:schemeClr val="accent1"/>
                 </a:solidFill>
               </a14:hiddenFill>
             </a:ext>
             <a:ext uri="{AF507438-7753-43e0-B8FC-AC1667EBCBE1}">
-              <a14:hiddenEffects xmlns:a14="http://schemas.microsoft.com/office/drawing/2010/main">
+              <a14:hiddenEffects xmlns:a14="http://schemas.microsoft.com/office/drawing/2010/main" xmlns="">
                 <a:effectLst>
                   <a:outerShdw blurRad="63500" dist="38099" dir="2700000" algn="ctr" rotWithShape="0">
                     <a:schemeClr val="bg2">
@@ -5767,14 +5788,14 @@
           <a:effectLst/>
           <a:extLst>
             <a:ext uri="{909E8E84-426E-40dd-AFC4-6F175D3DCCD1}">
-              <a14:hiddenFill xmlns:a14="http://schemas.microsoft.com/office/drawing/2010/main">
+              <a14:hiddenFill xmlns:a14="http://schemas.microsoft.com/office/drawing/2010/main" xmlns="">
                 <a:solidFill>
                   <a:schemeClr val="accent1"/>
                 </a:solidFill>
               </a14:hiddenFill>
             </a:ext>
             <a:ext uri="{AF507438-7753-43e0-B8FC-AC1667EBCBE1}">
-              <a14:hiddenEffects xmlns:a14="http://schemas.microsoft.com/office/drawing/2010/main">
+              <a14:hiddenEffects xmlns:a14="http://schemas.microsoft.com/office/drawing/2010/main" xmlns="">
                 <a:effectLst>
                   <a:outerShdw blurRad="63500" dist="38099" dir="2700000" algn="ctr" rotWithShape="0">
                     <a:schemeClr val="bg2">
@@ -5807,7 +5828,7 @@
   <p:timing>
     <p:tnLst>
       <p:par>
-        <p:cTn xmlns:p14="http://schemas.microsoft.com/office/powerpoint/2010/main" id="1" dur="indefinite" restart="never" nodeType="tmRoot">
+        <p:cTn id="1" dur="indefinite" restart="never" nodeType="tmRoot">
           <p:childTnLst>
             <p:seq concurrent="1" nextAc="seek">
               <p:cTn id="2" dur="indefinite" nodeType="mainSeq">
@@ -6710,7 +6731,7 @@
               <a:defRPr/>
             </a:pPr>
             <a:r>
-              <a:rPr lang="en-US" smtClean="0">
+              <a:rPr lang="en-US">
                 <a:cs typeface="+mj-cs"/>
               </a:rPr>
               <a:t>Exercise</a:t>
@@ -6740,46 +6761,46 @@
               <a:defRPr/>
             </a:pPr>
             <a:r>
-              <a:rPr lang="en-US" smtClean="0">
+              <a:rPr lang="en-US">
                 <a:cs typeface="+mn-cs"/>
               </a:rPr>
               <a:t>Write a recursive method </a:t>
             </a:r>
             <a:r>
-              <a:rPr lang="en-US" smtClean="0">
+              <a:rPr lang="en-US">
                 <a:latin typeface="Courier New" charset="0"/>
                 <a:cs typeface="+mn-cs"/>
               </a:rPr>
               <a:t>isPalindrome</a:t>
             </a:r>
             <a:r>
-              <a:rPr lang="en-US" smtClean="0">
+              <a:rPr lang="en-US">
                 <a:cs typeface="+mn-cs"/>
               </a:rPr>
               <a:t> accepts a </a:t>
             </a:r>
             <a:r>
-              <a:rPr lang="en-US" smtClean="0">
+              <a:rPr lang="en-US">
                 <a:latin typeface="Courier New" charset="0"/>
                 <a:cs typeface="+mn-cs"/>
               </a:rPr>
               <a:t>String</a:t>
             </a:r>
             <a:r>
-              <a:rPr lang="en-US" smtClean="0">
+              <a:rPr lang="en-US">
                 <a:cs typeface="+mn-cs"/>
               </a:rPr>
               <a:t> and returns </a:t>
             </a:r>
             <a:r>
-              <a:rPr lang="en-US" smtClean="0">
+              <a:rPr lang="en-US">
                 <a:latin typeface="Courier New" charset="0"/>
                 <a:cs typeface="+mn-cs"/>
               </a:rPr>
               <a:t>true</a:t>
             </a:r>
             <a:r>
-              <a:rPr lang="en-US" smtClean="0">
+              <a:rPr lang="en-US">
                 <a:cs typeface="+mn-cs"/>
               </a:rPr>
               <a:t> if it reads the same forwards as backwards.</a:t>
@@ -6792,7 +6813,7 @@
               </a:tabLst>
               <a:defRPr/>
             </a:pPr>
-            <a:endParaRPr lang="en-US" sz="1200" smtClean="0">
+            <a:endParaRPr lang="en-US" sz="1200">
               <a:latin typeface="Courier New" charset="0"/>
             </a:endParaRPr>
           </a:p>
@@ -6804,29 +6825,29 @@
               <a:defRPr/>
             </a:pPr>
             <a:r>
-              <a:rPr lang="en-US" sz="2000" smtClean="0">
+              <a:rPr lang="en-US" sz="2000">
                 <a:latin typeface="Courier New" charset="0"/>
               </a:rPr>
               <a:t>isPalindrome("madam")</a:t>
             </a:r>
             <a:r>
-              <a:rPr lang="en-US" sz="2000" smtClean="0"/>
+              <a:rPr lang="en-US" sz="2000"/>
               <a:t>	</a:t>
             </a:r>
             <a:r>
-              <a:rPr lang="en-US" sz="2000" smtClean="0">
+              <a:rPr lang="en-US" sz="2000">
                 <a:sym typeface="Symbol" charset="0"/>
               </a:rPr>
               <a:t> </a:t>
             </a:r>
             <a:r>
-              <a:rPr lang="en-US" sz="2000" smtClean="0">
+              <a:rPr lang="en-US" sz="2000">
                 <a:latin typeface="Courier New" charset="0"/>
                 <a:sym typeface="Symbol" charset="0"/>
               </a:rPr>
               <a:t>true</a:t>
             </a:r>
-            <a:endParaRPr lang="en-US" sz="2000" smtClean="0">
+            <a:endParaRPr lang="en-US" sz="2000">
               <a:latin typeface="Courier New" charset="0"/>
             </a:endParaRPr>
           </a:p>
@@ -6838,29 +6859,29 @@
               <a:defRPr/>
             </a:pPr>
             <a:r>
-              <a:rPr lang="en-US" sz="2000" smtClean="0">
+              <a:rPr lang="en-US" sz="2000">
                 <a:latin typeface="Courier New" charset="0"/>
               </a:rPr>
               <a:t>isPalindrome("racecar")</a:t>
             </a:r>
             <a:r>
-              <a:rPr lang="en-US" sz="2000" smtClean="0"/>
+              <a:rPr lang="en-US" sz="2000"/>
               <a:t>	</a:t>
             </a:r>
             <a:r>
-              <a:rPr lang="en-US" sz="2000" smtClean="0">
+              <a:rPr lang="en-US" sz="2000">
                 <a:sym typeface="Symbol" charset="0"/>
               </a:rPr>
               <a:t> </a:t>
             </a:r>
             <a:r>
-              <a:rPr lang="en-US" sz="2000" smtClean="0">
+              <a:rPr lang="en-US" sz="2000">
                 <a:latin typeface="Courier New" charset="0"/>
                 <a:sym typeface="Symbol" charset="0"/>
               </a:rPr>
               <a:t>true</a:t>
             </a:r>
-            <a:endParaRPr lang="en-US" sz="2000" smtClean="0">
+            <a:endParaRPr lang="en-US" sz="2000">
               <a:latin typeface="Courier New" charset="0"/>
             </a:endParaRPr>
           </a:p>
@@ -6872,29 +6893,29 @@
               <a:defRPr/>
             </a:pPr>
             <a:r>
-              <a:rPr lang="en-US" sz="2000" smtClean="0">
+              <a:rPr lang="en-US" sz="2000">
                 <a:latin typeface="Courier New" charset="0"/>
               </a:rPr>
               <a:t>isPalindrome("step on no pets")</a:t>
             </a:r>
             <a:r>
-              <a:rPr lang="en-US" sz="2000" smtClean="0"/>
+              <a:rPr lang="en-US" sz="2000"/>
               <a:t>	</a:t>
             </a:r>
             <a:r>
-              <a:rPr lang="en-US" sz="2000" smtClean="0">
+              <a:rPr lang="en-US" sz="2000">
                 <a:sym typeface="Symbol" charset="0"/>
               </a:rPr>
               <a:t> </a:t>
             </a:r>
             <a:r>
-              <a:rPr lang="en-US" sz="2000" smtClean="0">
+              <a:rPr lang="en-US" sz="2000">
                 <a:latin typeface="Courier New" charset="0"/>
                 <a:sym typeface="Symbol" charset="0"/>
               </a:rPr>
               <a:t>true</a:t>
             </a:r>
-            <a:endParaRPr lang="en-US" sz="2000" smtClean="0">
+            <a:endParaRPr lang="en-US" sz="2000">
               <a:latin typeface="Courier New" charset="0"/>
             </a:endParaRPr>
           </a:p>
@@ -6906,30 +6927,30 @@
               <a:defRPr/>
             </a:pPr>
             <a:r>
-              <a:rPr lang="en-US" sz="2000" smtClean="0">
+              <a:rPr lang="en-US" sz="2000">
                 <a:latin typeface="Courier New" charset="0"/>
               </a:rPr>
               <a:t>isPalindrome("able was I ere I saw elba")</a:t>
             </a:r>
             <a:r>
-              <a:rPr lang="en-US" sz="2000" smtClean="0"/>
+              <a:rPr lang="en-US" sz="2000"/>
               <a:t>	</a:t>
             </a:r>
             <a:r>
-              <a:rPr lang="en-US" sz="2000" smtClean="0">
+              <a:rPr lang="en-US" sz="2000">
                 <a:sym typeface="Symbol" charset="0"/>
               </a:rPr>
               <a:t> </a:t>
             </a:r>
             <a:r>
-              <a:rPr lang="en-US" sz="2000" smtClean="0">
+              <a:rPr lang="en-US" sz="2000">
                 <a:latin typeface="Courier New" charset="0"/>
                 <a:sym typeface="Symbol" charset="0"/>
               </a:rPr>
               <a:t>true</a:t>
             </a:r>
             <a:r>
-              <a:rPr lang="en-US" sz="2000" smtClean="0"/>
+              <a:rPr lang="en-US" sz="2000"/>
               <a:t> </a:t>
             </a:r>
           </a:p>
@@ -6941,29 +6962,29 @@
               <a:defRPr/>
             </a:pPr>
             <a:r>
-              <a:rPr lang="en-US" sz="2000" smtClean="0">
+              <a:rPr lang="en-US" sz="2000">
                 <a:latin typeface="Courier New" charset="0"/>
               </a:rPr>
               <a:t>isPalindrome("Java")</a:t>
             </a:r>
             <a:r>
-              <a:rPr lang="en-US" sz="2000" smtClean="0"/>
+              <a:rPr lang="en-US" sz="2000"/>
               <a:t>	</a:t>
             </a:r>
             <a:r>
-              <a:rPr lang="en-US" sz="2000" smtClean="0">
+              <a:rPr lang="en-US" sz="2000">
                 <a:sym typeface="Symbol" charset="0"/>
               </a:rPr>
               <a:t> </a:t>
             </a:r>
             <a:r>
-              <a:rPr lang="en-US" sz="2000" smtClean="0">
+              <a:rPr lang="en-US" sz="2000">
                 <a:latin typeface="Courier New" charset="0"/>
                 <a:sym typeface="Symbol" charset="0"/>
               </a:rPr>
               <a:t>false</a:t>
             </a:r>
-            <a:endParaRPr lang="en-US" sz="2000" smtClean="0">
+            <a:endParaRPr lang="en-US" sz="2000">
               <a:latin typeface="Courier New" charset="0"/>
             </a:endParaRPr>
           </a:p>
@@ -6975,29 +6996,29 @@
               <a:defRPr/>
             </a:pPr>
             <a:r>
-              <a:rPr lang="en-US" sz="2000" smtClean="0">
+              <a:rPr lang="en-US" sz="2000">
                 <a:latin typeface="Courier New" charset="0"/>
               </a:rPr>
               <a:t>isPalindrome("rotater")</a:t>
             </a:r>
             <a:r>
-              <a:rPr lang="en-US" sz="2000" smtClean="0"/>
+              <a:rPr lang="en-US" sz="2000"/>
               <a:t>	</a:t>
             </a:r>
             <a:r>
-              <a:rPr lang="en-US" sz="2000" smtClean="0">
+              <a:rPr lang="en-US" sz="2000">
                 <a:sym typeface="Symbol" charset="0"/>
               </a:rPr>
               <a:t> </a:t>
             </a:r>
             <a:r>
-              <a:rPr lang="en-US" sz="2000" smtClean="0">
+              <a:rPr lang="en-US" sz="2000">
                 <a:latin typeface="Courier New" charset="0"/>
                 <a:sym typeface="Symbol" charset="0"/>
               </a:rPr>
               <a:t>false</a:t>
             </a:r>
-            <a:endParaRPr lang="en-US" sz="2000" smtClean="0">
+            <a:endParaRPr lang="en-US" sz="2000">
               <a:latin typeface="Courier New" charset="0"/>
             </a:endParaRPr>
           </a:p>
@@ -7009,29 +7030,29 @@
               <a:defRPr/>
             </a:pPr>
             <a:r>
-              <a:rPr lang="en-US" sz="2000" smtClean="0">
+              <a:rPr lang="en-US" sz="2000">
                 <a:latin typeface="Courier New" charset="0"/>
               </a:rPr>
               <a:t>isPalindrome("byebye")</a:t>
             </a:r>
             <a:r>
-              <a:rPr lang="en-US" sz="2000" smtClean="0"/>
+              <a:rPr lang="en-US" sz="2000"/>
               <a:t>	</a:t>
             </a:r>
             <a:r>
-              <a:rPr lang="en-US" sz="2000" smtClean="0">
+              <a:rPr lang="en-US" sz="2000">
                 <a:sym typeface="Symbol" charset="0"/>
               </a:rPr>
               <a:t> </a:t>
             </a:r>
             <a:r>
-              <a:rPr lang="en-US" sz="2000" smtClean="0">
+              <a:rPr lang="en-US" sz="2000">
                 <a:latin typeface="Courier New" charset="0"/>
                 <a:sym typeface="Symbol" charset="0"/>
               </a:rPr>
               <a:t>false</a:t>
             </a:r>
-            <a:endParaRPr lang="en-US" sz="2000" smtClean="0">
+            <a:endParaRPr lang="en-US" sz="2000">
               <a:latin typeface="Courier New" charset="0"/>
             </a:endParaRPr>
           </a:p>
@@ -7043,29 +7064,29 @@
               <a:defRPr/>
             </a:pPr>
             <a:r>
-              <a:rPr lang="en-US" sz="2000" smtClean="0">
+              <a:rPr lang="en-US" sz="2000">
                 <a:latin typeface="Courier New" charset="0"/>
               </a:rPr>
               <a:t>isPalindrome("notion")</a:t>
             </a:r>
             <a:r>
-              <a:rPr lang="en-US" sz="2000" smtClean="0"/>
+              <a:rPr lang="en-US" sz="2000"/>
               <a:t>	</a:t>
             </a:r>
             <a:r>
-              <a:rPr lang="en-US" sz="2000" smtClean="0">
+              <a:rPr lang="en-US" sz="2000">
                 <a:sym typeface="Symbol" charset="0"/>
               </a:rPr>
               <a:t> </a:t>
             </a:r>
             <a:r>
-              <a:rPr lang="en-US" sz="2000" smtClean="0">
+              <a:rPr lang="en-US" sz="2000">
                 <a:latin typeface="Courier New" charset="0"/>
                 <a:sym typeface="Symbol" charset="0"/>
               </a:rPr>
               <a:t>false</a:t>
             </a:r>
-            <a:endParaRPr lang="en-US" sz="2000" smtClean="0"/>
+            <a:endParaRPr lang="en-US" sz="2000"/>
           </a:p>
         </p:txBody>
       </p:sp>
@@ -7074,13 +7095,6 @@
   <p:clrMapOvr>
     <a:masterClrMapping/>
   </p:clrMapOvr>
-  <p:timing>
-    <p:tnLst>
-      <p:par>
-        <p:cTn xmlns:p14="http://schemas.microsoft.com/office/powerpoint/2010/main" id="1" dur="indefinite" restart="never" nodeType="tmRoot"/>
-      </p:par>
-    </p:tnLst>
-  </p:timing>
 </p:sld>
 </file>
 
@@ -7120,7 +7134,7 @@
               <a:defRPr/>
             </a:pPr>
             <a:r>
-              <a:rPr lang="en-US" smtClean="0">
+              <a:rPr lang="en-US">
                 <a:cs typeface="+mj-cs"/>
               </a:rPr>
               <a:t>Exercise solution</a:t>
@@ -7152,7 +7166,7 @@
               <a:defRPr/>
             </a:pPr>
             <a:r>
-              <a:rPr lang="en-US" sz="2000" b="1" dirty="0" smtClean="0">
+              <a:rPr lang="en-US" sz="2000" b="1" dirty="0">
                 <a:solidFill>
                   <a:srgbClr val="008000"/>
                 </a:solidFill>
@@ -7171,7 +7185,7 @@
               <a:defRPr/>
             </a:pPr>
             <a:r>
-              <a:rPr lang="en-US" sz="2000" b="1" dirty="0" smtClean="0">
+              <a:rPr lang="en-US" sz="2000" b="1" dirty="0">
                 <a:solidFill>
                   <a:srgbClr val="008000"/>
                 </a:solidFill>
@@ -7190,7 +7204,7 @@
               <a:defRPr/>
             </a:pPr>
             <a:r>
-              <a:rPr lang="en-US" sz="2000" b="1" dirty="0" smtClean="0">
+              <a:rPr lang="en-US" sz="2000" b="1" dirty="0">
                 <a:solidFill>
                   <a:srgbClr val="008000"/>
                 </a:solidFill>
@@ -7209,31 +7223,31 @@
               <a:defRPr/>
             </a:pPr>
             <a:r>
-              <a:rPr lang="en-US" sz="2000" dirty="0" smtClean="0">
+              <a:rPr lang="en-US" sz="2000" dirty="0">
                 <a:latin typeface="Courier New" charset="0"/>
               </a:rPr>
               <a:t>public static </a:t>
             </a:r>
             <a:r>
-              <a:rPr lang="en-US" sz="2000" dirty="0" err="1" smtClean="0">
+              <a:rPr lang="en-US" sz="2000" dirty="0" err="1">
                 <a:latin typeface="Courier New" charset="0"/>
               </a:rPr>
               <a:t>boolean</a:t>
             </a:r>
             <a:r>
-              <a:rPr lang="en-US" sz="2000" dirty="0" smtClean="0">
+              <a:rPr lang="en-US" sz="2000" dirty="0">
                 <a:latin typeface="Courier New" charset="0"/>
               </a:rPr>
               <a:t> </a:t>
             </a:r>
             <a:r>
-              <a:rPr lang="en-US" sz="2000" dirty="0" err="1" smtClean="0">
+              <a:rPr lang="en-US" sz="2000" dirty="0" err="1">
                 <a:latin typeface="Courier New" charset="0"/>
               </a:rPr>
               <a:t>isPalindrome</a:t>
             </a:r>
             <a:r>
-              <a:rPr lang="en-US" sz="2000" dirty="0" smtClean="0">
+              <a:rPr lang="en-US" sz="2000" dirty="0">
                 <a:latin typeface="Courier New" charset="0"/>
               </a:rPr>
               <a:t>(String s) {</a:t>
@@ -7249,19 +7263,19 @@
               <a:defRPr/>
             </a:pPr>
             <a:r>
-              <a:rPr lang="en-US" sz="2000" dirty="0" smtClean="0">
+              <a:rPr lang="en-US" sz="2000" dirty="0">
                 <a:latin typeface="Courier New" charset="0"/>
               </a:rPr>
               <a:t>    if (</a:t>
             </a:r>
             <a:r>
-              <a:rPr lang="en-US" sz="2000" dirty="0" err="1" smtClean="0">
+              <a:rPr lang="en-US" sz="2000" dirty="0" err="1">
                 <a:latin typeface="Courier New" charset="0"/>
               </a:rPr>
               <a:t>s.length</a:t>
             </a:r>
             <a:r>
-              <a:rPr lang="en-US" sz="2000" dirty="0" smtClean="0">
+              <a:rPr lang="en-US" sz="2000" dirty="0">
                 <a:latin typeface="Courier New" charset="0"/>
               </a:rPr>
               <a:t>() &lt; 2) {</a:t>
@@ -7277,13 +7291,13 @@
               <a:defRPr/>
             </a:pPr>
             <a:r>
-              <a:rPr lang="en-US" sz="2000" dirty="0" smtClean="0">
+              <a:rPr lang="en-US" sz="2000" dirty="0">
                 <a:latin typeface="Courier New" charset="0"/>
               </a:rPr>
               <a:t>        return true;   </a:t>
             </a:r>
             <a:r>
-              <a:rPr lang="en-US" sz="2000" b="1" dirty="0" smtClean="0">
+              <a:rPr lang="en-US" sz="2000" b="1" dirty="0">
                 <a:solidFill>
                   <a:srgbClr val="008000"/>
                 </a:solidFill>
@@ -7302,7 +7316,7 @@
               <a:defRPr/>
             </a:pPr>
             <a:r>
-              <a:rPr lang="en-US" sz="2000" dirty="0" smtClean="0">
+              <a:rPr lang="en-US" sz="2000" dirty="0">
                 <a:latin typeface="Courier New" charset="0"/>
               </a:rPr>
               <a:t>    } else {</a:t>
@@ -7318,19 +7332,19 @@
               <a:defRPr/>
             </a:pPr>
             <a:r>
-              <a:rPr lang="en-US" sz="2000" dirty="0" smtClean="0">
+              <a:rPr lang="en-US" sz="2000" dirty="0">
                 <a:latin typeface="Courier New" charset="0"/>
               </a:rPr>
               <a:t>        String first = </a:t>
             </a:r>
             <a:r>
-              <a:rPr lang="en-US" sz="2000" dirty="0" err="1" smtClean="0">
+              <a:rPr lang="en-US" sz="2000" dirty="0" err="1">
                 <a:latin typeface="Courier New" charset="0"/>
               </a:rPr>
               <a:t>s.substring</a:t>
             </a:r>
             <a:r>
-              <a:rPr lang="en-US" sz="2000" dirty="0" smtClean="0">
+              <a:rPr lang="en-US" sz="2000" dirty="0">
                 <a:latin typeface="Courier New" charset="0"/>
               </a:rPr>
               <a:t>(0,1);</a:t>
@@ -7346,31 +7360,31 @@
               <a:defRPr/>
             </a:pPr>
             <a:r>
-              <a:rPr lang="en-US" sz="2000" dirty="0" smtClean="0">
+              <a:rPr lang="en-US" sz="2000" dirty="0">
                 <a:latin typeface="Courier New" charset="0"/>
               </a:rPr>
               <a:t>        String last  = </a:t>
             </a:r>
             <a:r>
-              <a:rPr lang="en-US" sz="2000" dirty="0" err="1" smtClean="0">
+              <a:rPr lang="en-US" sz="2000" dirty="0" err="1">
                 <a:latin typeface="Courier New" charset="0"/>
               </a:rPr>
               <a:t>s.substring</a:t>
             </a:r>
             <a:r>
-              <a:rPr lang="en-US" sz="2000" dirty="0" smtClean="0">
+              <a:rPr lang="en-US" sz="2000" dirty="0">
                 <a:latin typeface="Courier New" charset="0"/>
               </a:rPr>
               <a:t>(</a:t>
             </a:r>
             <a:r>
-              <a:rPr lang="en-US" sz="2000" dirty="0" err="1" smtClean="0">
+              <a:rPr lang="en-US" sz="2000" dirty="0" err="1">
                 <a:latin typeface="Courier New" charset="0"/>
               </a:rPr>
               <a:t>s.length</a:t>
             </a:r>
             <a:r>
-              <a:rPr lang="en-US" sz="2000" dirty="0" smtClean="0">
+              <a:rPr lang="en-US" sz="2000" dirty="0">
                 <a:latin typeface="Courier New" charset="0"/>
               </a:rPr>
               <a:t>() - 1);</a:t>
@@ -7386,13 +7400,13 @@
               <a:defRPr/>
             </a:pPr>
             <a:r>
-              <a:rPr lang="en-US" sz="2000" dirty="0" smtClean="0">
+              <a:rPr lang="en-US" sz="2000" dirty="0">
                 <a:latin typeface="Courier New" charset="0"/>
               </a:rPr>
               <a:t>        if (!</a:t>
             </a:r>
             <a:r>
-              <a:rPr lang="en-US" sz="2000" dirty="0" err="1" smtClean="0">
+              <a:rPr lang="en-US" sz="2000" dirty="0" err="1">
                 <a:latin typeface="Courier New" charset="0"/>
               </a:rPr>
               <a:t>first.equals</a:t>
@@ -7401,13 +7415,7 @@
               <a:rPr lang="en-US" sz="2000" dirty="0">
                 <a:latin typeface="Courier New" charset="0"/>
               </a:rPr>
-              <a:t>(</a:t>
-            </a:r>
-            <a:r>
-              <a:rPr lang="en-US" sz="2000" dirty="0" smtClean="0">
-                <a:latin typeface="Courier New" charset="0"/>
-              </a:rPr>
-              <a:t>last)) {</a:t>
+              <a:t>(last)) {</a:t>
             </a:r>
           </a:p>
           <a:p>
@@ -7420,7 +7428,7 @@
               <a:defRPr/>
             </a:pPr>
             <a:r>
-              <a:rPr lang="en-US" sz="2000" dirty="0" smtClean="0">
+              <a:rPr lang="en-US" sz="2000" dirty="0">
                 <a:latin typeface="Courier New" charset="0"/>
               </a:rPr>
               <a:t>            return false;</a:t>
@@ -7436,13 +7444,13 @@
               <a:defRPr/>
             </a:pPr>
             <a:r>
-              <a:rPr lang="en-US" sz="2000" dirty="0" smtClean="0">
+              <a:rPr lang="en-US" sz="2000" dirty="0">
                 <a:latin typeface="Courier New" charset="0"/>
               </a:rPr>
               <a:t>        }              </a:t>
             </a:r>
             <a:r>
-              <a:rPr lang="en-US" sz="2000" b="1" dirty="0" smtClean="0">
+              <a:rPr lang="en-US" sz="2000" b="1" dirty="0">
                 <a:solidFill>
                   <a:srgbClr val="008000"/>
                 </a:solidFill>
@@ -7461,31 +7469,31 @@
               <a:defRPr/>
             </a:pPr>
             <a:r>
-              <a:rPr lang="en-US" sz="2000" dirty="0" smtClean="0">
+              <a:rPr lang="en-US" sz="2000" dirty="0">
                 <a:latin typeface="Courier New" charset="0"/>
               </a:rPr>
               <a:t>        String middle = </a:t>
             </a:r>
             <a:r>
-              <a:rPr lang="en-US" sz="2000" dirty="0" err="1" smtClean="0">
+              <a:rPr lang="en-US" sz="2000" dirty="0" err="1">
                 <a:latin typeface="Courier New" charset="0"/>
               </a:rPr>
               <a:t>s.substring</a:t>
             </a:r>
             <a:r>
-              <a:rPr lang="en-US" sz="2000" dirty="0" smtClean="0">
+              <a:rPr lang="en-US" sz="2000" dirty="0">
                 <a:latin typeface="Courier New" charset="0"/>
               </a:rPr>
               <a:t>(1, </a:t>
             </a:r>
             <a:r>
-              <a:rPr lang="en-US" sz="2000" dirty="0" err="1" smtClean="0">
+              <a:rPr lang="en-US" sz="2000" dirty="0" err="1">
                 <a:latin typeface="Courier New" charset="0"/>
               </a:rPr>
               <a:t>s.length</a:t>
             </a:r>
             <a:r>
-              <a:rPr lang="en-US" sz="2000" dirty="0" smtClean="0">
+              <a:rPr lang="en-US" sz="2000" dirty="0">
                 <a:latin typeface="Courier New" charset="0"/>
               </a:rPr>
               <a:t>() - 1);</a:t>
@@ -7501,19 +7509,19 @@
               <a:defRPr/>
             </a:pPr>
             <a:r>
-              <a:rPr lang="en-US" sz="2000" dirty="0" smtClean="0">
+              <a:rPr lang="en-US" sz="2000" dirty="0">
                 <a:latin typeface="Courier New" charset="0"/>
               </a:rPr>
               <a:t>        return </a:t>
             </a:r>
             <a:r>
-              <a:rPr lang="en-US" sz="2000" dirty="0" err="1" smtClean="0">
+              <a:rPr lang="en-US" sz="2000" dirty="0" err="1">
                 <a:latin typeface="Courier New" charset="0"/>
               </a:rPr>
               <a:t>isPalindrome</a:t>
             </a:r>
             <a:r>
-              <a:rPr lang="en-US" sz="2000" dirty="0" smtClean="0">
+              <a:rPr lang="en-US" sz="2000" dirty="0">
                 <a:latin typeface="Courier New" charset="0"/>
               </a:rPr>
               <a:t>(middle);</a:t>
@@ -7529,7 +7537,7 @@
               <a:defRPr/>
             </a:pPr>
             <a:r>
-              <a:rPr lang="en-US" sz="2000" dirty="0" smtClean="0">
+              <a:rPr lang="en-US" sz="2000" dirty="0">
                 <a:latin typeface="Courier New" charset="0"/>
               </a:rPr>
               <a:t>    }</a:t>
@@ -7545,7 +7553,7 @@
               <a:defRPr/>
             </a:pPr>
             <a:r>
-              <a:rPr lang="en-US" sz="2000" dirty="0" smtClean="0">
+              <a:rPr lang="en-US" sz="2000" dirty="0">
                 <a:latin typeface="Courier New" charset="0"/>
               </a:rPr>
               <a:t>}</a:t>
@@ -7558,13 +7566,6 @@
   <p:clrMapOvr>
     <a:masterClrMapping/>
   </p:clrMapOvr>
-  <p:timing>
-    <p:tnLst>
-      <p:par>
-        <p:cTn xmlns:p14="http://schemas.microsoft.com/office/powerpoint/2010/main" id="1" dur="indefinite" restart="never" nodeType="tmRoot"/>
-      </p:par>
-    </p:tnLst>
-  </p:timing>
 </p:sld>
 </file>
 
@@ -7604,7 +7605,7 @@
               <a:defRPr/>
             </a:pPr>
             <a:r>
-              <a:rPr lang="en-US" smtClean="0">
+              <a:rPr lang="en-US">
                 <a:cs typeface="+mj-cs"/>
               </a:rPr>
               <a:t>Exercise solution 2</a:t>
@@ -7636,7 +7637,7 @@
               <a:defRPr/>
             </a:pPr>
             <a:r>
-              <a:rPr lang="en-US" sz="2000" b="1" dirty="0" smtClean="0">
+              <a:rPr lang="en-US" sz="2000" b="1" dirty="0">
                 <a:solidFill>
                   <a:srgbClr val="008000"/>
                 </a:solidFill>
@@ -7655,7 +7656,7 @@
               <a:defRPr/>
             </a:pPr>
             <a:r>
-              <a:rPr lang="en-US" sz="2000" b="1" dirty="0" smtClean="0">
+              <a:rPr lang="en-US" sz="2000" b="1" dirty="0">
                 <a:solidFill>
                   <a:srgbClr val="008000"/>
                 </a:solidFill>
@@ -7674,7 +7675,7 @@
               <a:defRPr/>
             </a:pPr>
             <a:r>
-              <a:rPr lang="en-US" sz="2000" b="1" dirty="0" smtClean="0">
+              <a:rPr lang="en-US" sz="2000" b="1" dirty="0">
                 <a:solidFill>
                   <a:srgbClr val="008000"/>
                 </a:solidFill>
@@ -7693,31 +7694,31 @@
               <a:defRPr/>
             </a:pPr>
             <a:r>
-              <a:rPr lang="en-US" sz="1800" dirty="0" smtClean="0">
+              <a:rPr lang="en-US" sz="1800" dirty="0">
                 <a:latin typeface="Courier New" charset="0"/>
               </a:rPr>
               <a:t>public static </a:t>
             </a:r>
             <a:r>
-              <a:rPr lang="en-US" sz="1800" dirty="0" err="1" smtClean="0">
+              <a:rPr lang="en-US" sz="1800" dirty="0" err="1">
                 <a:latin typeface="Courier New" charset="0"/>
               </a:rPr>
               <a:t>boolean</a:t>
             </a:r>
             <a:r>
-              <a:rPr lang="en-US" sz="1800" dirty="0" smtClean="0">
+              <a:rPr lang="en-US" sz="1800" dirty="0">
                 <a:latin typeface="Courier New" charset="0"/>
               </a:rPr>
               <a:t> </a:t>
             </a:r>
             <a:r>
-              <a:rPr lang="en-US" sz="1800" dirty="0" err="1" smtClean="0">
+              <a:rPr lang="en-US" sz="1800" dirty="0" err="1">
                 <a:latin typeface="Courier New" charset="0"/>
               </a:rPr>
               <a:t>isPalindrome</a:t>
             </a:r>
             <a:r>
-              <a:rPr lang="en-US" sz="1800" dirty="0" smtClean="0">
+              <a:rPr lang="en-US" sz="1800" dirty="0">
                 <a:latin typeface="Courier New" charset="0"/>
               </a:rPr>
               <a:t>(String s) {</a:t>
@@ -7733,19 +7734,19 @@
               <a:defRPr/>
             </a:pPr>
             <a:r>
-              <a:rPr lang="en-US" sz="1800" dirty="0" smtClean="0">
+              <a:rPr lang="en-US" sz="1800" dirty="0">
                 <a:latin typeface="Courier New" charset="0"/>
               </a:rPr>
               <a:t>   if (</a:t>
             </a:r>
             <a:r>
-              <a:rPr lang="en-US" sz="1800" dirty="0" err="1" smtClean="0">
+              <a:rPr lang="en-US" sz="1800" dirty="0" err="1">
                 <a:latin typeface="Courier New" charset="0"/>
               </a:rPr>
               <a:t>s.length</a:t>
             </a:r>
             <a:r>
-              <a:rPr lang="en-US" sz="1800" dirty="0" smtClean="0">
+              <a:rPr lang="en-US" sz="1800" dirty="0">
                 <a:latin typeface="Courier New" charset="0"/>
               </a:rPr>
               <a:t>() &lt; 2) {</a:t>
@@ -7761,13 +7762,13 @@
               <a:defRPr/>
             </a:pPr>
             <a:r>
-              <a:rPr lang="en-US" sz="1800" dirty="0" smtClean="0">
+              <a:rPr lang="en-US" sz="1800" dirty="0">
                 <a:latin typeface="Courier New" charset="0"/>
               </a:rPr>
               <a:t>        return true;   </a:t>
             </a:r>
             <a:r>
-              <a:rPr lang="en-US" sz="1800" b="1" dirty="0" smtClean="0">
+              <a:rPr lang="en-US" sz="1800" b="1" dirty="0">
                 <a:solidFill>
                   <a:srgbClr val="008000"/>
                 </a:solidFill>
@@ -7786,7 +7787,7 @@
               <a:defRPr/>
             </a:pPr>
             <a:r>
-              <a:rPr lang="en-US" sz="1800" dirty="0" smtClean="0">
+              <a:rPr lang="en-US" sz="1800" dirty="0">
                 <a:latin typeface="Courier New" charset="0"/>
               </a:rPr>
               <a:t>    } </a:t>
@@ -7802,7 +7803,7 @@
               <a:defRPr/>
             </a:pPr>
             <a:r>
-              <a:rPr lang="en-US" sz="1800" dirty="0" smtClean="0">
+              <a:rPr lang="en-US" sz="1800" dirty="0">
                 <a:latin typeface="Courier New" charset="0"/>
               </a:rPr>
               <a:t>   else {</a:t>
@@ -7818,43 +7819,43 @@
               <a:defRPr/>
             </a:pPr>
             <a:r>
-              <a:rPr lang="en-US" sz="1800" dirty="0" smtClean="0">
+              <a:rPr lang="en-US" sz="1800" dirty="0">
                 <a:latin typeface="Courier New" charset="0"/>
               </a:rPr>
               <a:t>   return </a:t>
             </a:r>
             <a:r>
-              <a:rPr lang="en-US" sz="1800" dirty="0" err="1" smtClean="0">
+              <a:rPr lang="en-US" sz="1800" dirty="0" err="1">
                 <a:latin typeface="Courier New" charset="0"/>
               </a:rPr>
               <a:t>s.substring</a:t>
             </a:r>
             <a:r>
-              <a:rPr lang="en-US" sz="1800" dirty="0" smtClean="0">
+              <a:rPr lang="en-US" sz="1800" dirty="0">
                 <a:latin typeface="Courier New" charset="0"/>
               </a:rPr>
               <a:t>(0,1).equals(</a:t>
             </a:r>
             <a:r>
-              <a:rPr lang="en-US" sz="1800" dirty="0" err="1" smtClean="0">
+              <a:rPr lang="en-US" sz="1800" dirty="0" err="1">
                 <a:latin typeface="Courier New" charset="0"/>
               </a:rPr>
               <a:t>s.substring</a:t>
             </a:r>
             <a:r>
-              <a:rPr lang="en-US" sz="1800" dirty="0" smtClean="0">
+              <a:rPr lang="en-US" sz="1800" dirty="0">
                 <a:latin typeface="Courier New" charset="0"/>
               </a:rPr>
               <a:t>(</a:t>
             </a:r>
             <a:r>
-              <a:rPr lang="en-US" sz="1800" dirty="0" err="1" smtClean="0">
+              <a:rPr lang="en-US" sz="1800" dirty="0" err="1">
                 <a:latin typeface="Courier New" charset="0"/>
               </a:rPr>
               <a:t>s.length</a:t>
             </a:r>
             <a:r>
-              <a:rPr lang="en-US" sz="1800" dirty="0" smtClean="0">
+              <a:rPr lang="en-US" sz="1800" dirty="0">
                 <a:latin typeface="Courier New" charset="0"/>
               </a:rPr>
               <a:t>()-1))</a:t>
@@ -7870,43 +7871,43 @@
               <a:defRPr/>
             </a:pPr>
             <a:r>
-              <a:rPr lang="en-US" sz="1800" dirty="0" smtClean="0">
+              <a:rPr lang="en-US" sz="1800" dirty="0">
                 <a:latin typeface="Courier New" charset="0"/>
               </a:rPr>
               <a:t>            &amp;&amp; </a:t>
             </a:r>
             <a:r>
-              <a:rPr lang="en-US" sz="1800" dirty="0" err="1" smtClean="0">
+              <a:rPr lang="en-US" sz="1800" dirty="0" err="1">
                 <a:latin typeface="Courier New" charset="0"/>
               </a:rPr>
               <a:t>isPalindrome</a:t>
             </a:r>
             <a:r>
-              <a:rPr lang="en-US" sz="1800" dirty="0" smtClean="0">
+              <a:rPr lang="en-US" sz="1800" dirty="0">
                 <a:latin typeface="Courier New" charset="0"/>
               </a:rPr>
               <a:t>(</a:t>
             </a:r>
             <a:r>
-              <a:rPr lang="en-US" sz="1800" dirty="0" err="1" smtClean="0">
+              <a:rPr lang="en-US" sz="1800" dirty="0" err="1">
                 <a:latin typeface="Courier New" charset="0"/>
               </a:rPr>
               <a:t>s.substring</a:t>
             </a:r>
             <a:r>
-              <a:rPr lang="en-US" sz="1800" dirty="0" smtClean="0">
+              <a:rPr lang="en-US" sz="1800" dirty="0">
                 <a:latin typeface="Courier New" charset="0"/>
               </a:rPr>
               <a:t>(1, </a:t>
             </a:r>
             <a:r>
-              <a:rPr lang="en-US" sz="1800" dirty="0" err="1" smtClean="0">
+              <a:rPr lang="en-US" sz="1800" dirty="0" err="1">
                 <a:latin typeface="Courier New" charset="0"/>
               </a:rPr>
               <a:t>s.length</a:t>
             </a:r>
             <a:r>
-              <a:rPr lang="en-US" sz="1800" dirty="0" smtClean="0">
+              <a:rPr lang="en-US" sz="1800" dirty="0">
                 <a:latin typeface="Courier New" charset="0"/>
               </a:rPr>
               <a:t>() - 1));</a:t>
@@ -7922,7 +7923,7 @@
               <a:defRPr/>
             </a:pPr>
             <a:r>
-              <a:rPr lang="en-US" sz="1800" dirty="0" smtClean="0">
+              <a:rPr lang="en-US" sz="1800" dirty="0">
                 <a:latin typeface="Courier New" charset="0"/>
               </a:rPr>
               <a:t>    }</a:t>
@@ -7938,7 +7939,7 @@
               <a:defRPr/>
             </a:pPr>
             <a:r>
-              <a:rPr lang="en-US" sz="1800" dirty="0" smtClean="0">
+              <a:rPr lang="en-US" sz="1800" dirty="0">
                 <a:latin typeface="Courier New" charset="0"/>
               </a:rPr>
               <a:t>}</a:t>
@@ -7951,214 +7952,10 @@
   <p:clrMapOvr>
     <a:masterClrMapping/>
   </p:clrMapOvr>
-  <p:timing>
-    <p:tnLst>
-      <p:par>
-        <p:cTn xmlns:p14="http://schemas.microsoft.com/office/powerpoint/2010/main" id="1" dur="indefinite" restart="never" nodeType="tmRoot"/>
-      </p:par>
-    </p:tnLst>
-  </p:timing>
 </p:sld>
 </file>
 
 <file path=ppt/slides/slide17.xml><?xml version="1.0" encoding="utf-8"?>
-<p:sld xmlns:a="http://schemas.openxmlformats.org/drawingml/2006/main" xmlns:r="http://schemas.openxmlformats.org/officeDocument/2006/relationships" xmlns:p="http://schemas.openxmlformats.org/presentationml/2006/main">
-  <p:cSld>
-    <p:spTree>
-      <p:nvGrpSpPr>
-        <p:cNvPr id="1" name=""/>
-        <p:cNvGrpSpPr/>
-        <p:nvPr/>
-      </p:nvGrpSpPr>
-      <p:grpSpPr>
-        <a:xfrm>
-          <a:off x="0" y="0"/>
-          <a:ext cx="0" cy="0"/>
-          <a:chOff x="0" y="0"/>
-          <a:chExt cx="0" cy="0"/>
-        </a:xfrm>
-      </p:grpSpPr>
-      <p:sp>
-        <p:nvSpPr>
-          <p:cNvPr id="367618" name="Rectangle 2"/>
-          <p:cNvSpPr>
-            <a:spLocks noGrp="1" noChangeArrowheads="1"/>
-          </p:cNvSpPr>
-          <p:nvPr>
-            <p:ph type="title"/>
-          </p:nvPr>
-        </p:nvSpPr>
-        <p:spPr/>
-        <p:txBody>
-          <a:bodyPr/>
-          <a:lstStyle/>
-          <a:p>
-            <a:pPr eaLnBrk="1" hangingPunct="1">
-              <a:defRPr/>
-            </a:pPr>
-            <a:r>
-              <a:rPr lang="en-US" sz="3800" dirty="0" smtClean="0">
-                <a:cs typeface="+mj-cs"/>
-              </a:rPr>
-              <a:t>Types of Recursion Problems</a:t>
-            </a:r>
-          </a:p>
-        </p:txBody>
-      </p:sp>
-      <p:sp>
-        <p:nvSpPr>
-          <p:cNvPr id="367619" name="Rectangle 3"/>
-          <p:cNvSpPr>
-            <a:spLocks noGrp="1" noChangeArrowheads="1"/>
-          </p:cNvSpPr>
-          <p:nvPr>
-            <p:ph type="body" idx="1"/>
-          </p:nvPr>
-        </p:nvSpPr>
-        <p:spPr/>
-        <p:txBody>
-          <a:bodyPr/>
-          <a:lstStyle/>
-          <a:p>
-            <a:pPr marL="0" indent="0" eaLnBrk="1" hangingPunct="1">
-              <a:buNone/>
-              <a:defRPr/>
-            </a:pPr>
-            <a:r>
-              <a:rPr lang="en-US" sz="2200" dirty="0" smtClean="0">
-                <a:latin typeface="Tahoma"/>
-                <a:cs typeface="Tahoma"/>
-              </a:rPr>
-              <a:t>Types of recursion tracing problems. The reference numbers refer to the problems on the Recursion Worksheet. </a:t>
-            </a:r>
-          </a:p>
-          <a:p>
-            <a:pPr marL="0" indent="0" eaLnBrk="1" hangingPunct="1">
-              <a:buNone/>
-              <a:defRPr/>
-            </a:pPr>
-            <a:endParaRPr lang="en-US" sz="2200" dirty="0" smtClean="0">
-              <a:latin typeface="Tahoma"/>
-              <a:cs typeface="Tahoma"/>
-            </a:endParaRPr>
-          </a:p>
-          <a:p>
-            <a:pPr eaLnBrk="1" hangingPunct="1">
-              <a:defRPr/>
-            </a:pPr>
-            <a:r>
-              <a:rPr lang="en-US" sz="2200" dirty="0" smtClean="0">
-                <a:latin typeface="Tahoma"/>
-                <a:cs typeface="Tahoma"/>
-              </a:rPr>
-              <a:t>Easy pattern, do it in your head problem.(#1,7,8)</a:t>
-            </a:r>
-          </a:p>
-          <a:p>
-            <a:pPr eaLnBrk="1" hangingPunct="1">
-              <a:defRPr/>
-            </a:pPr>
-            <a:r>
-              <a:rPr lang="en-US" sz="2200" dirty="0" smtClean="0">
-                <a:latin typeface="Tahoma"/>
-                <a:cs typeface="Tahoma"/>
-              </a:rPr>
-              <a:t>Order matters. (#4,5)</a:t>
-            </a:r>
-          </a:p>
-          <a:p>
-            <a:pPr marL="0" indent="0" eaLnBrk="1" hangingPunct="1">
-              <a:buNone/>
-              <a:defRPr/>
-            </a:pPr>
-            <a:r>
-              <a:rPr lang="en-US" sz="2200" dirty="0">
-                <a:latin typeface="Tahoma"/>
-                <a:cs typeface="Tahoma"/>
-              </a:rPr>
-              <a:t>	</a:t>
-            </a:r>
-            <a:r>
-              <a:rPr lang="en-US" sz="2200" dirty="0" smtClean="0">
-                <a:latin typeface="Tahoma"/>
-                <a:cs typeface="Tahoma"/>
-              </a:rPr>
-              <a:t>(Do something + call) </a:t>
-            </a:r>
-            <a:r>
-              <a:rPr lang="en-US" sz="2200" dirty="0" err="1" smtClean="0">
-                <a:latin typeface="Tahoma"/>
-                <a:cs typeface="Tahoma"/>
-              </a:rPr>
-              <a:t>vs</a:t>
-            </a:r>
-            <a:r>
-              <a:rPr lang="en-US" sz="2200" dirty="0" smtClean="0">
-                <a:latin typeface="Tahoma"/>
-                <a:cs typeface="Tahoma"/>
-              </a:rPr>
-              <a:t> (call + do something)</a:t>
-            </a:r>
-          </a:p>
-          <a:p>
-            <a:pPr eaLnBrk="1" hangingPunct="1">
-              <a:defRPr/>
-            </a:pPr>
-            <a:r>
-              <a:rPr lang="en-US" sz="2200" dirty="0" smtClean="0">
-                <a:latin typeface="Tahoma"/>
-                <a:cs typeface="Tahoma"/>
-              </a:rPr>
-              <a:t>One return all the way back. (#6)</a:t>
-            </a:r>
-          </a:p>
-          <a:p>
-            <a:pPr eaLnBrk="1" hangingPunct="1">
-              <a:defRPr/>
-            </a:pPr>
-            <a:r>
-              <a:rPr lang="en-US" sz="2200" dirty="0" smtClean="0">
-                <a:latin typeface="Tahoma"/>
-                <a:cs typeface="Tahoma"/>
-              </a:rPr>
-              <a:t>Return + additional math before subsequent returning (#1,3)</a:t>
-            </a:r>
-          </a:p>
-          <a:p>
-            <a:pPr eaLnBrk="1" hangingPunct="1">
-              <a:defRPr/>
-            </a:pPr>
-            <a:r>
-              <a:rPr lang="en-US" sz="2200" dirty="0" smtClean="0">
-                <a:latin typeface="Tahoma"/>
-                <a:cs typeface="Tahoma"/>
-              </a:rPr>
-              <a:t>(Trickiest)Multiple recursive calls at the same level/page. (#9, 10)</a:t>
-            </a:r>
-          </a:p>
-        </p:txBody>
-      </p:sp>
-    </p:spTree>
-    <p:extLst>
-      <p:ext uri="{BB962C8B-B14F-4D97-AF65-F5344CB8AC3E}">
-        <p14:creationId xmlns:p14="http://schemas.microsoft.com/office/powerpoint/2010/main" val="1545031485"/>
-      </p:ext>
-    </p:extLst>
-  </p:cSld>
-  <p:clrMapOvr>
-    <a:masterClrMapping/>
-  </p:clrMapOvr>
-  <p:timing>
-    <p:tnLst>
-      <p:par>
-        <p:cTn xmlns:p14="http://schemas.microsoft.com/office/powerpoint/2010/main" id="1" dur="indefinite" restart="never" nodeType="tmRoot"/>
-      </p:par>
-    </p:tnLst>
-  </p:timing>
-</p:sld>
-</file>
-
-<file path=ppt/slides/slide18.xml><?xml version="1.0" encoding="utf-8"?>
 <p:sld xmlns:a="http://schemas.openxmlformats.org/drawingml/2006/main" xmlns:r="http://schemas.openxmlformats.org/officeDocument/2006/relationships" xmlns:p="http://schemas.openxmlformats.org/presentationml/2006/main">
   <p:cSld>
     <p:spTree>
@@ -8194,7 +7991,7 @@
               <a:defRPr/>
             </a:pPr>
             <a:r>
-              <a:rPr lang="en-US" dirty="0" smtClean="0">
+              <a:rPr lang="en-US" dirty="0">
                 <a:cs typeface="+mj-cs"/>
               </a:rPr>
               <a:t>Lab 1: Fractal Circles</a:t>
@@ -8225,7 +8022,7 @@
               <a:buNone/>
               <a:defRPr/>
             </a:pPr>
-            <a:endParaRPr lang="en-US" sz="2000" dirty="0" smtClean="0">
+            <a:endParaRPr lang="en-US" sz="2000" dirty="0">
               <a:latin typeface="Courier New" charset="0"/>
             </a:endParaRPr>
           </a:p>
@@ -8239,7 +8036,7 @@
               <a:defRPr/>
             </a:pPr>
             <a:r>
-              <a:rPr lang="en-US" sz="2000" dirty="0" smtClean="0">
+              <a:rPr lang="en-US" sz="2000" dirty="0">
                 <a:latin typeface="Tahoma"/>
                 <a:cs typeface="Tahoma"/>
               </a:rPr>
@@ -8256,7 +8053,7 @@
               <a:defRPr/>
             </a:pPr>
             <a:r>
-              <a:rPr lang="en-US" sz="2000" dirty="0" smtClean="0">
+              <a:rPr lang="en-US" sz="2000" dirty="0">
                 <a:latin typeface="Tahoma"/>
                 <a:cs typeface="Tahoma"/>
               </a:rPr>
@@ -8272,23 +8069,9 @@
               <a:buNone/>
               <a:defRPr/>
             </a:pPr>
-            <a:endParaRPr lang="en-US" sz="2000" dirty="0" smtClean="0">
+            <a:endParaRPr lang="en-US" sz="2000" dirty="0">
               <a:latin typeface="Tahoma"/>
               <a:cs typeface="Tahoma"/>
-            </a:endParaRPr>
-          </a:p>
-          <a:p>
-            <a:pPr lvl="1" eaLnBrk="1" hangingPunct="1">
-              <a:lnSpc>
-                <a:spcPct val="80000"/>
-              </a:lnSpc>
-              <a:buFontTx/>
-              <a:buNone/>
-              <a:defRPr/>
-            </a:pPr>
-            <a:endParaRPr lang="en-US" sz="2000" dirty="0" smtClean="0">
-              <a:latin typeface="Courier New"/>
-              <a:cs typeface="Courier New"/>
             </a:endParaRPr>
           </a:p>
           <a:p>
@@ -8314,55 +8097,10 @@
               <a:buNone/>
               <a:defRPr/>
             </a:pPr>
-            <a:r>
-              <a:rPr lang="en-US" sz="2000" dirty="0" smtClean="0">
-                <a:latin typeface="Courier New"/>
-                <a:cs typeface="Courier New"/>
-              </a:rPr>
-              <a:t>void circle(</a:t>
-            </a:r>
-            <a:r>
-              <a:rPr lang="en-US" sz="2000" dirty="0" err="1" smtClean="0">
-                <a:latin typeface="Courier New"/>
-                <a:cs typeface="Courier New"/>
-              </a:rPr>
-              <a:t>int</a:t>
-            </a:r>
-            <a:r>
-              <a:rPr lang="en-US" sz="2000" dirty="0" smtClean="0">
-                <a:latin typeface="Courier New"/>
-                <a:cs typeface="Courier New"/>
-              </a:rPr>
-              <a:t> x, </a:t>
-            </a:r>
-            <a:r>
-              <a:rPr lang="en-US" sz="2000" dirty="0" err="1" smtClean="0">
-                <a:latin typeface="Courier New"/>
-                <a:cs typeface="Courier New"/>
-              </a:rPr>
-              <a:t>int</a:t>
-            </a:r>
-            <a:r>
-              <a:rPr lang="en-US" sz="2000" dirty="0" smtClean="0">
-                <a:latin typeface="Courier New"/>
-                <a:cs typeface="Courier New"/>
-              </a:rPr>
-              <a:t> radius, </a:t>
-            </a:r>
-            <a:r>
-              <a:rPr lang="en-US" sz="2000" dirty="0" err="1" smtClean="0">
-                <a:latin typeface="Courier New"/>
-                <a:cs typeface="Courier New"/>
-              </a:rPr>
-              <a:t>int</a:t>
-            </a:r>
-            <a:r>
-              <a:rPr lang="en-US" sz="2000" dirty="0" smtClean="0">
-                <a:latin typeface="Courier New"/>
-                <a:cs typeface="Courier New"/>
-              </a:rPr>
-              <a:t> depth)</a:t>
-            </a:r>
+            <a:endParaRPr lang="en-US" sz="2000" dirty="0">
+              <a:latin typeface="Courier New"/>
+              <a:cs typeface="Courier New"/>
+            </a:endParaRPr>
           </a:p>
           <a:p>
             <a:pPr lvl="1" eaLnBrk="1" hangingPunct="1">
@@ -8374,11 +8112,53 @@
               <a:defRPr/>
             </a:pPr>
             <a:r>
-              <a:rPr lang="en-US" sz="2000" dirty="0" smtClean="0">
+              <a:rPr lang="en-US" sz="2000" dirty="0">
                 <a:latin typeface="Courier New"/>
                 <a:cs typeface="Courier New"/>
               </a:rPr>
-              <a:t>{…}  </a:t>
+              <a:t>void circle(</a:t>
+            </a:r>
+            <a:r>
+              <a:rPr lang="en-US" sz="2000" dirty="0" err="1">
+                <a:latin typeface="Courier New"/>
+                <a:cs typeface="Courier New"/>
+              </a:rPr>
+              <a:t>int</a:t>
+            </a:r>
+            <a:r>
+              <a:rPr lang="en-US" sz="2000" dirty="0">
+                <a:latin typeface="Courier New"/>
+                <a:cs typeface="Courier New"/>
+              </a:rPr>
+              <a:t> x, </a:t>
+            </a:r>
+            <a:r>
+              <a:rPr lang="en-US" sz="2000" dirty="0" err="1">
+                <a:latin typeface="Courier New"/>
+                <a:cs typeface="Courier New"/>
+              </a:rPr>
+              <a:t>int</a:t>
+            </a:r>
+            <a:r>
+              <a:rPr lang="en-US" sz="2000" dirty="0">
+                <a:latin typeface="Courier New"/>
+                <a:cs typeface="Courier New"/>
+              </a:rPr>
+              <a:t> radius, </a:t>
+            </a:r>
+            <a:r>
+              <a:rPr lang="en-US" sz="2000" dirty="0" err="1">
+                <a:latin typeface="Courier New"/>
+                <a:cs typeface="Courier New"/>
+              </a:rPr>
+              <a:t>int</a:t>
+            </a:r>
+            <a:r>
+              <a:rPr lang="en-US" sz="2000" dirty="0">
+                <a:latin typeface="Courier New"/>
+                <a:cs typeface="Courier New"/>
+              </a:rPr>
+              <a:t> depth)</a:t>
             </a:r>
           </a:p>
           <a:p>
@@ -8390,10 +8170,13 @@
               <a:buNone/>
               <a:defRPr/>
             </a:pPr>
-            <a:endParaRPr lang="en-US" sz="2000" dirty="0" smtClean="0">
-              <a:latin typeface="Tahoma"/>
-              <a:cs typeface="Tahoma"/>
-            </a:endParaRPr>
+            <a:r>
+              <a:rPr lang="en-US" sz="2000" dirty="0">
+                <a:latin typeface="Courier New"/>
+                <a:cs typeface="Courier New"/>
+              </a:rPr>
+              <a:t>{…}  </a:t>
+            </a:r>
           </a:p>
           <a:p>
             <a:pPr lvl="1" eaLnBrk="1" hangingPunct="1">
@@ -8432,13 +8215,10 @@
               <a:buNone/>
               <a:defRPr/>
             </a:pPr>
-            <a:r>
-              <a:rPr lang="en-US" sz="2000" b="1" dirty="0" smtClean="0">
-                <a:latin typeface="Tahoma"/>
-                <a:cs typeface="Tahoma"/>
-              </a:rPr>
-              <a:t>The call circle(width/2, width/4, 10) should produce the image on </a:t>
-            </a:r>
+            <a:endParaRPr lang="en-US" sz="2000" dirty="0">
+              <a:latin typeface="Tahoma"/>
+              <a:cs typeface="Tahoma"/>
+            </a:endParaRPr>
           </a:p>
           <a:p>
             <a:pPr lvl="1" eaLnBrk="1" hangingPunct="1">
@@ -8450,25 +8230,11 @@
               <a:defRPr/>
             </a:pPr>
             <a:r>
-              <a:rPr lang="en-US" sz="2000" b="1" dirty="0" smtClean="0">
+              <a:rPr lang="en-US" sz="2000" b="1" dirty="0">
                 <a:latin typeface="Tahoma"/>
                 <a:cs typeface="Tahoma"/>
               </a:rPr>
-              <a:t>the following slide. Use </a:t>
-            </a:r>
-            <a:r>
-              <a:rPr lang="en-US" sz="2000" b="1" dirty="0" err="1" smtClean="0">
-                <a:latin typeface="Tahoma"/>
-                <a:cs typeface="Tahoma"/>
-              </a:rPr>
-              <a:t>noFill</a:t>
-            </a:r>
-            <a:r>
-              <a:rPr lang="en-US" sz="2000" b="1" dirty="0" smtClean="0">
-                <a:latin typeface="Tahoma"/>
-                <a:cs typeface="Tahoma"/>
-              </a:rPr>
-              <a:t>() before drawing the circle to make </a:t>
+              <a:t>The call circle(width/2, width/4, 10) should produce the image on </a:t>
             </a:r>
           </a:p>
           <a:p>
@@ -8485,19 +8251,22 @@
                 <a:latin typeface="Tahoma"/>
                 <a:cs typeface="Tahoma"/>
               </a:rPr>
-              <a:t>i</a:t>
-            </a:r>
-            <a:r>
-              <a:rPr lang="en-US" sz="2000" b="1" dirty="0" smtClean="0">
+              <a:t>the following slide. Use </a:t>
+            </a:r>
+            <a:r>
+              <a:rPr lang="en-US" sz="2000" b="1" dirty="0" err="1">
                 <a:latin typeface="Tahoma"/>
                 <a:cs typeface="Tahoma"/>
               </a:rPr>
-              <a:t>t transparent. </a:t>
-            </a:r>
-            <a:endParaRPr lang="en-US" sz="2000" b="1" dirty="0">
-              <a:latin typeface="Tahoma"/>
-              <a:cs typeface="Tahoma"/>
-            </a:endParaRPr>
+              <a:t>noFill</a:t>
+            </a:r>
+            <a:r>
+              <a:rPr lang="en-US" sz="2000" b="1" dirty="0">
+                <a:latin typeface="Tahoma"/>
+                <a:cs typeface="Tahoma"/>
+              </a:rPr>
+              <a:t>() before drawing the circle to make </a:t>
+            </a:r>
           </a:p>
           <a:p>
             <a:pPr lvl="1" eaLnBrk="1" hangingPunct="1">
@@ -8508,7 +8277,24 @@
               <a:buNone/>
               <a:defRPr/>
             </a:pPr>
-            <a:endParaRPr lang="en-US" sz="2000" dirty="0" smtClean="0">
+            <a:r>
+              <a:rPr lang="en-US" sz="2000" b="1" dirty="0">
+                <a:latin typeface="Tahoma"/>
+                <a:cs typeface="Tahoma"/>
+              </a:rPr>
+              <a:t>it transparent. </a:t>
+            </a:r>
+          </a:p>
+          <a:p>
+            <a:pPr lvl="1" eaLnBrk="1" hangingPunct="1">
+              <a:lnSpc>
+                <a:spcPct val="80000"/>
+              </a:lnSpc>
+              <a:buFontTx/>
+              <a:buNone/>
+              <a:defRPr/>
+            </a:pPr>
+            <a:endParaRPr lang="en-US" sz="2000" dirty="0">
               <a:latin typeface="Tahoma"/>
               <a:cs typeface="Tahoma"/>
             </a:endParaRPr>
@@ -8520,17 +8306,10 @@
   <p:clrMapOvr>
     <a:masterClrMapping/>
   </p:clrMapOvr>
-  <p:timing>
-    <p:tnLst>
-      <p:par>
-        <p:cTn xmlns:p14="http://schemas.microsoft.com/office/powerpoint/2010/main" id="1" dur="indefinite" restart="never" nodeType="tmRoot"/>
-      </p:par>
-    </p:tnLst>
-  </p:timing>
 </p:sld>
 </file>
 
-<file path=ppt/slides/slide19.xml><?xml version="1.0" encoding="utf-8"?>
+<file path=ppt/slides/slide18.xml><?xml version="1.0" encoding="utf-8"?>
 <p:sld xmlns:a="http://schemas.openxmlformats.org/drawingml/2006/main" xmlns:r="http://schemas.openxmlformats.org/officeDocument/2006/relationships" xmlns:p="http://schemas.openxmlformats.org/presentationml/2006/main">
   <p:cSld>
     <p:spTree>
@@ -8566,10 +8345,9 @@
               <a:defRPr/>
             </a:pPr>
             <a:r>
-              <a:rPr lang="en-US" dirty="0" smtClean="0"/>
+              <a:rPr lang="en-US" dirty="0"/>
               <a:t>Lab 1</a:t>
             </a:r>
-            <a:endParaRPr lang="en-US" dirty="0"/>
           </a:p>
         </p:txBody>
       </p:sp>
@@ -8597,13 +8375,410 @@
   <p:clrMapOvr>
     <a:masterClrMapping/>
   </p:clrMapOvr>
-  <p:timing>
-    <p:tnLst>
-      <p:par>
-        <p:cTn xmlns:p14="http://schemas.microsoft.com/office/powerpoint/2010/main" id="1" dur="indefinite" restart="never" nodeType="tmRoot"/>
-      </p:par>
-    </p:tnLst>
-  </p:timing>
+</p:sld>
+</file>
+
+<file path=ppt/slides/slide19.xml><?xml version="1.0" encoding="utf-8"?>
+<p:sld xmlns:a="http://schemas.openxmlformats.org/drawingml/2006/main" xmlns:r="http://schemas.openxmlformats.org/officeDocument/2006/relationships" xmlns:p="http://schemas.openxmlformats.org/presentationml/2006/main">
+  <p:cSld>
+    <p:spTree>
+      <p:nvGrpSpPr>
+        <p:cNvPr id="1" name=""/>
+        <p:cNvGrpSpPr/>
+        <p:nvPr/>
+      </p:nvGrpSpPr>
+      <p:grpSpPr>
+        <a:xfrm>
+          <a:off x="0" y="0"/>
+          <a:ext cx="0" cy="0"/>
+          <a:chOff x="0" y="0"/>
+          <a:chExt cx="0" cy="0"/>
+        </a:xfrm>
+      </p:grpSpPr>
+      <p:sp>
+        <p:nvSpPr>
+          <p:cNvPr id="390146" name="Rectangle 2"/>
+          <p:cNvSpPr>
+            <a:spLocks noGrp="1" noChangeArrowheads="1"/>
+          </p:cNvSpPr>
+          <p:nvPr>
+            <p:ph type="title"/>
+          </p:nvPr>
+        </p:nvSpPr>
+        <p:spPr/>
+        <p:txBody>
+          <a:bodyPr/>
+          <a:lstStyle/>
+          <a:p>
+            <a:pPr eaLnBrk="1" hangingPunct="1">
+              <a:defRPr/>
+            </a:pPr>
+            <a:r>
+              <a:rPr lang="en-US" dirty="0">
+                <a:cs typeface="+mj-cs"/>
+              </a:rPr>
+              <a:t>Lab 2: </a:t>
+            </a:r>
+            <a:r>
+              <a:rPr lang="en-US" dirty="0" err="1">
+                <a:cs typeface="+mj-cs"/>
+              </a:rPr>
+              <a:t>Sierpinski</a:t>
+            </a:r>
+            <a:r>
+              <a:rPr lang="en-US" dirty="0">
+                <a:cs typeface="+mj-cs"/>
+              </a:rPr>
+              <a:t> Triangle</a:t>
+            </a:r>
+          </a:p>
+        </p:txBody>
+      </p:sp>
+      <p:sp>
+        <p:nvSpPr>
+          <p:cNvPr id="390147" name="Rectangle 3"/>
+          <p:cNvSpPr>
+            <a:spLocks noGrp="1" noChangeArrowheads="1"/>
+          </p:cNvSpPr>
+          <p:nvPr>
+            <p:ph type="body" idx="1"/>
+          </p:nvPr>
+        </p:nvSpPr>
+        <p:spPr/>
+        <p:txBody>
+          <a:bodyPr/>
+          <a:lstStyle/>
+          <a:p>
+            <a:pPr lvl="1" eaLnBrk="1" hangingPunct="1">
+              <a:lnSpc>
+                <a:spcPct val="80000"/>
+              </a:lnSpc>
+              <a:buFontTx/>
+              <a:buNone/>
+              <a:defRPr/>
+            </a:pPr>
+            <a:endParaRPr lang="en-US" sz="2000" dirty="0">
+              <a:latin typeface="Courier New" charset="0"/>
+            </a:endParaRPr>
+          </a:p>
+          <a:p>
+            <a:pPr lvl="1" eaLnBrk="1" hangingPunct="1">
+              <a:lnSpc>
+                <a:spcPct val="80000"/>
+              </a:lnSpc>
+              <a:buFontTx/>
+              <a:buNone/>
+              <a:defRPr/>
+            </a:pPr>
+            <a:r>
+              <a:rPr lang="en-US" sz="2000" dirty="0">
+                <a:latin typeface="Tahoma"/>
+                <a:cs typeface="Tahoma"/>
+              </a:rPr>
+              <a:t>Use Processing to write the recursive method to the </a:t>
+            </a:r>
+            <a:r>
+              <a:rPr lang="en-US" sz="2000" dirty="0" err="1">
+                <a:latin typeface="Tahoma"/>
+                <a:cs typeface="Tahoma"/>
+              </a:rPr>
+              <a:t>Sierpinski</a:t>
+            </a:r>
+            <a:r>
+              <a:rPr lang="en-US" sz="2000" dirty="0">
+                <a:latin typeface="Tahoma"/>
+                <a:cs typeface="Tahoma"/>
+              </a:rPr>
+              <a:t> triangle.</a:t>
+            </a:r>
+          </a:p>
+          <a:p>
+            <a:pPr lvl="1" eaLnBrk="1" hangingPunct="1">
+              <a:lnSpc>
+                <a:spcPct val="80000"/>
+              </a:lnSpc>
+              <a:buFontTx/>
+              <a:buNone/>
+              <a:defRPr/>
+            </a:pPr>
+            <a:endParaRPr lang="en-US" sz="2000" dirty="0">
+              <a:latin typeface="Courier New"/>
+              <a:cs typeface="Courier New"/>
+            </a:endParaRPr>
+          </a:p>
+          <a:p>
+            <a:pPr lvl="1" eaLnBrk="1" hangingPunct="1">
+              <a:lnSpc>
+                <a:spcPct val="80000"/>
+              </a:lnSpc>
+              <a:buFontTx/>
+              <a:buNone/>
+              <a:defRPr/>
+            </a:pPr>
+            <a:endParaRPr lang="en-US" sz="2000" dirty="0">
+              <a:latin typeface="Courier New"/>
+              <a:cs typeface="Courier New"/>
+            </a:endParaRPr>
+          </a:p>
+          <a:p>
+            <a:pPr lvl="1" eaLnBrk="1" hangingPunct="1">
+              <a:lnSpc>
+                <a:spcPct val="80000"/>
+              </a:lnSpc>
+              <a:buFontTx/>
+              <a:buNone/>
+              <a:defRPr/>
+            </a:pPr>
+            <a:r>
+              <a:rPr lang="en-US" sz="2000" dirty="0">
+                <a:latin typeface="Courier New"/>
+                <a:cs typeface="Courier New"/>
+              </a:rPr>
+              <a:t>void </a:t>
+            </a:r>
+            <a:r>
+              <a:rPr lang="en-US" sz="2000" dirty="0" err="1">
+                <a:latin typeface="Courier New"/>
+                <a:cs typeface="Courier New"/>
+              </a:rPr>
+              <a:t>fractalTriangle</a:t>
+            </a:r>
+            <a:r>
+              <a:rPr lang="en-US" sz="2000" dirty="0">
+                <a:latin typeface="Courier New"/>
+                <a:cs typeface="Courier New"/>
+              </a:rPr>
+              <a:t>(</a:t>
+            </a:r>
+            <a:r>
+              <a:rPr lang="en-US" sz="2000" dirty="0" err="1">
+                <a:latin typeface="Courier New"/>
+                <a:cs typeface="Courier New"/>
+              </a:rPr>
+              <a:t>int</a:t>
+            </a:r>
+            <a:r>
+              <a:rPr lang="en-US" sz="2000" dirty="0">
+                <a:latin typeface="Courier New"/>
+                <a:cs typeface="Courier New"/>
+              </a:rPr>
+              <a:t> x1, </a:t>
+            </a:r>
+            <a:r>
+              <a:rPr lang="en-US" sz="2000" dirty="0" err="1">
+                <a:latin typeface="Courier New"/>
+                <a:cs typeface="Courier New"/>
+              </a:rPr>
+              <a:t>int</a:t>
+            </a:r>
+            <a:r>
+              <a:rPr lang="en-US" sz="2000" dirty="0">
+                <a:latin typeface="Courier New"/>
+                <a:cs typeface="Courier New"/>
+              </a:rPr>
+              <a:t> y1, </a:t>
+            </a:r>
+            <a:r>
+              <a:rPr lang="en-US" sz="2000" dirty="0" err="1">
+                <a:latin typeface="Courier New"/>
+                <a:cs typeface="Courier New"/>
+              </a:rPr>
+              <a:t>int</a:t>
+            </a:r>
+            <a:r>
+              <a:rPr lang="en-US" sz="2000" dirty="0">
+                <a:latin typeface="Courier New"/>
+                <a:cs typeface="Courier New"/>
+              </a:rPr>
+              <a:t> x2, </a:t>
+            </a:r>
+            <a:r>
+              <a:rPr lang="en-US" sz="2000" dirty="0" err="1">
+                <a:latin typeface="Courier New"/>
+                <a:cs typeface="Courier New"/>
+              </a:rPr>
+              <a:t>int</a:t>
+            </a:r>
+            <a:r>
+              <a:rPr lang="en-US" sz="2000" dirty="0">
+                <a:latin typeface="Courier New"/>
+                <a:cs typeface="Courier New"/>
+              </a:rPr>
+              <a:t> y2, </a:t>
+            </a:r>
+            <a:r>
+              <a:rPr lang="en-US" sz="2000" dirty="0" err="1">
+                <a:latin typeface="Courier New"/>
+                <a:cs typeface="Courier New"/>
+              </a:rPr>
+              <a:t>int</a:t>
+            </a:r>
+            <a:r>
+              <a:rPr lang="en-US" sz="2000" dirty="0">
+                <a:latin typeface="Courier New"/>
+                <a:cs typeface="Courier New"/>
+              </a:rPr>
+              <a:t> x3, </a:t>
+            </a:r>
+            <a:r>
+              <a:rPr lang="en-US" sz="2000" dirty="0" err="1">
+                <a:latin typeface="Courier New"/>
+                <a:cs typeface="Courier New"/>
+              </a:rPr>
+              <a:t>int</a:t>
+            </a:r>
+            <a:r>
+              <a:rPr lang="en-US" sz="2000" dirty="0">
+                <a:latin typeface="Courier New"/>
+                <a:cs typeface="Courier New"/>
+              </a:rPr>
+              <a:t> y3, </a:t>
+            </a:r>
+            <a:r>
+              <a:rPr lang="en-US" sz="2000" dirty="0" err="1">
+                <a:latin typeface="Courier New"/>
+                <a:cs typeface="Courier New"/>
+              </a:rPr>
+              <a:t>int</a:t>
+            </a:r>
+            <a:r>
+              <a:rPr lang="en-US" sz="2000" dirty="0">
+                <a:latin typeface="Courier New"/>
+                <a:cs typeface="Courier New"/>
+              </a:rPr>
+              <a:t> n) </a:t>
+            </a:r>
+          </a:p>
+          <a:p>
+            <a:pPr lvl="1" eaLnBrk="1" hangingPunct="1">
+              <a:lnSpc>
+                <a:spcPct val="80000"/>
+              </a:lnSpc>
+              <a:buFontTx/>
+              <a:buNone/>
+              <a:defRPr/>
+            </a:pPr>
+            <a:endParaRPr lang="en-US" sz="2000" dirty="0">
+              <a:latin typeface="Courier New"/>
+              <a:cs typeface="Courier New"/>
+            </a:endParaRPr>
+          </a:p>
+          <a:p>
+            <a:pPr lvl="1" eaLnBrk="1" hangingPunct="1">
+              <a:lnSpc>
+                <a:spcPct val="80000"/>
+              </a:lnSpc>
+              <a:buFontTx/>
+              <a:buNone/>
+              <a:defRPr/>
+            </a:pPr>
+            <a:r>
+              <a:rPr lang="en-US" sz="2000" dirty="0">
+                <a:latin typeface="Courier New"/>
+                <a:cs typeface="Courier New"/>
+              </a:rPr>
+              <a:t>{…}</a:t>
+            </a:r>
+          </a:p>
+          <a:p>
+            <a:pPr lvl="1" eaLnBrk="1" hangingPunct="1">
+              <a:lnSpc>
+                <a:spcPct val="80000"/>
+              </a:lnSpc>
+              <a:buFontTx/>
+              <a:buNone/>
+              <a:defRPr/>
+            </a:pPr>
+            <a:endParaRPr lang="en-US" sz="2000" dirty="0">
+              <a:latin typeface="Tahoma"/>
+              <a:cs typeface="Tahoma"/>
+            </a:endParaRPr>
+          </a:p>
+          <a:p>
+            <a:pPr lvl="1" eaLnBrk="1" hangingPunct="1">
+              <a:lnSpc>
+                <a:spcPct val="80000"/>
+              </a:lnSpc>
+              <a:buFontTx/>
+              <a:buNone/>
+              <a:defRPr/>
+            </a:pPr>
+            <a:endParaRPr lang="en-US" sz="2000" dirty="0">
+              <a:latin typeface="Tahoma"/>
+              <a:cs typeface="Tahoma"/>
+            </a:endParaRPr>
+          </a:p>
+          <a:p>
+            <a:pPr lvl="1" eaLnBrk="1" hangingPunct="1">
+              <a:lnSpc>
+                <a:spcPct val="80000"/>
+              </a:lnSpc>
+              <a:buFontTx/>
+              <a:buNone/>
+              <a:defRPr/>
+            </a:pPr>
+            <a:endParaRPr lang="en-US" sz="2000" dirty="0">
+              <a:latin typeface="Tahoma"/>
+              <a:cs typeface="Tahoma"/>
+            </a:endParaRPr>
+          </a:p>
+          <a:p>
+            <a:pPr lvl="1" eaLnBrk="1" hangingPunct="1">
+              <a:lnSpc>
+                <a:spcPct val="80000"/>
+              </a:lnSpc>
+              <a:buFontTx/>
+              <a:buNone/>
+              <a:defRPr/>
+            </a:pPr>
+            <a:r>
+              <a:rPr lang="en-US" sz="2000" b="1" dirty="0">
+                <a:latin typeface="Tahoma"/>
+                <a:cs typeface="Tahoma"/>
+              </a:rPr>
+              <a:t>Note: Trigonometric functions in Processing by default take radians as the unit of angle measure. To convert degrees to radians use the </a:t>
+            </a:r>
+            <a:r>
+              <a:rPr lang="en-US" sz="2000" b="1" dirty="0">
+                <a:latin typeface="Courier New"/>
+                <a:cs typeface="Courier New"/>
+              </a:rPr>
+              <a:t>radians(float degree) </a:t>
+            </a:r>
+            <a:r>
+              <a:rPr lang="en-US" sz="2000" b="1" dirty="0">
+                <a:latin typeface="Tahoma"/>
+                <a:cs typeface="Tahoma"/>
+              </a:rPr>
+              <a:t>method. </a:t>
+            </a:r>
+          </a:p>
+          <a:p>
+            <a:pPr lvl="1" eaLnBrk="1" hangingPunct="1">
+              <a:lnSpc>
+                <a:spcPct val="80000"/>
+              </a:lnSpc>
+              <a:buFontTx/>
+              <a:buNone/>
+              <a:defRPr/>
+            </a:pPr>
+            <a:endParaRPr lang="en-US" sz="2000" dirty="0">
+              <a:latin typeface="Tahoma"/>
+              <a:cs typeface="Tahoma"/>
+            </a:endParaRPr>
+          </a:p>
+        </p:txBody>
+      </p:sp>
+    </p:spTree>
+    <p:extLst>
+      <p:ext uri="{BB962C8B-B14F-4D97-AF65-F5344CB8AC3E}">
+        <p14:creationId xmlns:p14="http://schemas.microsoft.com/office/powerpoint/2010/main" val="1544931304"/>
+      </p:ext>
+    </p:extLst>
+  </p:cSld>
+  <p:clrMapOvr>
+    <a:masterClrMapping/>
+  </p:clrMapOvr>
 </p:sld>
 </file>
 
@@ -8643,7 +8818,7 @@
               <a:defRPr/>
             </a:pPr>
             <a:r>
-              <a:rPr lang="en-US" smtClean="0">
+              <a:rPr lang="en-US">
                 <a:cs typeface="+mj-cs"/>
               </a:rPr>
               <a:t>Recursion</a:t>
@@ -8670,13 +8845,13 @@
               <a:defRPr/>
             </a:pPr>
             <a:r>
-              <a:rPr lang="en-US" b="1" smtClean="0">
+              <a:rPr lang="en-US" b="1">
                 <a:cs typeface="+mn-cs"/>
               </a:rPr>
               <a:t>recursion</a:t>
             </a:r>
             <a:r>
-              <a:rPr lang="en-US" smtClean="0">
+              <a:rPr lang="en-US">
                 <a:cs typeface="+mn-cs"/>
               </a:rPr>
               <a:t>: The definition of an operation in terms of itself.</a:t>
@@ -8687,14 +8862,14 @@
               <a:defRPr/>
             </a:pPr>
             <a:r>
-              <a:rPr lang="en-US" smtClean="0"/>
+              <a:rPr lang="en-US"/>
               <a:t>Solving a problem using recursion depends on solving</a:t>
             </a:r>
             <a:br>
-              <a:rPr lang="en-US" smtClean="0"/>
+              <a:rPr lang="en-US"/>
             </a:br>
             <a:r>
-              <a:rPr lang="en-US" smtClean="0"/>
+              <a:rPr lang="en-US"/>
               <a:t>smaller occurrences of the same problem.</a:t>
             </a:r>
           </a:p>
@@ -8702,26 +8877,26 @@
             <a:pPr lvl="1" eaLnBrk="1" hangingPunct="1">
               <a:defRPr/>
             </a:pPr>
-            <a:endParaRPr lang="en-US" smtClean="0"/>
-          </a:p>
-          <a:p>
-            <a:pPr lvl="1" eaLnBrk="1" hangingPunct="1">
-              <a:defRPr/>
-            </a:pPr>
-            <a:endParaRPr lang="en-US" smtClean="0"/>
+            <a:endParaRPr lang="en-US"/>
+          </a:p>
+          <a:p>
+            <a:pPr lvl="1" eaLnBrk="1" hangingPunct="1">
+              <a:defRPr/>
+            </a:pPr>
+            <a:endParaRPr lang="en-US"/>
           </a:p>
           <a:p>
             <a:pPr eaLnBrk="1" hangingPunct="1">
               <a:defRPr/>
             </a:pPr>
             <a:r>
-              <a:rPr lang="en-US" b="1" smtClean="0">
+              <a:rPr lang="en-US" b="1">
                 <a:cs typeface="+mn-cs"/>
               </a:rPr>
               <a:t>recursive programming</a:t>
             </a:r>
             <a:r>
-              <a:rPr lang="en-US" smtClean="0">
+              <a:rPr lang="en-US">
                 <a:cs typeface="+mn-cs"/>
               </a:rPr>
               <a:t>: Writing methods that call themselves to solve problems recursively.</a:t>
@@ -8731,22 +8906,22 @@
             <a:pPr lvl="1" eaLnBrk="1" hangingPunct="1">
               <a:defRPr/>
             </a:pPr>
-            <a:endParaRPr lang="en-US" smtClean="0"/>
-          </a:p>
-          <a:p>
-            <a:pPr lvl="1" eaLnBrk="1" hangingPunct="1">
-              <a:defRPr/>
-            </a:pPr>
-            <a:r>
-              <a:rPr lang="en-US" smtClean="0"/>
+            <a:endParaRPr lang="en-US"/>
+          </a:p>
+          <a:p>
+            <a:pPr lvl="1" eaLnBrk="1" hangingPunct="1">
+              <a:defRPr/>
+            </a:pPr>
+            <a:r>
+              <a:rPr lang="en-US"/>
               <a:t>An equally powerful substitute for </a:t>
             </a:r>
             <a:r>
-              <a:rPr lang="en-US" i="1" smtClean="0"/>
+              <a:rPr lang="en-US" i="1"/>
               <a:t>iteration</a:t>
             </a:r>
             <a:r>
-              <a:rPr lang="en-US" smtClean="0"/>
+              <a:rPr lang="en-US"/>
               <a:t> (loops)</a:t>
             </a:r>
           </a:p>
@@ -8755,7 +8930,7 @@
               <a:defRPr/>
             </a:pPr>
             <a:r>
-              <a:rPr lang="en-US" smtClean="0"/>
+              <a:rPr lang="en-US"/>
               <a:t>Particularly well-suited to solving certain types of problems</a:t>
             </a:r>
           </a:p>
@@ -8766,447 +8941,10 @@
   <p:clrMapOvr>
     <a:masterClrMapping/>
   </p:clrMapOvr>
-  <p:timing>
-    <p:tnLst>
-      <p:par>
-        <p:cTn xmlns:p14="http://schemas.microsoft.com/office/powerpoint/2010/main" id="1" dur="indefinite" restart="never" nodeType="tmRoot"/>
-      </p:par>
-    </p:tnLst>
-  </p:timing>
 </p:sld>
 </file>
 
 <file path=ppt/slides/slide20.xml><?xml version="1.0" encoding="utf-8"?>
-<p:sld xmlns:a="http://schemas.openxmlformats.org/drawingml/2006/main" xmlns:r="http://schemas.openxmlformats.org/officeDocument/2006/relationships" xmlns:p="http://schemas.openxmlformats.org/presentationml/2006/main">
-  <p:cSld>
-    <p:spTree>
-      <p:nvGrpSpPr>
-        <p:cNvPr id="1" name=""/>
-        <p:cNvGrpSpPr/>
-        <p:nvPr/>
-      </p:nvGrpSpPr>
-      <p:grpSpPr>
-        <a:xfrm>
-          <a:off x="0" y="0"/>
-          <a:ext cx="0" cy="0"/>
-          <a:chOff x="0" y="0"/>
-          <a:chExt cx="0" cy="0"/>
-        </a:xfrm>
-      </p:grpSpPr>
-      <p:sp>
-        <p:nvSpPr>
-          <p:cNvPr id="390146" name="Rectangle 2"/>
-          <p:cNvSpPr>
-            <a:spLocks noGrp="1" noChangeArrowheads="1"/>
-          </p:cNvSpPr>
-          <p:nvPr>
-            <p:ph type="title"/>
-          </p:nvPr>
-        </p:nvSpPr>
-        <p:spPr/>
-        <p:txBody>
-          <a:bodyPr/>
-          <a:lstStyle/>
-          <a:p>
-            <a:pPr eaLnBrk="1" hangingPunct="1">
-              <a:defRPr/>
-            </a:pPr>
-            <a:r>
-              <a:rPr lang="en-US" dirty="0" smtClean="0">
-                <a:cs typeface="+mj-cs"/>
-              </a:rPr>
-              <a:t>Lab 2: </a:t>
-            </a:r>
-            <a:r>
-              <a:rPr lang="en-US" dirty="0" err="1" smtClean="0">
-                <a:cs typeface="+mj-cs"/>
-              </a:rPr>
-              <a:t>Sierpinski</a:t>
-            </a:r>
-            <a:r>
-              <a:rPr lang="en-US" dirty="0" smtClean="0">
-                <a:cs typeface="+mj-cs"/>
-              </a:rPr>
-              <a:t> Triangle</a:t>
-            </a:r>
-          </a:p>
-        </p:txBody>
-      </p:sp>
-      <p:sp>
-        <p:nvSpPr>
-          <p:cNvPr id="390147" name="Rectangle 3"/>
-          <p:cNvSpPr>
-            <a:spLocks noGrp="1" noChangeArrowheads="1"/>
-          </p:cNvSpPr>
-          <p:nvPr>
-            <p:ph type="body" idx="1"/>
-          </p:nvPr>
-        </p:nvSpPr>
-        <p:spPr/>
-        <p:txBody>
-          <a:bodyPr/>
-          <a:lstStyle/>
-          <a:p>
-            <a:pPr lvl="1" eaLnBrk="1" hangingPunct="1">
-              <a:lnSpc>
-                <a:spcPct val="80000"/>
-              </a:lnSpc>
-              <a:buFontTx/>
-              <a:buNone/>
-              <a:defRPr/>
-            </a:pPr>
-            <a:endParaRPr lang="en-US" sz="2000" dirty="0" smtClean="0">
-              <a:latin typeface="Courier New" charset="0"/>
-            </a:endParaRPr>
-          </a:p>
-          <a:p>
-            <a:pPr lvl="1" eaLnBrk="1" hangingPunct="1">
-              <a:lnSpc>
-                <a:spcPct val="80000"/>
-              </a:lnSpc>
-              <a:buFontTx/>
-              <a:buNone/>
-              <a:defRPr/>
-            </a:pPr>
-            <a:r>
-              <a:rPr lang="en-US" sz="2000" dirty="0" smtClean="0">
-                <a:latin typeface="Tahoma"/>
-                <a:cs typeface="Tahoma"/>
-              </a:rPr>
-              <a:t>Use Processing to write the recursive method to the </a:t>
-            </a:r>
-            <a:r>
-              <a:rPr lang="en-US" sz="2000" dirty="0" err="1">
-                <a:latin typeface="Tahoma"/>
-                <a:cs typeface="Tahoma"/>
-              </a:rPr>
-              <a:t>S</a:t>
-            </a:r>
-            <a:r>
-              <a:rPr lang="en-US" sz="2000" dirty="0" err="1" smtClean="0">
-                <a:latin typeface="Tahoma"/>
-                <a:cs typeface="Tahoma"/>
-              </a:rPr>
-              <a:t>ierpinski</a:t>
-            </a:r>
-            <a:r>
-              <a:rPr lang="en-US" sz="2000" dirty="0" smtClean="0">
-                <a:latin typeface="Tahoma"/>
-                <a:cs typeface="Tahoma"/>
-              </a:rPr>
-              <a:t> triangle.</a:t>
-            </a:r>
-          </a:p>
-          <a:p>
-            <a:pPr lvl="1" eaLnBrk="1" hangingPunct="1">
-              <a:lnSpc>
-                <a:spcPct val="80000"/>
-              </a:lnSpc>
-              <a:buFontTx/>
-              <a:buNone/>
-              <a:defRPr/>
-            </a:pPr>
-            <a:endParaRPr lang="en-US" sz="2000" dirty="0" smtClean="0">
-              <a:latin typeface="Courier New"/>
-              <a:cs typeface="Courier New"/>
-            </a:endParaRPr>
-          </a:p>
-          <a:p>
-            <a:pPr lvl="1" eaLnBrk="1" hangingPunct="1">
-              <a:lnSpc>
-                <a:spcPct val="80000"/>
-              </a:lnSpc>
-              <a:buFontTx/>
-              <a:buNone/>
-              <a:defRPr/>
-            </a:pPr>
-            <a:endParaRPr lang="en-US" sz="2000" dirty="0">
-              <a:latin typeface="Courier New"/>
-              <a:cs typeface="Courier New"/>
-            </a:endParaRPr>
-          </a:p>
-          <a:p>
-            <a:pPr lvl="1" eaLnBrk="1" hangingPunct="1">
-              <a:lnSpc>
-                <a:spcPct val="80000"/>
-              </a:lnSpc>
-              <a:buFontTx/>
-              <a:buNone/>
-              <a:defRPr/>
-            </a:pPr>
-            <a:r>
-              <a:rPr lang="en-US" sz="2000" dirty="0">
-                <a:latin typeface="Courier New"/>
-                <a:cs typeface="Courier New"/>
-              </a:rPr>
-              <a:t>void </a:t>
-            </a:r>
-            <a:r>
-              <a:rPr lang="en-US" sz="2000" dirty="0" err="1">
-                <a:latin typeface="Courier New"/>
-                <a:cs typeface="Courier New"/>
-              </a:rPr>
-              <a:t>fractalTriangle</a:t>
-            </a:r>
-            <a:r>
-              <a:rPr lang="en-US" sz="2000" dirty="0">
-                <a:latin typeface="Courier New"/>
-                <a:cs typeface="Courier New"/>
-              </a:rPr>
-              <a:t>(</a:t>
-            </a:r>
-            <a:r>
-              <a:rPr lang="en-US" sz="2000" dirty="0" err="1">
-                <a:latin typeface="Courier New"/>
-                <a:cs typeface="Courier New"/>
-              </a:rPr>
-              <a:t>int</a:t>
-            </a:r>
-            <a:r>
-              <a:rPr lang="en-US" sz="2000" dirty="0">
-                <a:latin typeface="Courier New"/>
-                <a:cs typeface="Courier New"/>
-              </a:rPr>
-              <a:t> x1, </a:t>
-            </a:r>
-            <a:r>
-              <a:rPr lang="en-US" sz="2000" dirty="0" err="1">
-                <a:latin typeface="Courier New"/>
-                <a:cs typeface="Courier New"/>
-              </a:rPr>
-              <a:t>int</a:t>
-            </a:r>
-            <a:r>
-              <a:rPr lang="en-US" sz="2000" dirty="0">
-                <a:latin typeface="Courier New"/>
-                <a:cs typeface="Courier New"/>
-              </a:rPr>
-              <a:t> y1, </a:t>
-            </a:r>
-            <a:r>
-              <a:rPr lang="en-US" sz="2000" dirty="0" err="1">
-                <a:latin typeface="Courier New"/>
-                <a:cs typeface="Courier New"/>
-              </a:rPr>
-              <a:t>int</a:t>
-            </a:r>
-            <a:r>
-              <a:rPr lang="en-US" sz="2000" dirty="0">
-                <a:latin typeface="Courier New"/>
-                <a:cs typeface="Courier New"/>
-              </a:rPr>
-              <a:t> x2, </a:t>
-            </a:r>
-            <a:r>
-              <a:rPr lang="en-US" sz="2000" dirty="0" err="1">
-                <a:latin typeface="Courier New"/>
-                <a:cs typeface="Courier New"/>
-              </a:rPr>
-              <a:t>int</a:t>
-            </a:r>
-            <a:r>
-              <a:rPr lang="en-US" sz="2000" dirty="0">
-                <a:latin typeface="Courier New"/>
-                <a:cs typeface="Courier New"/>
-              </a:rPr>
-              <a:t> y2, </a:t>
-            </a:r>
-            <a:r>
-              <a:rPr lang="en-US" sz="2000" dirty="0" err="1">
-                <a:latin typeface="Courier New"/>
-                <a:cs typeface="Courier New"/>
-              </a:rPr>
-              <a:t>int</a:t>
-            </a:r>
-            <a:r>
-              <a:rPr lang="en-US" sz="2000" dirty="0">
-                <a:latin typeface="Courier New"/>
-                <a:cs typeface="Courier New"/>
-              </a:rPr>
-              <a:t> x3, </a:t>
-            </a:r>
-            <a:r>
-              <a:rPr lang="en-US" sz="2000" dirty="0" err="1">
-                <a:latin typeface="Courier New"/>
-                <a:cs typeface="Courier New"/>
-              </a:rPr>
-              <a:t>int</a:t>
-            </a:r>
-            <a:r>
-              <a:rPr lang="en-US" sz="2000" dirty="0">
-                <a:latin typeface="Courier New"/>
-                <a:cs typeface="Courier New"/>
-              </a:rPr>
-              <a:t> y3, </a:t>
-            </a:r>
-            <a:r>
-              <a:rPr lang="en-US" sz="2000" dirty="0" err="1">
-                <a:latin typeface="Courier New"/>
-                <a:cs typeface="Courier New"/>
-              </a:rPr>
-              <a:t>int</a:t>
-            </a:r>
-            <a:r>
-              <a:rPr lang="en-US" sz="2000" dirty="0">
-                <a:latin typeface="Courier New"/>
-                <a:cs typeface="Courier New"/>
-              </a:rPr>
-              <a:t> n) </a:t>
-            </a:r>
-            <a:endParaRPr lang="en-US" sz="2000" dirty="0" smtClean="0">
-              <a:latin typeface="Courier New"/>
-              <a:cs typeface="Courier New"/>
-            </a:endParaRPr>
-          </a:p>
-          <a:p>
-            <a:pPr lvl="1" eaLnBrk="1" hangingPunct="1">
-              <a:lnSpc>
-                <a:spcPct val="80000"/>
-              </a:lnSpc>
-              <a:buFontTx/>
-              <a:buNone/>
-              <a:defRPr/>
-            </a:pPr>
-            <a:endParaRPr lang="en-US" sz="2000" dirty="0" smtClean="0">
-              <a:latin typeface="Courier New"/>
-              <a:cs typeface="Courier New"/>
-            </a:endParaRPr>
-          </a:p>
-          <a:p>
-            <a:pPr lvl="1" eaLnBrk="1" hangingPunct="1">
-              <a:lnSpc>
-                <a:spcPct val="80000"/>
-              </a:lnSpc>
-              <a:buFontTx/>
-              <a:buNone/>
-              <a:defRPr/>
-            </a:pPr>
-            <a:r>
-              <a:rPr lang="en-US" sz="2000" dirty="0" smtClean="0">
-                <a:latin typeface="Courier New"/>
-                <a:cs typeface="Courier New"/>
-              </a:rPr>
-              <a:t>{…}</a:t>
-            </a:r>
-            <a:endParaRPr lang="en-US" sz="2000" dirty="0">
-              <a:latin typeface="Courier New"/>
-              <a:cs typeface="Courier New"/>
-            </a:endParaRPr>
-          </a:p>
-          <a:p>
-            <a:pPr lvl="1" eaLnBrk="1" hangingPunct="1">
-              <a:lnSpc>
-                <a:spcPct val="80000"/>
-              </a:lnSpc>
-              <a:buFontTx/>
-              <a:buNone/>
-              <a:defRPr/>
-            </a:pPr>
-            <a:endParaRPr lang="en-US" sz="2000" dirty="0" smtClean="0">
-              <a:latin typeface="Tahoma"/>
-              <a:cs typeface="Tahoma"/>
-            </a:endParaRPr>
-          </a:p>
-          <a:p>
-            <a:pPr lvl="1" eaLnBrk="1" hangingPunct="1">
-              <a:lnSpc>
-                <a:spcPct val="80000"/>
-              </a:lnSpc>
-              <a:buFontTx/>
-              <a:buNone/>
-              <a:defRPr/>
-            </a:pPr>
-            <a:endParaRPr lang="en-US" sz="2000" dirty="0">
-              <a:latin typeface="Tahoma"/>
-              <a:cs typeface="Tahoma"/>
-            </a:endParaRPr>
-          </a:p>
-          <a:p>
-            <a:pPr lvl="1" eaLnBrk="1" hangingPunct="1">
-              <a:lnSpc>
-                <a:spcPct val="80000"/>
-              </a:lnSpc>
-              <a:buFontTx/>
-              <a:buNone/>
-              <a:defRPr/>
-            </a:pPr>
-            <a:endParaRPr lang="en-US" sz="2000" dirty="0">
-              <a:latin typeface="Tahoma"/>
-              <a:cs typeface="Tahoma"/>
-            </a:endParaRPr>
-          </a:p>
-          <a:p>
-            <a:pPr lvl="1" eaLnBrk="1" hangingPunct="1">
-              <a:lnSpc>
-                <a:spcPct val="80000"/>
-              </a:lnSpc>
-              <a:buFontTx/>
-              <a:buNone/>
-              <a:defRPr/>
-            </a:pPr>
-            <a:r>
-              <a:rPr lang="en-US" sz="2000" b="1" dirty="0" smtClean="0">
-                <a:latin typeface="Tahoma"/>
-                <a:cs typeface="Tahoma"/>
-              </a:rPr>
-              <a:t>Note: Trigonometric functions in Processing by default take radians as the unit of angle measure. To convert degrees to radians use the </a:t>
-            </a:r>
-            <a:r>
-              <a:rPr lang="en-US" sz="2000" b="1" dirty="0" smtClean="0">
-                <a:latin typeface="Courier New"/>
-                <a:cs typeface="Courier New"/>
-              </a:rPr>
-              <a:t>radians(float degree) </a:t>
-            </a:r>
-            <a:r>
-              <a:rPr lang="en-US" sz="2000" b="1" dirty="0" smtClean="0">
-                <a:latin typeface="Tahoma"/>
-                <a:cs typeface="Tahoma"/>
-              </a:rPr>
-              <a:t>method. </a:t>
-            </a:r>
-            <a:endParaRPr lang="en-US" sz="2000" b="1" dirty="0">
-              <a:latin typeface="Tahoma"/>
-              <a:cs typeface="Tahoma"/>
-            </a:endParaRPr>
-          </a:p>
-          <a:p>
-            <a:pPr lvl="1" eaLnBrk="1" hangingPunct="1">
-              <a:lnSpc>
-                <a:spcPct val="80000"/>
-              </a:lnSpc>
-              <a:buFontTx/>
-              <a:buNone/>
-              <a:defRPr/>
-            </a:pPr>
-            <a:endParaRPr lang="en-US" sz="2000" dirty="0" smtClean="0">
-              <a:latin typeface="Tahoma"/>
-              <a:cs typeface="Tahoma"/>
-            </a:endParaRPr>
-          </a:p>
-        </p:txBody>
-      </p:sp>
-    </p:spTree>
-    <p:extLst>
-      <p:ext uri="{BB962C8B-B14F-4D97-AF65-F5344CB8AC3E}">
-        <p14:creationId xmlns:p14="http://schemas.microsoft.com/office/powerpoint/2010/main" val="1544931304"/>
-      </p:ext>
-    </p:extLst>
-  </p:cSld>
-  <p:clrMapOvr>
-    <a:masterClrMapping/>
-  </p:clrMapOvr>
-  <p:timing>
-    <p:tnLst>
-      <p:par>
-        <p:cTn xmlns:p14="http://schemas.microsoft.com/office/powerpoint/2010/main" id="1" dur="indefinite" restart="never" nodeType="tmRoot"/>
-      </p:par>
-    </p:tnLst>
-  </p:timing>
-</p:sld>
-</file>
-
-<file path=ppt/slides/slide21.xml><?xml version="1.0" encoding="utf-8"?>
 <p:sld xmlns:a="http://schemas.openxmlformats.org/drawingml/2006/main" xmlns:r="http://schemas.openxmlformats.org/officeDocument/2006/relationships" xmlns:p="http://schemas.openxmlformats.org/presentationml/2006/main">
   <p:cSld>
     <p:spTree>
@@ -9247,10 +8985,9 @@
               <a:defRPr/>
             </a:pPr>
             <a:r>
-              <a:rPr lang="en-US" dirty="0" smtClean="0"/>
+              <a:rPr lang="en-US" dirty="0"/>
               <a:t>Lab 2</a:t>
             </a:r>
-            <a:endParaRPr lang="en-US" dirty="0"/>
           </a:p>
         </p:txBody>
       </p:sp>
@@ -9289,13 +9026,6 @@
   <p:clrMapOvr>
     <a:masterClrMapping/>
   </p:clrMapOvr>
-  <p:timing>
-    <p:tnLst>
-      <p:par>
-        <p:cTn xmlns:p14="http://schemas.microsoft.com/office/powerpoint/2010/main" id="1" dur="indefinite" restart="never" nodeType="tmRoot"/>
-      </p:par>
-    </p:tnLst>
-  </p:timing>
 </p:sld>
 </file>
 
@@ -9335,7 +9065,7 @@
               <a:defRPr/>
             </a:pPr>
             <a:r>
-              <a:rPr lang="en-US" smtClean="0">
+              <a:rPr lang="en-US">
                 <a:cs typeface="+mj-cs"/>
               </a:rPr>
               <a:t>Why learn recursion?</a:t>
@@ -9362,7 +9092,7 @@
               <a:defRPr/>
             </a:pPr>
             <a:r>
-              <a:rPr lang="en-US" dirty="0" smtClean="0">
+              <a:rPr lang="en-US" dirty="0">
                 <a:cs typeface="+mn-cs"/>
               </a:rPr>
               <a:t>"cultural experience" - A different way of thinking of problems</a:t>
@@ -9372,14 +9102,14 @@
             <a:pPr lvl="1" eaLnBrk="1" hangingPunct="1">
               <a:defRPr/>
             </a:pPr>
-            <a:endParaRPr lang="en-US" dirty="0" smtClean="0"/>
+            <a:endParaRPr lang="en-US" dirty="0"/>
           </a:p>
           <a:p>
             <a:pPr eaLnBrk="1" hangingPunct="1">
               <a:defRPr/>
             </a:pPr>
             <a:r>
-              <a:rPr lang="en-US" dirty="0" smtClean="0">
+              <a:rPr lang="en-US" dirty="0">
                 <a:cs typeface="+mn-cs"/>
               </a:rPr>
               <a:t>Can solve some kinds of problems better than iteration</a:t>
@@ -9389,14 +9119,14 @@
             <a:pPr lvl="1" eaLnBrk="1" hangingPunct="1">
               <a:defRPr/>
             </a:pPr>
-            <a:endParaRPr lang="en-US" dirty="0" smtClean="0"/>
+            <a:endParaRPr lang="en-US" dirty="0"/>
           </a:p>
           <a:p>
             <a:pPr eaLnBrk="1" hangingPunct="1">
               <a:defRPr/>
             </a:pPr>
             <a:r>
-              <a:rPr lang="en-US" dirty="0" smtClean="0">
+              <a:rPr lang="en-US" dirty="0">
                 <a:cs typeface="+mn-cs"/>
               </a:rPr>
               <a:t>Leads to elegant, simplistic, short code (when used well)</a:t>
@@ -9406,14 +9136,14 @@
             <a:pPr lvl="1" eaLnBrk="1" hangingPunct="1">
               <a:defRPr/>
             </a:pPr>
-            <a:endParaRPr lang="en-US" dirty="0" smtClean="0"/>
+            <a:endParaRPr lang="en-US" dirty="0"/>
           </a:p>
           <a:p>
             <a:pPr eaLnBrk="1" hangingPunct="1">
               <a:defRPr/>
             </a:pPr>
             <a:r>
-              <a:rPr lang="en-US" dirty="0" smtClean="0">
+              <a:rPr lang="en-US" dirty="0">
                 <a:cs typeface="+mn-cs"/>
               </a:rPr>
               <a:t>Many programming languages ("functional" languages such as Scheme, ML, and Haskell) use recursion exclusively  (no loops)</a:t>
@@ -9423,7 +9153,7 @@
             <a:pPr lvl="1" eaLnBrk="1" hangingPunct="1">
               <a:defRPr/>
             </a:pPr>
-            <a:endParaRPr lang="en-US" dirty="0" smtClean="0"/>
+            <a:endParaRPr lang="en-US" dirty="0"/>
           </a:p>
           <a:p>
             <a:pPr marL="346075" lvl="1" indent="0" eaLnBrk="1" hangingPunct="1">
@@ -9431,7 +9161,7 @@
               <a:buNone/>
               <a:defRPr/>
             </a:pPr>
-            <a:endParaRPr lang="en-US" dirty="0" smtClean="0"/>
+            <a:endParaRPr lang="en-US" dirty="0"/>
           </a:p>
         </p:txBody>
       </p:sp>
@@ -9440,13 +9170,6 @@
   <p:clrMapOvr>
     <a:masterClrMapping/>
   </p:clrMapOvr>
-  <p:timing>
-    <p:tnLst>
-      <p:par>
-        <p:cTn xmlns:p14="http://schemas.microsoft.com/office/powerpoint/2010/main" id="1" dur="indefinite" restart="never" nodeType="tmRoot"/>
-      </p:par>
-    </p:tnLst>
-  </p:timing>
 </p:sld>
 </file>
 
@@ -9486,7 +9209,7 @@
               <a:defRPr/>
             </a:pPr>
             <a:r>
-              <a:rPr lang="en-US" smtClean="0">
+              <a:rPr lang="en-US">
                 <a:cs typeface="+mj-cs"/>
               </a:rPr>
               <a:t>Recursion and cases</a:t>
@@ -9513,7 +9236,7 @@
               <a:defRPr/>
             </a:pPr>
             <a:r>
-              <a:rPr lang="en-US" smtClean="0">
+              <a:rPr lang="en-US">
                 <a:cs typeface="+mn-cs"/>
               </a:rPr>
               <a:t>Every recursive algorithm involves at least 2 cases:</a:t>
@@ -9525,38 +9248,38 @@
               <a:buNone/>
               <a:defRPr/>
             </a:pPr>
-            <a:endParaRPr lang="en-US" sz="800" smtClean="0"/>
-          </a:p>
-          <a:p>
-            <a:pPr lvl="1" eaLnBrk="1" hangingPunct="1">
-              <a:defRPr/>
-            </a:pPr>
-            <a:r>
-              <a:rPr lang="en-US" b="1" smtClean="0"/>
+            <a:endParaRPr lang="en-US" sz="800"/>
+          </a:p>
+          <a:p>
+            <a:pPr lvl="1" eaLnBrk="1" hangingPunct="1">
+              <a:defRPr/>
+            </a:pPr>
+            <a:r>
+              <a:rPr lang="en-US" b="1"/>
               <a:t>base case</a:t>
             </a:r>
             <a:r>
-              <a:rPr lang="en-US" smtClean="0"/>
+              <a:rPr lang="en-US"/>
               <a:t>: A simple occurrence that can be answered directly.</a:t>
             </a:r>
-            <a:endParaRPr lang="en-US" i="1" smtClean="0"/>
-          </a:p>
-          <a:p>
-            <a:pPr lvl="1" eaLnBrk="1" hangingPunct="1">
-              <a:defRPr/>
-            </a:pPr>
-            <a:endParaRPr lang="en-US" i="1" smtClean="0"/>
-          </a:p>
-          <a:p>
-            <a:pPr lvl="1" eaLnBrk="1" hangingPunct="1">
-              <a:defRPr/>
-            </a:pPr>
-            <a:r>
-              <a:rPr lang="en-US" b="1" smtClean="0"/>
+            <a:endParaRPr lang="en-US" i="1"/>
+          </a:p>
+          <a:p>
+            <a:pPr lvl="1" eaLnBrk="1" hangingPunct="1">
+              <a:defRPr/>
+            </a:pPr>
+            <a:endParaRPr lang="en-US" i="1"/>
+          </a:p>
+          <a:p>
+            <a:pPr lvl="1" eaLnBrk="1" hangingPunct="1">
+              <a:defRPr/>
+            </a:pPr>
+            <a:r>
+              <a:rPr lang="en-US" b="1"/>
               <a:t>recursive case</a:t>
             </a:r>
             <a:r>
-              <a:rPr lang="en-US" smtClean="0"/>
+              <a:rPr lang="en-US"/>
               <a:t>: A more complex occurrence of the problem that cannot be directly answered, but can instead be described in terms of smaller occurrences of the same problem.</a:t>
             </a:r>
           </a:p>
@@ -9564,20 +9287,20 @@
             <a:pPr lvl="1" eaLnBrk="1" hangingPunct="1">
               <a:defRPr/>
             </a:pPr>
-            <a:endParaRPr lang="en-US" i="1" smtClean="0"/>
-          </a:p>
-          <a:p>
-            <a:pPr lvl="1" eaLnBrk="1" hangingPunct="1">
-              <a:defRPr/>
-            </a:pPr>
-            <a:endParaRPr lang="en-US" smtClean="0"/>
-          </a:p>
-          <a:p>
-            <a:pPr lvl="1" eaLnBrk="1" hangingPunct="1">
-              <a:defRPr/>
-            </a:pPr>
-            <a:r>
-              <a:rPr lang="en-US" smtClean="0"/>
+            <a:endParaRPr lang="en-US" i="1"/>
+          </a:p>
+          <a:p>
+            <a:pPr lvl="1" eaLnBrk="1" hangingPunct="1">
+              <a:defRPr/>
+            </a:pPr>
+            <a:endParaRPr lang="en-US"/>
+          </a:p>
+          <a:p>
+            <a:pPr lvl="1" eaLnBrk="1" hangingPunct="1">
+              <a:defRPr/>
+            </a:pPr>
+            <a:r>
+              <a:rPr lang="en-US"/>
               <a:t>Some recursive algorithms have more than one base or recursive case, but all have at least one of each.</a:t>
             </a:r>
           </a:p>
@@ -9586,7 +9309,7 @@
               <a:defRPr/>
             </a:pPr>
             <a:r>
-              <a:rPr lang="en-US" smtClean="0"/>
+              <a:rPr lang="en-US"/>
               <a:t>A crucial part of recursive programming is identifying these cases.</a:t>
             </a:r>
           </a:p>
@@ -9597,13 +9320,6 @@
   <p:clrMapOvr>
     <a:masterClrMapping/>
   </p:clrMapOvr>
-  <p:timing>
-    <p:tnLst>
-      <p:par>
-        <p:cTn xmlns:p14="http://schemas.microsoft.com/office/powerpoint/2010/main" id="1" dur="indefinite" restart="never" nodeType="tmRoot"/>
-      </p:par>
-    </p:tnLst>
-  </p:timing>
 </p:sld>
 </file>
 
@@ -9643,7 +9359,7 @@
               <a:defRPr/>
             </a:pPr>
             <a:r>
-              <a:rPr lang="en-US" dirty="0" smtClean="0">
+              <a:rPr lang="en-US" dirty="0">
                 <a:cs typeface="+mj-cs"/>
               </a:rPr>
               <a:t>Example</a:t>
@@ -9676,7 +9392,7 @@
               <a:defRPr/>
             </a:pPr>
             <a:r>
-              <a:rPr lang="en-US" dirty="0" smtClean="0"/>
+              <a:rPr lang="en-US" dirty="0"/>
               <a:t>You are lined up in front of your favorite store for Black Friday deals. The line is long and wraps around the building so that you cannot see the front of the line. How do you figure out your position without getting out of line? </a:t>
             </a:r>
           </a:p>
@@ -9686,7 +9402,7 @@
               <a:defRPr/>
             </a:pPr>
             <a:r>
-              <a:rPr lang="en-US" dirty="0" smtClean="0"/>
+              <a:rPr lang="en-US" dirty="0"/>
               <a:t>Answer: Ask the person in front of you.</a:t>
             </a:r>
           </a:p>
@@ -9703,13 +9419,33 @@
               <a:defRPr/>
             </a:pPr>
             <a:r>
-              <a:rPr lang="en-US" b="1" dirty="0" smtClean="0"/>
+              <a:rPr lang="en-US" b="1" dirty="0"/>
               <a:t>Base case: </a:t>
             </a:r>
             <a:r>
-              <a:rPr lang="en-US" dirty="0" smtClean="0"/>
+              <a:rPr lang="en-US" dirty="0"/>
               <a:t>If a customer is at the front of the line and someone asks him for his position, he’ll “return” 1.</a:t>
             </a:r>
+          </a:p>
+          <a:p>
+            <a:pPr marL="0" indent="0" eaLnBrk="1" hangingPunct="1">
+              <a:buNone/>
+              <a:defRPr/>
+            </a:pPr>
+            <a:r>
+              <a:rPr lang="en-US" b="1" dirty="0"/>
+              <a:t>Recursive case: </a:t>
+            </a:r>
+            <a:r>
+              <a:rPr lang="en-US" dirty="0"/>
+              <a:t>If a customer is at position n and someone asks him for his position, he’ll ask the person in front of him. </a:t>
+            </a:r>
+          </a:p>
+          <a:p>
+            <a:pPr marL="0" indent="0" eaLnBrk="1" hangingPunct="1">
+              <a:buNone/>
+              <a:defRPr/>
+            </a:pPr>
             <a:endParaRPr lang="en-US" dirty="0"/>
           </a:p>
           <a:p>
@@ -9718,12 +9454,8 @@
               <a:defRPr/>
             </a:pPr>
             <a:r>
-              <a:rPr lang="en-US" b="1" dirty="0" smtClean="0"/>
-              <a:t>Recursive case: </a:t>
-            </a:r>
-            <a:r>
-              <a:rPr lang="en-US" dirty="0" smtClean="0"/>
-              <a:t>If a customer is at position n and someone asks him for his position, he’ll ask the person in front of him. </a:t>
+              <a:rPr lang="en-US" b="1" dirty="0"/>
+              <a:t>Note: The recursive case reduces an n problem to an n-1 problem.</a:t>
             </a:r>
           </a:p>
           <a:p>
@@ -9738,24 +9470,7 @@
               <a:buNone/>
               <a:defRPr/>
             </a:pPr>
-            <a:r>
-              <a:rPr lang="en-US" b="1" dirty="0" smtClean="0"/>
-              <a:t>Note: The recursive case reduces an n problem to an n-1 problem.</a:t>
-            </a:r>
-          </a:p>
-          <a:p>
-            <a:pPr marL="0" indent="0" eaLnBrk="1" hangingPunct="1">
-              <a:buNone/>
-              <a:defRPr/>
-            </a:pPr>
             <a:endParaRPr lang="en-US" dirty="0"/>
-          </a:p>
-          <a:p>
-            <a:pPr marL="0" indent="0" eaLnBrk="1" hangingPunct="1">
-              <a:buNone/>
-              <a:defRPr/>
-            </a:pPr>
-            <a:endParaRPr lang="en-US" dirty="0" smtClean="0"/>
           </a:p>
         </p:txBody>
       </p:sp>
@@ -9772,7 +9487,7 @@
   <p:timing>
     <p:tnLst>
       <p:par>
-        <p:cTn xmlns:p14="http://schemas.microsoft.com/office/powerpoint/2010/main" id="1" dur="indefinite" restart="never" nodeType="tmRoot">
+        <p:cTn id="1" dur="indefinite" restart="never" nodeType="tmRoot">
           <p:childTnLst>
             <p:seq concurrent="1" nextAc="seek">
               <p:cTn id="2" dur="indefinite" nodeType="mainSeq">
@@ -10083,7 +9798,7 @@
               <a:defRPr/>
             </a:pPr>
             <a:r>
-              <a:rPr lang="en-US" smtClean="0">
+              <a:rPr lang="en-US">
                 <a:cs typeface="+mj-cs"/>
               </a:rPr>
               <a:t>Recursion in Java</a:t>
@@ -10110,20 +9825,20 @@
               <a:defRPr/>
             </a:pPr>
             <a:r>
-              <a:rPr lang="en-US" smtClean="0">
+              <a:rPr lang="en-US">
                 <a:cs typeface="+mn-cs"/>
               </a:rPr>
               <a:t>Consider the following method to print a line of </a:t>
             </a:r>
             <a:r>
-              <a:rPr lang="en-US" smtClean="0">
+              <a:rPr lang="en-US">
                 <a:latin typeface="Courier New" charset="0"/>
                 <a:cs typeface="+mn-cs"/>
               </a:rPr>
               <a:t>*</a:t>
             </a:r>
             <a:r>
-              <a:rPr lang="en-US" smtClean="0">
+              <a:rPr lang="en-US">
                 <a:cs typeface="+mn-cs"/>
               </a:rPr>
               <a:t> characters:</a:t>
@@ -10138,7 +9853,7 @@
               <a:buNone/>
               <a:defRPr/>
             </a:pPr>
-            <a:endParaRPr lang="en-US" sz="2000" smtClean="0">
+            <a:endParaRPr lang="en-US" sz="2000">
               <a:latin typeface="Courier New" charset="0"/>
             </a:endParaRPr>
           </a:p>
@@ -10152,7 +9867,7 @@
               <a:defRPr/>
             </a:pPr>
             <a:r>
-              <a:rPr lang="en-US" sz="2000" b="1" smtClean="0">
+              <a:rPr lang="en-US" sz="2000" b="1">
                 <a:solidFill>
                   <a:srgbClr val="008000"/>
                 </a:solidFill>
@@ -10171,7 +9886,7 @@
               <a:defRPr/>
             </a:pPr>
             <a:r>
-              <a:rPr lang="en-US" sz="2000" b="1" smtClean="0">
+              <a:rPr lang="en-US" sz="2000" b="1">
                 <a:solidFill>
                   <a:srgbClr val="008000"/>
                 </a:solidFill>
@@ -10190,7 +9905,7 @@
               <a:defRPr/>
             </a:pPr>
             <a:r>
-              <a:rPr lang="en-US" sz="2000" smtClean="0">
+              <a:rPr lang="en-US" sz="2000">
                 <a:latin typeface="Courier New" charset="0"/>
               </a:rPr>
               <a:t>public static void printStars(int n) {</a:t>
@@ -10206,7 +9921,7 @@
               <a:defRPr/>
             </a:pPr>
             <a:r>
-              <a:rPr lang="en-US" sz="2000" smtClean="0">
+              <a:rPr lang="en-US" sz="2000">
                 <a:latin typeface="Courier New" charset="0"/>
               </a:rPr>
               <a:t>    for (int i = 0; i &lt; n; i++) {</a:t>
@@ -10222,7 +9937,7 @@
               <a:defRPr/>
             </a:pPr>
             <a:r>
-              <a:rPr lang="en-US" sz="2000" smtClean="0">
+              <a:rPr lang="en-US" sz="2000">
                 <a:latin typeface="Courier New" charset="0"/>
               </a:rPr>
               <a:t>        System.out.print("*");</a:t>
@@ -10238,7 +9953,7 @@
               <a:defRPr/>
             </a:pPr>
             <a:r>
-              <a:rPr lang="en-US" sz="2000" smtClean="0">
+              <a:rPr lang="en-US" sz="2000">
                 <a:latin typeface="Courier New" charset="0"/>
               </a:rPr>
               <a:t>    }</a:t>
@@ -10254,13 +9969,13 @@
               <a:defRPr/>
             </a:pPr>
             <a:r>
-              <a:rPr lang="en-US" sz="2000" smtClean="0">
+              <a:rPr lang="en-US" sz="2000">
                 <a:latin typeface="Courier New" charset="0"/>
               </a:rPr>
               <a:t>    System.out.println();   </a:t>
             </a:r>
             <a:r>
-              <a:rPr lang="en-US" sz="2000" b="1" smtClean="0">
+              <a:rPr lang="en-US" sz="2000" b="1">
                 <a:solidFill>
                   <a:srgbClr val="008000"/>
                 </a:solidFill>
@@ -10279,7 +9994,7 @@
               <a:defRPr/>
             </a:pPr>
             <a:r>
-              <a:rPr lang="en-US" sz="2000" smtClean="0">
+              <a:rPr lang="en-US" sz="2000">
                 <a:latin typeface="Courier New" charset="0"/>
               </a:rPr>
               <a:t>}</a:t>
@@ -10294,7 +10009,7 @@
               <a:buNone/>
               <a:defRPr/>
             </a:pPr>
-            <a:endParaRPr lang="en-US" sz="2000" smtClean="0">
+            <a:endParaRPr lang="en-US" sz="2000">
               <a:latin typeface="Courier New" charset="0"/>
             </a:endParaRPr>
           </a:p>
@@ -10304,14 +10019,14 @@
               <a:buNone/>
               <a:defRPr/>
             </a:pPr>
-            <a:endParaRPr lang="en-US" smtClean="0"/>
+            <a:endParaRPr lang="en-US"/>
           </a:p>
           <a:p>
             <a:pPr eaLnBrk="1" hangingPunct="1">
               <a:defRPr/>
             </a:pPr>
             <a:r>
-              <a:rPr lang="en-US" smtClean="0">
+              <a:rPr lang="en-US">
                 <a:cs typeface="+mn-cs"/>
               </a:rPr>
               <a:t>Write a recursive version of this method (that calls itself).</a:t>
@@ -10322,15 +10037,15 @@
               <a:defRPr/>
             </a:pPr>
             <a:r>
-              <a:rPr lang="en-US" smtClean="0"/>
+              <a:rPr lang="en-US"/>
               <a:t>Solve the problem </a:t>
             </a:r>
             <a:r>
-              <a:rPr lang="en-US" u="sng" smtClean="0"/>
+              <a:rPr lang="en-US" u="sng"/>
               <a:t>without using any loops</a:t>
             </a:r>
             <a:r>
-              <a:rPr lang="en-US" smtClean="0"/>
+              <a:rPr lang="en-US"/>
               <a:t>.</a:t>
             </a:r>
           </a:p>
@@ -10339,7 +10054,7 @@
               <a:defRPr/>
             </a:pPr>
             <a:r>
-              <a:rPr lang="en-US" smtClean="0"/>
+              <a:rPr lang="en-US"/>
               <a:t>Hint: Your solution should print just one star at a time.</a:t>
             </a:r>
           </a:p>
@@ -10353,7 +10068,7 @@
   <p:timing>
     <p:tnLst>
       <p:par>
-        <p:cTn xmlns:p14="http://schemas.microsoft.com/office/powerpoint/2010/main" id="1" dur="indefinite" restart="never" nodeType="tmRoot">
+        <p:cTn id="1" dur="indefinite" restart="never" nodeType="tmRoot">
           <p:childTnLst>
             <p:seq concurrent="1" nextAc="seek">
               <p:cTn id="2" dur="indefinite" nodeType="mainSeq">
@@ -10480,7 +10195,7 @@
               <a:defRPr/>
             </a:pPr>
             <a:r>
-              <a:rPr lang="en-US" smtClean="0">
+              <a:rPr lang="en-US">
                 <a:cs typeface="+mj-cs"/>
               </a:rPr>
               <a:t>"Recursion Zen"</a:t>
@@ -10507,20 +10222,20 @@
               <a:defRPr/>
             </a:pPr>
             <a:r>
-              <a:rPr lang="en-US" dirty="0" smtClean="0">
+              <a:rPr lang="en-US" dirty="0">
                 <a:cs typeface="+mn-cs"/>
               </a:rPr>
               <a:t>The real, even simpler, base case is an </a:t>
             </a:r>
             <a:r>
-              <a:rPr lang="en-US" dirty="0" smtClean="0">
+              <a:rPr lang="en-US" dirty="0">
                 <a:latin typeface="Courier New" charset="0"/>
                 <a:cs typeface="+mn-cs"/>
               </a:rPr>
               <a:t>n</a:t>
             </a:r>
             <a:r>
-              <a:rPr lang="en-US" dirty="0" smtClean="0">
+              <a:rPr lang="en-US" dirty="0">
                 <a:cs typeface="+mn-cs"/>
               </a:rPr>
               <a:t> of 0, not 1:</a:t>
@@ -10535,7 +10250,7 @@
               <a:buNone/>
               <a:defRPr/>
             </a:pPr>
-            <a:endParaRPr lang="en-US" sz="800" dirty="0" smtClean="0">
+            <a:endParaRPr lang="en-US" sz="800" dirty="0">
               <a:latin typeface="Courier New" charset="0"/>
             </a:endParaRPr>
           </a:p>
@@ -10549,31 +10264,31 @@
               <a:defRPr/>
             </a:pPr>
             <a:r>
-              <a:rPr lang="en-US" sz="2000" dirty="0" smtClean="0">
+              <a:rPr lang="en-US" sz="2000" dirty="0">
                 <a:latin typeface="Courier New" charset="0"/>
               </a:rPr>
               <a:t>public static void </a:t>
             </a:r>
             <a:r>
-              <a:rPr lang="en-US" sz="2000" dirty="0" err="1" smtClean="0">
+              <a:rPr lang="en-US" sz="2000" dirty="0" err="1">
                 <a:latin typeface="Courier New" charset="0"/>
               </a:rPr>
               <a:t>printStars</a:t>
             </a:r>
             <a:r>
-              <a:rPr lang="en-US" sz="2000" dirty="0" smtClean="0">
+              <a:rPr lang="en-US" sz="2000" dirty="0">
                 <a:latin typeface="Courier New" charset="0"/>
               </a:rPr>
               <a:t>(</a:t>
             </a:r>
             <a:r>
-              <a:rPr lang="en-US" sz="2000" dirty="0" err="1" smtClean="0">
+              <a:rPr lang="en-US" sz="2000" dirty="0" err="1">
                 <a:latin typeface="Courier New" charset="0"/>
               </a:rPr>
               <a:t>int</a:t>
             </a:r>
             <a:r>
-              <a:rPr lang="en-US" sz="2000" dirty="0" smtClean="0">
+              <a:rPr lang="en-US" sz="2000" dirty="0">
                 <a:latin typeface="Courier New" charset="0"/>
               </a:rPr>
               <a:t> n) {</a:t>
@@ -10589,13 +10304,13 @@
               <a:defRPr/>
             </a:pPr>
             <a:r>
-              <a:rPr lang="en-US" sz="2000" dirty="0" smtClean="0">
+              <a:rPr lang="en-US" sz="2000" dirty="0">
                 <a:latin typeface="Courier New" charset="0"/>
               </a:rPr>
               <a:t>    if (n == </a:t>
             </a:r>
             <a:r>
-              <a:rPr lang="en-US" sz="2000" b="1" dirty="0" smtClean="0">
+              <a:rPr lang="en-US" sz="2000" b="1" dirty="0">
                 <a:solidFill>
                   <a:schemeClr val="accent2"/>
                 </a:solidFill>
@@ -10604,7 +10319,7 @@
               <a:t>0</a:t>
             </a:r>
             <a:r>
-              <a:rPr lang="en-US" sz="2000" dirty="0" smtClean="0">
+              <a:rPr lang="en-US" sz="2000" dirty="0">
                 <a:latin typeface="Courier New" charset="0"/>
               </a:rPr>
               <a:t>) {</a:t>
@@ -10620,7 +10335,7 @@
               <a:defRPr/>
             </a:pPr>
             <a:r>
-              <a:rPr lang="en-US" sz="2000" b="1" dirty="0" smtClean="0">
+              <a:rPr lang="en-US" sz="2000" b="1" dirty="0">
                 <a:solidFill>
                   <a:srgbClr val="008000"/>
                 </a:solidFill>
@@ -10639,19 +10354,19 @@
               <a:defRPr/>
             </a:pPr>
             <a:r>
-              <a:rPr lang="en-US" sz="2000" dirty="0" smtClean="0">
+              <a:rPr lang="en-US" sz="2000" dirty="0">
                 <a:latin typeface="Courier New" charset="0"/>
               </a:rPr>
               <a:t>        </a:t>
             </a:r>
             <a:r>
-              <a:rPr lang="en-US" sz="2000" dirty="0" err="1" smtClean="0">
+              <a:rPr lang="en-US" sz="2000" dirty="0" err="1">
                 <a:latin typeface="Courier New" charset="0"/>
               </a:rPr>
               <a:t>System.out.println</a:t>
             </a:r>
             <a:r>
-              <a:rPr lang="en-US" sz="2000" b="1" dirty="0" smtClean="0">
+              <a:rPr lang="en-US" sz="2000" b="1" dirty="0">
                 <a:solidFill>
                   <a:schemeClr val="accent2"/>
                 </a:solidFill>
@@ -10660,7 +10375,7 @@
               <a:t>()</a:t>
             </a:r>
             <a:r>
-              <a:rPr lang="en-US" sz="2000" dirty="0" smtClean="0">
+              <a:rPr lang="en-US" sz="2000" dirty="0">
                 <a:latin typeface="Courier New" charset="0"/>
               </a:rPr>
               <a:t>;</a:t>
@@ -10676,7 +10391,7 @@
               <a:defRPr/>
             </a:pPr>
             <a:r>
-              <a:rPr lang="en-US" sz="2000" dirty="0" smtClean="0">
+              <a:rPr lang="en-US" sz="2000" dirty="0">
                 <a:latin typeface="Courier New" charset="0"/>
               </a:rPr>
               <a:t>    } else {</a:t>
@@ -10692,7 +10407,7 @@
               <a:defRPr/>
             </a:pPr>
             <a:r>
-              <a:rPr lang="en-US" sz="2000" b="1" dirty="0" smtClean="0">
+              <a:rPr lang="en-US" sz="2000" b="1" dirty="0">
                 <a:solidFill>
                   <a:srgbClr val="008000"/>
                 </a:solidFill>
@@ -10711,19 +10426,19 @@
               <a:defRPr/>
             </a:pPr>
             <a:r>
-              <a:rPr lang="en-US" sz="2000" dirty="0" smtClean="0">
+              <a:rPr lang="en-US" sz="2000" dirty="0">
                 <a:latin typeface="Courier New" charset="0"/>
               </a:rPr>
               <a:t>        </a:t>
             </a:r>
             <a:r>
-              <a:rPr lang="en-US" sz="2000" dirty="0" err="1" smtClean="0">
+              <a:rPr lang="en-US" sz="2000" dirty="0" err="1">
                 <a:latin typeface="Courier New" charset="0"/>
               </a:rPr>
               <a:t>System.out.print</a:t>
             </a:r>
             <a:r>
-              <a:rPr lang="en-US" sz="2000" dirty="0" smtClean="0">
+              <a:rPr lang="en-US" sz="2000" dirty="0">
                 <a:latin typeface="Courier New" charset="0"/>
               </a:rPr>
               <a:t>("*");</a:t>
@@ -10739,24 +10454,24 @@
               <a:defRPr/>
             </a:pPr>
             <a:r>
-              <a:rPr lang="en-US" sz="2000" b="1" dirty="0" smtClean="0">
+              <a:rPr lang="en-US" sz="2000" b="1" dirty="0">
                 <a:latin typeface="Courier New" charset="0"/>
               </a:rPr>
               <a:t>        </a:t>
             </a:r>
             <a:r>
-              <a:rPr lang="en-US" sz="2000" b="1" dirty="0" err="1" smtClean="0">
+              <a:rPr lang="en-US" sz="2000" b="1" dirty="0" err="1">
                 <a:latin typeface="Courier New" charset="0"/>
               </a:rPr>
               <a:t>printStars</a:t>
             </a:r>
             <a:r>
-              <a:rPr lang="en-US" sz="2000" b="1" dirty="0" smtClean="0">
+              <a:rPr lang="en-US" sz="2000" b="1" dirty="0">
                 <a:latin typeface="Courier New" charset="0"/>
               </a:rPr>
               <a:t>(n - 1);</a:t>
             </a:r>
-            <a:endParaRPr lang="en-US" sz="2000" b="1" dirty="0" smtClean="0">
+            <a:endParaRPr lang="en-US" sz="2000" b="1" dirty="0">
               <a:solidFill>
                 <a:srgbClr val="008000"/>
               </a:solidFill>
@@ -10773,12 +10488,12 @@
               <a:defRPr/>
             </a:pPr>
             <a:r>
-              <a:rPr lang="en-US" sz="2000" dirty="0" smtClean="0">
+              <a:rPr lang="en-US" sz="2000" dirty="0">
                 <a:latin typeface="Courier New" charset="0"/>
               </a:rPr>
               <a:t>    }</a:t>
             </a:r>
-            <a:endParaRPr lang="en-US" sz="2000" b="1" dirty="0" smtClean="0">
+            <a:endParaRPr lang="en-US" sz="2000" b="1" dirty="0">
               <a:solidFill>
                 <a:srgbClr val="008000"/>
               </a:solidFill>
@@ -10795,7 +10510,7 @@
               <a:defRPr/>
             </a:pPr>
             <a:r>
-              <a:rPr lang="en-US" sz="2000" dirty="0" smtClean="0">
+              <a:rPr lang="en-US" sz="2000" dirty="0">
                 <a:latin typeface="Courier New" charset="0"/>
               </a:rPr>
               <a:t>}</a:t>
@@ -10810,7 +10525,7 @@
               <a:buNone/>
               <a:defRPr/>
             </a:pPr>
-            <a:endParaRPr lang="en-US" sz="2000" dirty="0" smtClean="0">
+            <a:endParaRPr lang="en-US" sz="2000" dirty="0">
               <a:latin typeface="Courier New" charset="0"/>
             </a:endParaRPr>
           </a:p>
@@ -10823,7 +10538,7 @@
               <a:buNone/>
               <a:defRPr/>
             </a:pPr>
-            <a:endParaRPr lang="en-US" sz="2000" dirty="0" smtClean="0">
+            <a:endParaRPr lang="en-US" sz="2000" dirty="0">
               <a:latin typeface="Courier New" charset="0"/>
             </a:endParaRPr>
           </a:p>
@@ -10832,24 +10547,20 @@
               <a:defRPr/>
             </a:pPr>
             <a:r>
-              <a:rPr lang="en-US" b="1" dirty="0" smtClean="0"/>
+              <a:rPr lang="en-US" b="1" dirty="0"/>
               <a:t>Recursion Zen</a:t>
             </a:r>
             <a:r>
-              <a:rPr lang="en-US" dirty="0" smtClean="0"/>
+              <a:rPr lang="en-US" dirty="0"/>
               <a:t>: The art of properly identifying the best set of cases for a recursive algorithm and expressing them elegantly.</a:t>
             </a:r>
             <a:br>
-              <a:rPr lang="en-US" dirty="0" smtClean="0"/>
+              <a:rPr lang="en-US" dirty="0"/>
             </a:br>
-            <a:r>
-              <a:rPr lang="en-US" sz="800" dirty="0" smtClean="0"/>
-              <a:t/>
-            </a:r>
             <a:br>
-              <a:rPr lang="en-US" sz="800" dirty="0" smtClean="0"/>
+              <a:rPr lang="en-US" sz="800" dirty="0"/>
             </a:br>
-            <a:endParaRPr lang="en-US" dirty="0" smtClean="0"/>
+            <a:endParaRPr lang="en-US" dirty="0"/>
           </a:p>
         </p:txBody>
       </p:sp>
@@ -10858,13 +10569,6 @@
   <p:clrMapOvr>
     <a:masterClrMapping/>
   </p:clrMapOvr>
-  <p:timing>
-    <p:tnLst>
-      <p:par>
-        <p:cTn xmlns:p14="http://schemas.microsoft.com/office/powerpoint/2010/main" id="1" dur="indefinite" restart="never" nodeType="tmRoot"/>
-      </p:par>
-    </p:tnLst>
-  </p:timing>
 </p:sld>
 </file>
 
@@ -10904,7 +10608,7 @@
               <a:defRPr/>
             </a:pPr>
             <a:r>
-              <a:rPr lang="en-US" smtClean="0">
+              <a:rPr lang="en-US">
                 <a:cs typeface="+mj-cs"/>
               </a:rPr>
               <a:t>Exercise</a:t>
@@ -10931,20 +10635,20 @@
               <a:defRPr/>
             </a:pPr>
             <a:r>
-              <a:rPr lang="en-US" smtClean="0">
+              <a:rPr lang="en-US">
                 <a:cs typeface="+mn-cs"/>
               </a:rPr>
               <a:t>Write a recursive method </a:t>
             </a:r>
             <a:r>
-              <a:rPr lang="en-US" smtClean="0">
+              <a:rPr lang="en-US">
                 <a:latin typeface="Courier New" charset="0"/>
                 <a:cs typeface="+mn-cs"/>
               </a:rPr>
               <a:t>pow</a:t>
             </a:r>
             <a:r>
-              <a:rPr lang="en-US" smtClean="0">
+              <a:rPr lang="en-US">
                 <a:cs typeface="+mn-cs"/>
               </a:rPr>
               <a:t> accepts an integer base and exponent and returns the base raised to that exponent.</a:t>
@@ -10955,17 +10659,17 @@
               <a:defRPr/>
             </a:pPr>
             <a:r>
-              <a:rPr lang="en-US" smtClean="0"/>
+              <a:rPr lang="en-US"/>
               <a:t>Example: </a:t>
             </a:r>
             <a:r>
-              <a:rPr lang="en-US" smtClean="0">
+              <a:rPr lang="en-US">
                 <a:latin typeface="Courier New" charset="0"/>
               </a:rPr>
               <a:t>pow(3, 4)</a:t>
             </a:r>
             <a:r>
-              <a:rPr lang="en-US" smtClean="0"/>
+              <a:rPr lang="en-US"/>
               <a:t> returns 81</a:t>
             </a:r>
           </a:p>
@@ -10973,20 +10677,20 @@
             <a:pPr lvl="1" eaLnBrk="1" hangingPunct="1">
               <a:defRPr/>
             </a:pPr>
-            <a:endParaRPr lang="en-US" smtClean="0"/>
-          </a:p>
-          <a:p>
-            <a:pPr lvl="1" eaLnBrk="1" hangingPunct="1">
-              <a:defRPr/>
-            </a:pPr>
-            <a:endParaRPr lang="en-US" smtClean="0"/>
-          </a:p>
-          <a:p>
-            <a:pPr lvl="1" eaLnBrk="1" hangingPunct="1">
-              <a:defRPr/>
-            </a:pPr>
-            <a:r>
-              <a:rPr lang="en-US" smtClean="0"/>
+            <a:endParaRPr lang="en-US"/>
+          </a:p>
+          <a:p>
+            <a:pPr lvl="1" eaLnBrk="1" hangingPunct="1">
+              <a:defRPr/>
+            </a:pPr>
+            <a:endParaRPr lang="en-US"/>
+          </a:p>
+          <a:p>
+            <a:pPr lvl="1" eaLnBrk="1" hangingPunct="1">
+              <a:defRPr/>
+            </a:pPr>
+            <a:r>
+              <a:rPr lang="en-US"/>
               <a:t>Solve the problem recursively and without using loops.</a:t>
             </a:r>
           </a:p>
@@ -10997,13 +10701,6 @@
   <p:clrMapOvr>
     <a:masterClrMapping/>
   </p:clrMapOvr>
-  <p:timing>
-    <p:tnLst>
-      <p:par>
-        <p:cTn xmlns:p14="http://schemas.microsoft.com/office/powerpoint/2010/main" id="1" dur="indefinite" restart="never" nodeType="tmRoot"/>
-      </p:par>
-    </p:tnLst>
-  </p:timing>
 </p:sld>
 </file>
 
@@ -11043,14 +10740,14 @@
               <a:defRPr/>
             </a:pPr>
             <a:r>
-              <a:rPr lang="en-US" smtClean="0">
+              <a:rPr lang="en-US">
                 <a:latin typeface="Courier New" charset="0"/>
                 <a:cs typeface="+mj-cs"/>
               </a:rPr>
               <a:t>pow</a:t>
             </a:r>
             <a:r>
-              <a:rPr lang="en-US" smtClean="0">
+              <a:rPr lang="en-US">
                 <a:cs typeface="+mj-cs"/>
               </a:rPr>
               <a:t> solution</a:t>
@@ -11082,7 +10779,7 @@
               <a:defRPr/>
             </a:pPr>
             <a:r>
-              <a:rPr lang="en-US" sz="2000" b="1" smtClean="0">
+              <a:rPr lang="en-US" sz="2000" b="1">
                 <a:solidFill>
                   <a:srgbClr val="008000"/>
                 </a:solidFill>
@@ -11101,7 +10798,7 @@
               <a:defRPr/>
             </a:pPr>
             <a:r>
-              <a:rPr lang="en-US" sz="2000" b="1" smtClean="0">
+              <a:rPr lang="en-US" sz="2000" b="1">
                 <a:solidFill>
                   <a:srgbClr val="008000"/>
                 </a:solidFill>
@@ -11120,7 +10817,7 @@
               <a:defRPr/>
             </a:pPr>
             <a:r>
-              <a:rPr lang="en-US" sz="2000" smtClean="0">
+              <a:rPr lang="en-US" sz="2000">
                 <a:latin typeface="Courier New" charset="0"/>
               </a:rPr>
               <a:t>public static int pow(int base, int exponent) {</a:t>
@@ -11136,7 +10833,7 @@
               <a:defRPr/>
             </a:pPr>
             <a:r>
-              <a:rPr lang="en-US" sz="2000" smtClean="0">
+              <a:rPr lang="en-US" sz="2000">
                 <a:latin typeface="Courier New" charset="0"/>
               </a:rPr>
               <a:t>    if (exponent == 0) {</a:t>
@@ -11152,7 +10849,7 @@
               <a:defRPr/>
             </a:pPr>
             <a:r>
-              <a:rPr lang="en-US" sz="2000" b="1" smtClean="0">
+              <a:rPr lang="en-US" sz="2000" b="1">
                 <a:solidFill>
                   <a:srgbClr val="008000"/>
                 </a:solidFill>
@@ -11171,7 +10868,7 @@
               <a:defRPr/>
             </a:pPr>
             <a:r>
-              <a:rPr lang="en-US" sz="2000" smtClean="0">
+              <a:rPr lang="en-US" sz="2000">
                 <a:latin typeface="Courier New" charset="0"/>
               </a:rPr>
               <a:t>        return 1;</a:t>
@@ -11187,7 +10884,7 @@
               <a:defRPr/>
             </a:pPr>
             <a:r>
-              <a:rPr lang="en-US" sz="2000" smtClean="0">
+              <a:rPr lang="en-US" sz="2000">
                 <a:latin typeface="Courier New" charset="0"/>
               </a:rPr>
               <a:t>    } else {</a:t>
@@ -11203,7 +10900,7 @@
               <a:defRPr/>
             </a:pPr>
             <a:r>
-              <a:rPr lang="en-US" sz="2000" b="1" smtClean="0">
+              <a:rPr lang="en-US" sz="2000" b="1">
                 <a:solidFill>
                   <a:srgbClr val="008000"/>
                 </a:solidFill>
@@ -11222,7 +10919,7 @@
               <a:defRPr/>
             </a:pPr>
             <a:r>
-              <a:rPr lang="en-US" sz="2000" smtClean="0">
+              <a:rPr lang="en-US" sz="2000">
                 <a:latin typeface="Courier New" charset="0"/>
               </a:rPr>
               <a:t>        return base * pow(base, exponent - 1);</a:t>
@@ -11238,7 +10935,7 @@
               <a:defRPr/>
             </a:pPr>
             <a:r>
-              <a:rPr lang="en-US" sz="2000" smtClean="0">
+              <a:rPr lang="en-US" sz="2000">
                 <a:latin typeface="Courier New" charset="0"/>
               </a:rPr>
               <a:t>    }</a:t>
@@ -11254,7 +10951,7 @@
               <a:defRPr/>
             </a:pPr>
             <a:r>
-              <a:rPr lang="en-US" sz="2000" smtClean="0">
+              <a:rPr lang="en-US" sz="2000">
                 <a:latin typeface="Courier New" charset="0"/>
               </a:rPr>
               <a:t>}</a:t>
@@ -11267,13 +10964,6 @@
   <p:clrMapOvr>
     <a:masterClrMapping/>
   </p:clrMapOvr>
-  <p:timing>
-    <p:tnLst>
-      <p:par>
-        <p:cTn xmlns:p14="http://schemas.microsoft.com/office/powerpoint/2010/main" id="1" dur="indefinite" restart="never" nodeType="tmRoot"/>
-      </p:par>
-    </p:tnLst>
-  </p:timing>
 </p:sld>
 </file>
 
@@ -11523,7 +11213,7 @@
         <a:effectLst/>
         <a:extLst>
           <a:ext uri="{AF507438-7753-43e0-B8FC-AC1667EBCBE1}">
-            <a14:hiddenEffects xmlns:a14="http://schemas.microsoft.com/office/drawing/2010/main">
+            <a14:hiddenEffects xmlns:a14="http://schemas.microsoft.com/office/drawing/2010/main" xmlns="">
               <a:effectLst>
                 <a:outerShdw blurRad="63500" dist="38099" dir="2700000" algn="ctr" rotWithShape="0">
                   <a:schemeClr val="bg2">
@@ -11599,7 +11289,7 @@
         <a:effectLst/>
         <a:extLst>
           <a:ext uri="{AF507438-7753-43e0-B8FC-AC1667EBCBE1}">
-            <a14:hiddenEffects xmlns:a14="http://schemas.microsoft.com/office/drawing/2010/main">
+            <a14:hiddenEffects xmlns:a14="http://schemas.microsoft.com/office/drawing/2010/main" xmlns="">
               <a:effectLst>
                 <a:outerShdw blurRad="63500" dist="38099" dir="2700000" algn="ctr" rotWithShape="0">
                   <a:schemeClr val="bg2">
